--- a/Linux/Linux_2.pptx
+++ b/Linux/Linux_2.pptx
@@ -12,11 +12,13 @@
     <p:sldId id="260" r:id="rId6"/>
     <p:sldId id="261" r:id="rId7"/>
     <p:sldId id="262" r:id="rId8"/>
-    <p:sldId id="263" r:id="rId9"/>
-    <p:sldId id="264" r:id="rId10"/>
-    <p:sldId id="265" r:id="rId11"/>
-    <p:sldId id="266" r:id="rId12"/>
-    <p:sldId id="267" r:id="rId13"/>
+    <p:sldId id="268" r:id="rId9"/>
+    <p:sldId id="270" r:id="rId10"/>
+    <p:sldId id="269" r:id="rId11"/>
+    <p:sldId id="264" r:id="rId12"/>
+    <p:sldId id="265" r:id="rId13"/>
+    <p:sldId id="266" r:id="rId14"/>
+    <p:sldId id="267" r:id="rId15"/>
   </p:sldIdLst>
   <p:sldSz cx="9144000" cy="6858000" type="screen4x3"/>
   <p:notesSz cx="6858000" cy="9144000"/>
@@ -315,7 +317,7 @@
           <a:p>
             <a:fld id="{0C5695C2-1E2C-4DEF-BE03-41FD8AF1649F}" type="datetimeFigureOut">
               <a:rPr lang="zh-TW" altLang="en-US" smtClean="0"/>
-              <a:t>2019/5/6</a:t>
+              <a:t>2019/5/10</a:t>
             </a:fld>
             <a:endParaRPr lang="zh-TW" altLang="en-US"/>
           </a:p>
@@ -485,7 +487,7 @@
           <a:p>
             <a:fld id="{0C5695C2-1E2C-4DEF-BE03-41FD8AF1649F}" type="datetimeFigureOut">
               <a:rPr lang="zh-TW" altLang="en-US" smtClean="0"/>
-              <a:t>2019/5/6</a:t>
+              <a:t>2019/5/10</a:t>
             </a:fld>
             <a:endParaRPr lang="zh-TW" altLang="en-US"/>
           </a:p>
@@ -665,7 +667,7 @@
           <a:p>
             <a:fld id="{0C5695C2-1E2C-4DEF-BE03-41FD8AF1649F}" type="datetimeFigureOut">
               <a:rPr lang="zh-TW" altLang="en-US" smtClean="0"/>
-              <a:t>2019/5/6</a:t>
+              <a:t>2019/5/10</a:t>
             </a:fld>
             <a:endParaRPr lang="zh-TW" altLang="en-US"/>
           </a:p>
@@ -835,7 +837,7 @@
           <a:p>
             <a:fld id="{0C5695C2-1E2C-4DEF-BE03-41FD8AF1649F}" type="datetimeFigureOut">
               <a:rPr lang="zh-TW" altLang="en-US" smtClean="0"/>
-              <a:t>2019/5/6</a:t>
+              <a:t>2019/5/10</a:t>
             </a:fld>
             <a:endParaRPr lang="zh-TW" altLang="en-US"/>
           </a:p>
@@ -1081,7 +1083,7 @@
           <a:p>
             <a:fld id="{0C5695C2-1E2C-4DEF-BE03-41FD8AF1649F}" type="datetimeFigureOut">
               <a:rPr lang="zh-TW" altLang="en-US" smtClean="0"/>
-              <a:t>2019/5/6</a:t>
+              <a:t>2019/5/10</a:t>
             </a:fld>
             <a:endParaRPr lang="zh-TW" altLang="en-US"/>
           </a:p>
@@ -1369,7 +1371,7 @@
           <a:p>
             <a:fld id="{0C5695C2-1E2C-4DEF-BE03-41FD8AF1649F}" type="datetimeFigureOut">
               <a:rPr lang="zh-TW" altLang="en-US" smtClean="0"/>
-              <a:t>2019/5/6</a:t>
+              <a:t>2019/5/10</a:t>
             </a:fld>
             <a:endParaRPr lang="zh-TW" altLang="en-US"/>
           </a:p>
@@ -1791,7 +1793,7 @@
           <a:p>
             <a:fld id="{0C5695C2-1E2C-4DEF-BE03-41FD8AF1649F}" type="datetimeFigureOut">
               <a:rPr lang="zh-TW" altLang="en-US" smtClean="0"/>
-              <a:t>2019/5/6</a:t>
+              <a:t>2019/5/10</a:t>
             </a:fld>
             <a:endParaRPr lang="zh-TW" altLang="en-US"/>
           </a:p>
@@ -1909,7 +1911,7 @@
           <a:p>
             <a:fld id="{0C5695C2-1E2C-4DEF-BE03-41FD8AF1649F}" type="datetimeFigureOut">
               <a:rPr lang="zh-TW" altLang="en-US" smtClean="0"/>
-              <a:t>2019/5/6</a:t>
+              <a:t>2019/5/10</a:t>
             </a:fld>
             <a:endParaRPr lang="zh-TW" altLang="en-US"/>
           </a:p>
@@ -2004,7 +2006,7 @@
           <a:p>
             <a:fld id="{0C5695C2-1E2C-4DEF-BE03-41FD8AF1649F}" type="datetimeFigureOut">
               <a:rPr lang="zh-TW" altLang="en-US" smtClean="0"/>
-              <a:t>2019/5/6</a:t>
+              <a:t>2019/5/10</a:t>
             </a:fld>
             <a:endParaRPr lang="zh-TW" altLang="en-US"/>
           </a:p>
@@ -2281,7 +2283,7 @@
           <a:p>
             <a:fld id="{0C5695C2-1E2C-4DEF-BE03-41FD8AF1649F}" type="datetimeFigureOut">
               <a:rPr lang="zh-TW" altLang="en-US" smtClean="0"/>
-              <a:t>2019/5/6</a:t>
+              <a:t>2019/5/10</a:t>
             </a:fld>
             <a:endParaRPr lang="zh-TW" altLang="en-US"/>
           </a:p>
@@ -2534,7 +2536,7 @@
           <a:p>
             <a:fld id="{0C5695C2-1E2C-4DEF-BE03-41FD8AF1649F}" type="datetimeFigureOut">
               <a:rPr lang="zh-TW" altLang="en-US" smtClean="0"/>
-              <a:t>2019/5/6</a:t>
+              <a:t>2019/5/10</a:t>
             </a:fld>
             <a:endParaRPr lang="zh-TW" altLang="en-US"/>
           </a:p>
@@ -2747,7 +2749,7 @@
           <a:p>
             <a:fld id="{0C5695C2-1E2C-4DEF-BE03-41FD8AF1649F}" type="datetimeFigureOut">
               <a:rPr lang="zh-TW" altLang="en-US" smtClean="0"/>
-              <a:t>2019/5/6</a:t>
+              <a:t>2019/5/10</a:t>
             </a:fld>
             <a:endParaRPr lang="zh-TW" altLang="en-US"/>
           </a:p>
@@ -3231,198 +3233,184 @@
           <a:p>
             <a:r>
               <a:rPr lang="en-US" altLang="zh-TW" dirty="0" smtClean="0"/>
-              <a:t>6.</a:t>
-            </a:r>
-            <a:r>
-              <a:rPr lang="zh-TW" altLang="en-US" dirty="0" smtClean="0"/>
-              <a:t>使用者</a:t>
-            </a:r>
-            <a:r>
-              <a:rPr lang="en-US" altLang="zh-TW" dirty="0"/>
               <a:t>/</a:t>
             </a:r>
             <a:r>
+              <a:rPr lang="en-US" altLang="zh-TW" dirty="0" err="1" smtClean="0"/>
+              <a:t>etc</a:t>
+            </a:r>
+            <a:r>
+              <a:rPr lang="en-US" altLang="zh-TW" dirty="0" smtClean="0"/>
+              <a:t>/</a:t>
+            </a:r>
+            <a:r>
+              <a:rPr lang="en-US" altLang="zh-TW" dirty="0" err="1" smtClean="0"/>
+              <a:t>passwd</a:t>
+            </a:r>
+            <a:endParaRPr lang="zh-TW" altLang="en-US" dirty="0"/>
+          </a:p>
+        </p:txBody>
+      </p:sp>
+      <p:sp>
+        <p:nvSpPr>
+          <p:cNvPr id="3" name="內容版面配置區 2"/>
+          <p:cNvSpPr>
+            <a:spLocks noGrp="1"/>
+          </p:cNvSpPr>
+          <p:nvPr>
+            <p:ph idx="1"/>
+          </p:nvPr>
+        </p:nvSpPr>
+        <p:spPr/>
+        <p:txBody>
+          <a:bodyPr/>
+          <a:lstStyle/>
+          <a:p>
+            <a:r>
+              <a:rPr lang="zh-TW" altLang="en-US" dirty="0" smtClean="0"/>
+              <a:t>每行代表一個帳號</a:t>
+            </a:r>
+            <a:endParaRPr lang="en-US" altLang="zh-TW" dirty="0" smtClean="0"/>
+          </a:p>
+          <a:p>
+            <a:r>
+              <a:rPr lang="zh-TW" altLang="en-US" dirty="0" smtClean="0"/>
+              <a:t>格</a:t>
+            </a:r>
+            <a:r>
               <a:rPr lang="zh-TW" altLang="en-US" dirty="0"/>
-              <a:t>群組</a:t>
-            </a:r>
-            <a:r>
-              <a:rPr lang="zh-TW" altLang="en-US" dirty="0" smtClean="0"/>
-              <a:t>增刪改</a:t>
+              <a:t>式</a:t>
+            </a:r>
+            <a:r>
+              <a:rPr lang="en-US" altLang="zh-TW" dirty="0" smtClean="0"/>
+              <a:t>:</a:t>
+            </a:r>
+            <a:r>
+              <a:rPr lang="zh-TW" altLang="en-US" dirty="0" smtClean="0"/>
+              <a:t>帳號</a:t>
+            </a:r>
+            <a:r>
+              <a:rPr lang="en-US" altLang="zh-TW" dirty="0" smtClean="0"/>
+              <a:t>/</a:t>
+            </a:r>
+            <a:r>
+              <a:rPr lang="zh-TW" altLang="en-US" dirty="0" smtClean="0"/>
+              <a:t>密碼</a:t>
+            </a:r>
+            <a:r>
+              <a:rPr lang="en-US" altLang="zh-TW" dirty="0" smtClean="0"/>
+              <a:t>/UID/GID/</a:t>
+            </a:r>
+            <a:r>
+              <a:rPr lang="zh-TW" altLang="en-US" dirty="0" smtClean="0"/>
+              <a:t>使用者資訊</a:t>
+            </a:r>
+            <a:r>
+              <a:rPr lang="en-US" altLang="zh-TW" dirty="0" smtClean="0"/>
+              <a:t>/</a:t>
+            </a:r>
+            <a:r>
+              <a:rPr lang="zh-TW" altLang="en-US" dirty="0" smtClean="0"/>
+              <a:t>家目錄</a:t>
+            </a:r>
+            <a:r>
+              <a:rPr lang="en-US" altLang="zh-TW" dirty="0" smtClean="0"/>
+              <a:t>/Shell</a:t>
+            </a:r>
+          </a:p>
+          <a:p>
+            <a:r>
+              <a:rPr lang="zh-TW" altLang="en-US" dirty="0" smtClean="0"/>
+              <a:t>不可隨意更動</a:t>
             </a:r>
             <a:endParaRPr lang="zh-TW" altLang="en-US" dirty="0"/>
           </a:p>
         </p:txBody>
       </p:sp>
-      <p:sp>
-        <p:nvSpPr>
-          <p:cNvPr id="3" name="內容版面配置區 2"/>
-          <p:cNvSpPr>
-            <a:spLocks noGrp="1"/>
-          </p:cNvSpPr>
-          <p:nvPr>
-            <p:ph idx="1"/>
-          </p:nvPr>
-        </p:nvSpPr>
-        <p:spPr/>
-        <p:txBody>
-          <a:bodyPr/>
-          <a:lstStyle/>
-          <a:p>
+      <p:pic>
+        <p:nvPicPr>
+          <p:cNvPr id="5" name="圖片 4"/>
+          <p:cNvPicPr>
+            <a:picLocks noChangeAspect="1"/>
+          </p:cNvPicPr>
+          <p:nvPr/>
+        </p:nvPicPr>
+        <p:blipFill rotWithShape="1">
+          <a:blip r:embed="rId2"/>
+          <a:srcRect l="1408" b="65264"/>
+          <a:stretch/>
+        </p:blipFill>
+        <p:spPr>
+          <a:xfrm>
+            <a:off x="1115616" y="3789040"/>
+            <a:ext cx="6480720" cy="1979814"/>
+          </a:xfrm>
+          <a:prstGeom prst="rect">
+            <a:avLst/>
+          </a:prstGeom>
+        </p:spPr>
+      </p:pic>
+      <p:sp>
+        <p:nvSpPr>
+          <p:cNvPr id="6" name="文字方塊 5"/>
+          <p:cNvSpPr txBox="1"/>
+          <p:nvPr/>
+        </p:nvSpPr>
+        <p:spPr>
+          <a:xfrm>
+            <a:off x="2339752" y="5767216"/>
+            <a:ext cx="3096344" cy="369332"/>
+          </a:xfrm>
+          <a:prstGeom prst="rect">
+            <a:avLst/>
+          </a:prstGeom>
+          <a:noFill/>
+        </p:spPr>
+        <p:txBody>
+          <a:bodyPr wrap="square" rtlCol="0">
+            <a:spAutoFit/>
+          </a:bodyPr>
+          <a:lstStyle/>
+          <a:p>
+            <a:r>
+              <a:rPr lang="zh-TW" altLang="en-US" dirty="0" smtClean="0"/>
+              <a:t>圖</a:t>
+            </a:r>
+            <a:r>
+              <a:rPr lang="en-US" altLang="zh-TW" dirty="0" smtClean="0"/>
+              <a:t>2.5</a:t>
+            </a:r>
+            <a:r>
+              <a:rPr lang="zh-TW" altLang="en-US" dirty="0" smtClean="0"/>
+              <a:t> </a:t>
+            </a:r>
+            <a:r>
+              <a:rPr lang="en-US" altLang="zh-TW" dirty="0" smtClean="0"/>
+              <a:t>vi</a:t>
+            </a:r>
+            <a:r>
+              <a:rPr lang="zh-TW" altLang="en-US" dirty="0" smtClean="0"/>
+              <a:t> </a:t>
+            </a:r>
+            <a:r>
+              <a:rPr lang="en-US" altLang="zh-TW" dirty="0" smtClean="0"/>
+              <a:t>/</a:t>
+            </a:r>
             <a:r>
               <a:rPr lang="en-US" altLang="zh-TW" dirty="0" err="1" smtClean="0"/>
-              <a:t>adduser</a:t>
-            </a:r>
-            <a:r>
-              <a:rPr lang="en-US" altLang="zh-TW" dirty="0" smtClean="0"/>
-              <a:t> [username]:</a:t>
-            </a:r>
-            <a:r>
-              <a:rPr lang="zh-TW" altLang="en-US" dirty="0" smtClean="0"/>
-              <a:t>新增使用者</a:t>
-            </a:r>
-            <a:endParaRPr lang="en-US" altLang="zh-TW" dirty="0" smtClean="0"/>
-          </a:p>
-          <a:p>
-            <a:r>
-              <a:rPr lang="en-US" altLang="zh-TW" dirty="0" err="1"/>
-              <a:t>a</a:t>
+              <a:t>etc</a:t>
+            </a:r>
+            <a:r>
+              <a:rPr lang="en-US" altLang="zh-TW" dirty="0" smtClean="0"/>
+              <a:t>/</a:t>
             </a:r>
             <a:r>
               <a:rPr lang="en-US" altLang="zh-TW" dirty="0" err="1" smtClean="0"/>
-              <a:t>dduser</a:t>
-            </a:r>
-            <a:r>
-              <a:rPr lang="zh-TW" altLang="en-US" dirty="0" smtClean="0"/>
-              <a:t>參數</a:t>
-            </a:r>
-            <a:r>
-              <a:rPr lang="en-US" altLang="zh-TW" dirty="0" smtClean="0"/>
-              <a:t>:-G</a:t>
-            </a:r>
-            <a:r>
-              <a:rPr lang="zh-TW" altLang="en-US" dirty="0" smtClean="0"/>
-              <a:t> </a:t>
-            </a:r>
-            <a:r>
-              <a:rPr lang="en-US" altLang="zh-TW" dirty="0" smtClean="0"/>
-              <a:t>[group]</a:t>
-            </a:r>
-            <a:r>
-              <a:rPr lang="zh-TW" altLang="en-US" dirty="0" smtClean="0"/>
-              <a:t> 新增使用者至群組</a:t>
-            </a:r>
-            <a:endParaRPr lang="en-US" altLang="zh-TW" dirty="0" smtClean="0"/>
-          </a:p>
-          <a:p>
-            <a:r>
-              <a:rPr lang="en-US" altLang="zh-TW" dirty="0" err="1"/>
-              <a:t>adduser</a:t>
-            </a:r>
-            <a:r>
-              <a:rPr lang="zh-TW" altLang="en-US" dirty="0"/>
-              <a:t>參數</a:t>
-            </a:r>
-            <a:r>
-              <a:rPr lang="en-US" altLang="zh-TW" dirty="0" smtClean="0"/>
-              <a:t>:-u [UID] </a:t>
-            </a:r>
-            <a:r>
-              <a:rPr lang="zh-TW" altLang="en-US" dirty="0" smtClean="0"/>
-              <a:t>新增指定</a:t>
-            </a:r>
-            <a:r>
-              <a:rPr lang="en-US" altLang="zh-TW" dirty="0" smtClean="0"/>
-              <a:t>UID</a:t>
-            </a:r>
-            <a:r>
-              <a:rPr lang="zh-TW" altLang="en-US" dirty="0" smtClean="0"/>
-              <a:t>使用者</a:t>
-            </a:r>
-            <a:endParaRPr lang="en-US" altLang="zh-TW" dirty="0" smtClean="0"/>
-          </a:p>
-          <a:p>
-            <a:r>
-              <a:rPr lang="en-US" altLang="zh-TW" dirty="0" err="1" smtClean="0"/>
-              <a:t>deluser</a:t>
-            </a:r>
-            <a:r>
-              <a:rPr lang="en-US" altLang="zh-TW" dirty="0" smtClean="0"/>
-              <a:t> [username]:</a:t>
-            </a:r>
-            <a:r>
-              <a:rPr lang="zh-TW" altLang="en-US" dirty="0" smtClean="0"/>
-              <a:t>刪除使用者</a:t>
-            </a:r>
-            <a:r>
-              <a:rPr lang="en-US" altLang="zh-TW" dirty="0" smtClean="0"/>
-              <a:t> </a:t>
-            </a:r>
-          </a:p>
-          <a:p>
-            <a:r>
-              <a:rPr lang="en-US" altLang="zh-TW" dirty="0" err="1" smtClean="0"/>
-              <a:t>addgroup</a:t>
-            </a:r>
-            <a:r>
-              <a:rPr lang="en-US" altLang="zh-TW" dirty="0" smtClean="0"/>
-              <a:t> [</a:t>
-            </a:r>
-            <a:r>
-              <a:rPr lang="en-US" altLang="zh-TW" dirty="0" err="1" smtClean="0"/>
-              <a:t>groupname</a:t>
-            </a:r>
-            <a:r>
-              <a:rPr lang="en-US" altLang="zh-TW" dirty="0" smtClean="0"/>
-              <a:t>]:</a:t>
-            </a:r>
-            <a:r>
-              <a:rPr lang="zh-TW" altLang="en-US" dirty="0" smtClean="0"/>
-              <a:t>新增群組</a:t>
-            </a:r>
-            <a:endParaRPr lang="en-US" altLang="zh-TW" dirty="0" smtClean="0"/>
-          </a:p>
-          <a:p>
-            <a:r>
-              <a:rPr lang="en-US" altLang="zh-TW" dirty="0" err="1"/>
-              <a:t>a</a:t>
-            </a:r>
-            <a:r>
-              <a:rPr lang="en-US" altLang="zh-TW" dirty="0" err="1" smtClean="0"/>
-              <a:t>ddgroup</a:t>
-            </a:r>
-            <a:r>
-              <a:rPr lang="zh-TW" altLang="en-US" dirty="0" smtClean="0"/>
-              <a:t>參數</a:t>
-            </a:r>
-            <a:r>
-              <a:rPr lang="en-US" altLang="zh-TW" dirty="0" smtClean="0"/>
-              <a:t>:-g [GID] </a:t>
-            </a:r>
-            <a:r>
-              <a:rPr lang="zh-TW" altLang="en-US" dirty="0" smtClean="0"/>
-              <a:t>指定</a:t>
-            </a:r>
-            <a:r>
-              <a:rPr lang="en-US" altLang="zh-TW" dirty="0" smtClean="0"/>
-              <a:t>GID</a:t>
-            </a:r>
-          </a:p>
-          <a:p>
-            <a:r>
-              <a:rPr lang="en-US" altLang="zh-TW" dirty="0" err="1"/>
-              <a:t>d</a:t>
-            </a:r>
-            <a:r>
-              <a:rPr lang="en-US" altLang="zh-TW" dirty="0" err="1" smtClean="0"/>
-              <a:t>elgroup</a:t>
-            </a:r>
-            <a:r>
-              <a:rPr lang="en-US" altLang="zh-TW" dirty="0" smtClean="0"/>
-              <a:t>:</a:t>
-            </a:r>
-            <a:r>
-              <a:rPr lang="zh-TW" altLang="en-US" dirty="0" smtClean="0"/>
-              <a:t>刪除群組</a:t>
+              <a:t>passwd</a:t>
+            </a:r>
+            <a:r>
+              <a:rPr lang="zh-TW" altLang="en-US" dirty="0" smtClean="0"/>
+              <a:t> 檔案內容</a:t>
             </a:r>
             <a:endParaRPr lang="zh-TW" altLang="en-US" dirty="0"/>
           </a:p>
@@ -3431,7 +3419,7 @@
     </p:spTree>
     <p:extLst>
       <p:ext uri="{BB962C8B-B14F-4D97-AF65-F5344CB8AC3E}">
-        <p14:creationId xmlns:p14="http://schemas.microsoft.com/office/powerpoint/2010/main" val="953329058"/>
+        <p14:creationId xmlns:p14="http://schemas.microsoft.com/office/powerpoint/2010/main" val="2552594429"/>
       </p:ext>
     </p:extLst>
   </p:cSld>
@@ -3474,21 +3462,98 @@
           <a:lstStyle/>
           <a:p>
             <a:r>
+              <a:rPr lang="en-US" altLang="zh-TW" dirty="0" smtClean="0"/>
+              <a:t>5.</a:t>
+            </a:r>
+            <a:r>
+              <a:rPr lang="zh-TW" altLang="en-US" dirty="0" smtClean="0"/>
+              <a:t>查看目前登入身分</a:t>
+            </a:r>
+            <a:r>
+              <a:rPr lang="en-US" altLang="zh-TW" dirty="0" smtClean="0"/>
+              <a:t>/id</a:t>
+            </a:r>
+            <a:endParaRPr lang="zh-TW" altLang="en-US" dirty="0"/>
+          </a:p>
+        </p:txBody>
+      </p:sp>
+      <p:sp>
+        <p:nvSpPr>
+          <p:cNvPr id="3" name="內容版面配置區 2"/>
+          <p:cNvSpPr>
+            <a:spLocks noGrp="1"/>
+          </p:cNvSpPr>
+          <p:nvPr>
+            <p:ph idx="1"/>
+          </p:nvPr>
+        </p:nvSpPr>
+        <p:spPr/>
+        <p:txBody>
+          <a:bodyPr/>
+          <a:lstStyle/>
+          <a:p>
+            <a:r>
+              <a:rPr lang="en-US" altLang="zh-TW" dirty="0" err="1"/>
+              <a:t>w</a:t>
+            </a:r>
+            <a:r>
+              <a:rPr lang="en-US" altLang="zh-TW" dirty="0" err="1" smtClean="0"/>
+              <a:t>hoami</a:t>
+            </a:r>
+            <a:r>
+              <a:rPr lang="en-US" altLang="zh-TW" dirty="0" smtClean="0"/>
+              <a:t>:</a:t>
+            </a:r>
+            <a:r>
+              <a:rPr lang="zh-TW" altLang="en-US" dirty="0" smtClean="0"/>
+              <a:t>查看目前登入身分</a:t>
+            </a:r>
+            <a:endParaRPr lang="en-US" altLang="zh-TW" dirty="0" smtClean="0"/>
+          </a:p>
+          <a:p>
+            <a:r>
               <a:rPr lang="en-US" altLang="zh-TW" dirty="0"/>
-              <a:t>6.</a:t>
-            </a:r>
-            <a:r>
-              <a:rPr lang="zh-TW" altLang="en-US" dirty="0"/>
-              <a:t>使用者</a:t>
-            </a:r>
-            <a:r>
-              <a:rPr lang="en-US" altLang="zh-TW" dirty="0"/>
-              <a:t>/</a:t>
-            </a:r>
-            <a:r>
-              <a:rPr lang="zh-TW" altLang="en-US" dirty="0"/>
-              <a:t>群組增刪改</a:t>
-            </a:r>
+              <a:t>i</a:t>
+            </a:r>
+            <a:r>
+              <a:rPr lang="en-US" altLang="zh-TW" dirty="0" smtClean="0"/>
+              <a:t>d:</a:t>
+            </a:r>
+            <a:r>
+              <a:rPr lang="zh-TW" altLang="en-US" dirty="0" smtClean="0"/>
+              <a:t>查看使用者</a:t>
+            </a:r>
+            <a:r>
+              <a:rPr lang="en-US" altLang="zh-TW" dirty="0" smtClean="0"/>
+              <a:t>ID(e.g.</a:t>
+            </a:r>
+            <a:r>
+              <a:rPr lang="zh-TW" altLang="en-US" dirty="0" smtClean="0"/>
+              <a:t> </a:t>
+            </a:r>
+            <a:r>
+              <a:rPr lang="en-US" altLang="zh-TW" dirty="0" smtClean="0"/>
+              <a:t>UID</a:t>
+            </a:r>
+            <a:r>
+              <a:rPr lang="zh-TW" altLang="en-US" dirty="0" smtClean="0"/>
+              <a:t> </a:t>
+            </a:r>
+            <a:r>
+              <a:rPr lang="en-US" altLang="zh-TW" dirty="0" smtClean="0"/>
+              <a:t>or</a:t>
+            </a:r>
+            <a:r>
+              <a:rPr lang="zh-TW" altLang="en-US" dirty="0" smtClean="0"/>
+              <a:t> </a:t>
+            </a:r>
+            <a:r>
+              <a:rPr lang="en-US" altLang="zh-TW" dirty="0" smtClean="0"/>
+              <a:t>GID)</a:t>
+            </a:r>
+          </a:p>
+          <a:p>
+            <a:endParaRPr lang="zh-TW" altLang="en-US" dirty="0"/>
           </a:p>
         </p:txBody>
       </p:sp>
@@ -3508,8 +3573,8 @@
         </p:blipFill>
         <p:spPr>
           <a:xfrm>
-            <a:off x="329663" y="1417638"/>
-            <a:ext cx="8484673" cy="3098409"/>
+            <a:off x="457200" y="2924944"/>
+            <a:ext cx="8121049" cy="1368152"/>
           </a:xfrm>
           <a:prstGeom prst="rect">
             <a:avLst/>
@@ -3524,8 +3589,8 @@
         </p:nvSpPr>
         <p:spPr>
           <a:xfrm>
-            <a:off x="1835696" y="4653136"/>
-            <a:ext cx="5184576" cy="646331"/>
+            <a:off x="2555776" y="4509120"/>
+            <a:ext cx="4032448" cy="369332"/>
           </a:xfrm>
           <a:prstGeom prst="rect">
             <a:avLst/>
@@ -3548,33 +3613,19 @@
             </a:r>
             <a:r>
               <a:rPr lang="zh-TW" altLang="en-US" dirty="0" smtClean="0"/>
-              <a:t> 使用</a:t>
+              <a:t> </a:t>
+            </a:r>
+            <a:r>
+              <a:rPr lang="zh-TW" altLang="en-US" dirty="0" smtClean="0"/>
+              <a:t>使用</a:t>
             </a:r>
             <a:r>
               <a:rPr lang="en-US" altLang="zh-TW" dirty="0" err="1" smtClean="0"/>
-              <a:t>addgroup</a:t>
-            </a:r>
-            <a:r>
-              <a:rPr lang="en-US" altLang="zh-TW" dirty="0" smtClean="0"/>
-              <a:t>/</a:t>
-            </a:r>
-            <a:r>
-              <a:rPr lang="en-US" altLang="zh-TW" dirty="0" err="1" smtClean="0"/>
-              <a:t>adduser</a:t>
-            </a:r>
-            <a:r>
-              <a:rPr lang="zh-TW" altLang="en-US" dirty="0" smtClean="0"/>
-              <a:t>新增群組及使用者</a:t>
-            </a:r>
-            <a:r>
-              <a:rPr lang="en-US" altLang="zh-TW" dirty="0" smtClean="0"/>
-              <a:t>,</a:t>
-            </a:r>
-          </a:p>
-          <a:p>
-            <a:r>
-              <a:rPr lang="zh-TW" altLang="en-US" dirty="0" smtClean="0"/>
-              <a:t>透過</a:t>
+              <a:t>whoami</a:t>
+            </a:r>
+            <a:r>
+              <a:rPr lang="zh-TW" altLang="en-US" dirty="0" smtClean="0"/>
+              <a:t>和</a:t>
             </a:r>
             <a:r>
               <a:rPr lang="en-US" altLang="zh-TW" dirty="0" smtClean="0"/>
@@ -3584,37 +3635,14 @@
               <a:rPr lang="zh-TW" altLang="en-US" dirty="0" smtClean="0"/>
               <a:t>查看使用者資訊</a:t>
             </a:r>
-            <a:r>
-              <a:rPr lang="en-US" altLang="zh-TW" dirty="0" smtClean="0"/>
-              <a:t>,</a:t>
-            </a:r>
-            <a:r>
-              <a:rPr lang="en-US" altLang="zh-TW" dirty="0" err="1" smtClean="0"/>
-              <a:t>usertest</a:t>
-            </a:r>
-            <a:r>
-              <a:rPr lang="zh-TW" altLang="en-US" dirty="0" smtClean="0"/>
-              <a:t>屬於</a:t>
-            </a:r>
-            <a:r>
-              <a:rPr lang="en-US" altLang="zh-TW" dirty="0" smtClean="0"/>
-              <a:t>student</a:t>
-            </a:r>
-            <a:r>
-              <a:rPr lang="zh-TW" altLang="en-US" dirty="0" smtClean="0"/>
-              <a:t>群</a:t>
-            </a:r>
-            <a:r>
-              <a:rPr lang="zh-TW" altLang="en-US" dirty="0"/>
-              <a:t>組</a:t>
-            </a:r>
+            <a:endParaRPr lang="zh-TW" altLang="en-US" dirty="0"/>
           </a:p>
         </p:txBody>
       </p:sp>
     </p:spTree>
     <p:extLst>
       <p:ext uri="{BB962C8B-B14F-4D97-AF65-F5344CB8AC3E}">
-        <p14:creationId xmlns:p14="http://schemas.microsoft.com/office/powerpoint/2010/main" val="2341302915"/>
+        <p14:creationId xmlns:p14="http://schemas.microsoft.com/office/powerpoint/2010/main" val="689074913"/>
       </p:ext>
     </p:extLst>
   </p:cSld>
@@ -3658,6 +3686,437 @@
           <a:p>
             <a:r>
               <a:rPr lang="en-US" altLang="zh-TW" dirty="0" smtClean="0"/>
+              <a:t>6.</a:t>
+            </a:r>
+            <a:r>
+              <a:rPr lang="zh-TW" altLang="en-US" dirty="0" smtClean="0"/>
+              <a:t>使用者</a:t>
+            </a:r>
+            <a:r>
+              <a:rPr lang="en-US" altLang="zh-TW" dirty="0"/>
+              <a:t>/</a:t>
+            </a:r>
+            <a:r>
+              <a:rPr lang="zh-TW" altLang="en-US" dirty="0"/>
+              <a:t>群組</a:t>
+            </a:r>
+            <a:r>
+              <a:rPr lang="zh-TW" altLang="en-US" dirty="0" smtClean="0"/>
+              <a:t>增刪改</a:t>
+            </a:r>
+            <a:endParaRPr lang="zh-TW" altLang="en-US" dirty="0"/>
+          </a:p>
+        </p:txBody>
+      </p:sp>
+      <p:sp>
+        <p:nvSpPr>
+          <p:cNvPr id="3" name="內容版面配置區 2"/>
+          <p:cNvSpPr>
+            <a:spLocks noGrp="1"/>
+          </p:cNvSpPr>
+          <p:nvPr>
+            <p:ph idx="1"/>
+          </p:nvPr>
+        </p:nvSpPr>
+        <p:spPr/>
+        <p:txBody>
+          <a:bodyPr/>
+          <a:lstStyle/>
+          <a:p>
+            <a:r>
+              <a:rPr lang="en-US" altLang="zh-TW" dirty="0" err="1" smtClean="0"/>
+              <a:t>adduser</a:t>
+            </a:r>
+            <a:r>
+              <a:rPr lang="en-US" altLang="zh-TW" dirty="0" smtClean="0"/>
+              <a:t> [username]:</a:t>
+            </a:r>
+            <a:r>
+              <a:rPr lang="zh-TW" altLang="en-US" dirty="0" smtClean="0"/>
+              <a:t>新增使用者</a:t>
+            </a:r>
+            <a:endParaRPr lang="en-US" altLang="zh-TW" dirty="0" smtClean="0"/>
+          </a:p>
+          <a:p>
+            <a:r>
+              <a:rPr lang="en-US" altLang="zh-TW" dirty="0" err="1"/>
+              <a:t>a</a:t>
+            </a:r>
+            <a:r>
+              <a:rPr lang="en-US" altLang="zh-TW" dirty="0" err="1" smtClean="0"/>
+              <a:t>dduser</a:t>
+            </a:r>
+            <a:r>
+              <a:rPr lang="zh-TW" altLang="en-US" dirty="0" smtClean="0"/>
+              <a:t>參數</a:t>
+            </a:r>
+            <a:r>
+              <a:rPr lang="en-US" altLang="zh-TW" dirty="0" smtClean="0"/>
+              <a:t>:-G</a:t>
+            </a:r>
+            <a:r>
+              <a:rPr lang="zh-TW" altLang="en-US" dirty="0" smtClean="0"/>
+              <a:t> </a:t>
+            </a:r>
+            <a:r>
+              <a:rPr lang="en-US" altLang="zh-TW" dirty="0" smtClean="0"/>
+              <a:t>[group]</a:t>
+            </a:r>
+            <a:r>
+              <a:rPr lang="zh-TW" altLang="en-US" dirty="0" smtClean="0"/>
+              <a:t> 新增使用者至群組</a:t>
+            </a:r>
+            <a:endParaRPr lang="en-US" altLang="zh-TW" dirty="0" smtClean="0"/>
+          </a:p>
+          <a:p>
+            <a:r>
+              <a:rPr lang="en-US" altLang="zh-TW" dirty="0" err="1"/>
+              <a:t>adduser</a:t>
+            </a:r>
+            <a:r>
+              <a:rPr lang="zh-TW" altLang="en-US" dirty="0"/>
+              <a:t>參數</a:t>
+            </a:r>
+            <a:r>
+              <a:rPr lang="en-US" altLang="zh-TW" dirty="0" smtClean="0"/>
+              <a:t>:-u [UID] </a:t>
+            </a:r>
+            <a:r>
+              <a:rPr lang="zh-TW" altLang="en-US" dirty="0" smtClean="0"/>
+              <a:t>新增指定</a:t>
+            </a:r>
+            <a:r>
+              <a:rPr lang="en-US" altLang="zh-TW" dirty="0" smtClean="0"/>
+              <a:t>UID</a:t>
+            </a:r>
+            <a:r>
+              <a:rPr lang="zh-TW" altLang="en-US" dirty="0" smtClean="0"/>
+              <a:t>使用者</a:t>
+            </a:r>
+            <a:endParaRPr lang="en-US" altLang="zh-TW" dirty="0" smtClean="0"/>
+          </a:p>
+          <a:p>
+            <a:r>
+              <a:rPr lang="en-US" altLang="zh-TW" dirty="0" err="1" smtClean="0"/>
+              <a:t>deluser</a:t>
+            </a:r>
+            <a:r>
+              <a:rPr lang="en-US" altLang="zh-TW" dirty="0" smtClean="0"/>
+              <a:t> [username]:</a:t>
+            </a:r>
+            <a:r>
+              <a:rPr lang="zh-TW" altLang="en-US" dirty="0" smtClean="0"/>
+              <a:t>刪除使用者</a:t>
+            </a:r>
+            <a:r>
+              <a:rPr lang="en-US" altLang="zh-TW" dirty="0" smtClean="0"/>
+              <a:t> </a:t>
+            </a:r>
+          </a:p>
+          <a:p>
+            <a:r>
+              <a:rPr lang="en-US" altLang="zh-TW" dirty="0" err="1" smtClean="0"/>
+              <a:t>addgroup</a:t>
+            </a:r>
+            <a:r>
+              <a:rPr lang="en-US" altLang="zh-TW" dirty="0" smtClean="0"/>
+              <a:t> [</a:t>
+            </a:r>
+            <a:r>
+              <a:rPr lang="en-US" altLang="zh-TW" dirty="0" err="1" smtClean="0"/>
+              <a:t>groupname</a:t>
+            </a:r>
+            <a:r>
+              <a:rPr lang="en-US" altLang="zh-TW" dirty="0" smtClean="0"/>
+              <a:t>]:</a:t>
+            </a:r>
+            <a:r>
+              <a:rPr lang="zh-TW" altLang="en-US" dirty="0" smtClean="0"/>
+              <a:t>新增群組</a:t>
+            </a:r>
+            <a:endParaRPr lang="en-US" altLang="zh-TW" dirty="0" smtClean="0"/>
+          </a:p>
+          <a:p>
+            <a:r>
+              <a:rPr lang="en-US" altLang="zh-TW" dirty="0" err="1"/>
+              <a:t>a</a:t>
+            </a:r>
+            <a:r>
+              <a:rPr lang="en-US" altLang="zh-TW" dirty="0" err="1" smtClean="0"/>
+              <a:t>ddgroup</a:t>
+            </a:r>
+            <a:r>
+              <a:rPr lang="zh-TW" altLang="en-US" dirty="0" smtClean="0"/>
+              <a:t>參數</a:t>
+            </a:r>
+            <a:r>
+              <a:rPr lang="en-US" altLang="zh-TW" dirty="0" smtClean="0"/>
+              <a:t>:-g [GID] </a:t>
+            </a:r>
+            <a:r>
+              <a:rPr lang="zh-TW" altLang="en-US" dirty="0" smtClean="0"/>
+              <a:t>指定</a:t>
+            </a:r>
+            <a:r>
+              <a:rPr lang="en-US" altLang="zh-TW" dirty="0" smtClean="0"/>
+              <a:t>GID</a:t>
+            </a:r>
+          </a:p>
+          <a:p>
+            <a:r>
+              <a:rPr lang="en-US" altLang="zh-TW" dirty="0" err="1"/>
+              <a:t>d</a:t>
+            </a:r>
+            <a:r>
+              <a:rPr lang="en-US" altLang="zh-TW" dirty="0" err="1" smtClean="0"/>
+              <a:t>elgroup</a:t>
+            </a:r>
+            <a:r>
+              <a:rPr lang="en-US" altLang="zh-TW" dirty="0" smtClean="0"/>
+              <a:t>:</a:t>
+            </a:r>
+            <a:r>
+              <a:rPr lang="zh-TW" altLang="en-US" dirty="0" smtClean="0"/>
+              <a:t>刪除群組</a:t>
+            </a:r>
+            <a:endParaRPr lang="zh-TW" altLang="en-US" dirty="0"/>
+          </a:p>
+        </p:txBody>
+      </p:sp>
+    </p:spTree>
+    <p:extLst>
+      <p:ext uri="{BB962C8B-B14F-4D97-AF65-F5344CB8AC3E}">
+        <p14:creationId xmlns:p14="http://schemas.microsoft.com/office/powerpoint/2010/main" val="953329058"/>
+      </p:ext>
+    </p:extLst>
+  </p:cSld>
+  <p:clrMapOvr>
+    <a:masterClrMapping/>
+  </p:clrMapOvr>
+</p:sld>
+</file>
+
+<file path=ppt/slides/slide13.xml><?xml version="1.0" encoding="utf-8"?>
+<p:sld xmlns:a="http://schemas.openxmlformats.org/drawingml/2006/main" xmlns:r="http://schemas.openxmlformats.org/officeDocument/2006/relationships" xmlns:p="http://schemas.openxmlformats.org/presentationml/2006/main">
+  <p:cSld>
+    <p:spTree>
+      <p:nvGrpSpPr>
+        <p:cNvPr id="1" name=""/>
+        <p:cNvGrpSpPr/>
+        <p:nvPr/>
+      </p:nvGrpSpPr>
+      <p:grpSpPr>
+        <a:xfrm>
+          <a:off x="0" y="0"/>
+          <a:ext cx="0" cy="0"/>
+          <a:chOff x="0" y="0"/>
+          <a:chExt cx="0" cy="0"/>
+        </a:xfrm>
+      </p:grpSpPr>
+      <p:sp>
+        <p:nvSpPr>
+          <p:cNvPr id="2" name="標題 1"/>
+          <p:cNvSpPr>
+            <a:spLocks noGrp="1"/>
+          </p:cNvSpPr>
+          <p:nvPr>
+            <p:ph type="title"/>
+          </p:nvPr>
+        </p:nvSpPr>
+        <p:spPr/>
+        <p:txBody>
+          <a:bodyPr/>
+          <a:lstStyle/>
+          <a:p>
+            <a:r>
+              <a:rPr lang="en-US" altLang="zh-TW" dirty="0"/>
+              <a:t>6.</a:t>
+            </a:r>
+            <a:r>
+              <a:rPr lang="zh-TW" altLang="en-US" dirty="0"/>
+              <a:t>使用者</a:t>
+            </a:r>
+            <a:r>
+              <a:rPr lang="en-US" altLang="zh-TW" dirty="0"/>
+              <a:t>/</a:t>
+            </a:r>
+            <a:r>
+              <a:rPr lang="zh-TW" altLang="en-US" dirty="0"/>
+              <a:t>群組增刪改</a:t>
+            </a:r>
+          </a:p>
+        </p:txBody>
+      </p:sp>
+      <p:pic>
+        <p:nvPicPr>
+          <p:cNvPr id="4" name="圖片 3"/>
+          <p:cNvPicPr>
+            <a:picLocks noChangeAspect="1"/>
+          </p:cNvPicPr>
+          <p:nvPr/>
+        </p:nvPicPr>
+        <p:blipFill>
+          <a:blip r:embed="rId2"/>
+          <a:stretch>
+            <a:fillRect/>
+          </a:stretch>
+        </p:blipFill>
+        <p:spPr>
+          <a:xfrm>
+            <a:off x="329663" y="1417638"/>
+            <a:ext cx="8484673" cy="3098409"/>
+          </a:xfrm>
+          <a:prstGeom prst="rect">
+            <a:avLst/>
+          </a:prstGeom>
+        </p:spPr>
+      </p:pic>
+      <p:sp>
+        <p:nvSpPr>
+          <p:cNvPr id="5" name="文字方塊 4"/>
+          <p:cNvSpPr txBox="1"/>
+          <p:nvPr/>
+        </p:nvSpPr>
+        <p:spPr>
+          <a:xfrm>
+            <a:off x="1835696" y="4653136"/>
+            <a:ext cx="5184576" cy="646331"/>
+          </a:xfrm>
+          <a:prstGeom prst="rect">
+            <a:avLst/>
+          </a:prstGeom>
+          <a:noFill/>
+        </p:spPr>
+        <p:txBody>
+          <a:bodyPr wrap="square" rtlCol="0">
+            <a:spAutoFit/>
+          </a:bodyPr>
+          <a:lstStyle/>
+          <a:p>
+            <a:r>
+              <a:rPr lang="zh-TW" altLang="en-US" dirty="0" smtClean="0"/>
+              <a:t>圖</a:t>
+            </a:r>
+            <a:r>
+              <a:rPr lang="en-US" altLang="zh-TW" dirty="0" smtClean="0"/>
+              <a:t>2.7</a:t>
+            </a:r>
+            <a:r>
+              <a:rPr lang="zh-TW" altLang="en-US" dirty="0" smtClean="0"/>
+              <a:t> </a:t>
+            </a:r>
+            <a:r>
+              <a:rPr lang="zh-TW" altLang="en-US" dirty="0" smtClean="0"/>
+              <a:t>使用</a:t>
+            </a:r>
+            <a:r>
+              <a:rPr lang="en-US" altLang="zh-TW" dirty="0" err="1" smtClean="0"/>
+              <a:t>addgroup</a:t>
+            </a:r>
+            <a:r>
+              <a:rPr lang="en-US" altLang="zh-TW" dirty="0" smtClean="0"/>
+              <a:t>/</a:t>
+            </a:r>
+            <a:r>
+              <a:rPr lang="en-US" altLang="zh-TW" dirty="0" err="1" smtClean="0"/>
+              <a:t>adduser</a:t>
+            </a:r>
+            <a:r>
+              <a:rPr lang="zh-TW" altLang="en-US" dirty="0" smtClean="0"/>
+              <a:t>新增群組及使用者</a:t>
+            </a:r>
+            <a:r>
+              <a:rPr lang="en-US" altLang="zh-TW" dirty="0" smtClean="0"/>
+              <a:t>,</a:t>
+            </a:r>
+          </a:p>
+          <a:p>
+            <a:r>
+              <a:rPr lang="zh-TW" altLang="en-US" dirty="0" smtClean="0"/>
+              <a:t>透過</a:t>
+            </a:r>
+            <a:r>
+              <a:rPr lang="en-US" altLang="zh-TW" dirty="0" smtClean="0"/>
+              <a:t>id</a:t>
+            </a:r>
+            <a:r>
+              <a:rPr lang="zh-TW" altLang="en-US" dirty="0" smtClean="0"/>
+              <a:t>查看使用者資訊</a:t>
+            </a:r>
+            <a:r>
+              <a:rPr lang="en-US" altLang="zh-TW" dirty="0" smtClean="0"/>
+              <a:t>,</a:t>
+            </a:r>
+            <a:r>
+              <a:rPr lang="en-US" altLang="zh-TW" dirty="0" err="1" smtClean="0"/>
+              <a:t>usertest</a:t>
+            </a:r>
+            <a:r>
+              <a:rPr lang="zh-TW" altLang="en-US" dirty="0" smtClean="0"/>
+              <a:t>屬於</a:t>
+            </a:r>
+            <a:r>
+              <a:rPr lang="en-US" altLang="zh-TW" dirty="0" smtClean="0"/>
+              <a:t>student</a:t>
+            </a:r>
+            <a:r>
+              <a:rPr lang="zh-TW" altLang="en-US" dirty="0" smtClean="0"/>
+              <a:t>群</a:t>
+            </a:r>
+            <a:r>
+              <a:rPr lang="zh-TW" altLang="en-US" dirty="0"/>
+              <a:t>組</a:t>
+            </a:r>
+          </a:p>
+        </p:txBody>
+      </p:sp>
+    </p:spTree>
+    <p:extLst>
+      <p:ext uri="{BB962C8B-B14F-4D97-AF65-F5344CB8AC3E}">
+        <p14:creationId xmlns:p14="http://schemas.microsoft.com/office/powerpoint/2010/main" val="2341302915"/>
+      </p:ext>
+    </p:extLst>
+  </p:cSld>
+  <p:clrMapOvr>
+    <a:masterClrMapping/>
+  </p:clrMapOvr>
+</p:sld>
+</file>
+
+<file path=ppt/slides/slide14.xml><?xml version="1.0" encoding="utf-8"?>
+<p:sld xmlns:a="http://schemas.openxmlformats.org/drawingml/2006/main" xmlns:r="http://schemas.openxmlformats.org/officeDocument/2006/relationships" xmlns:p="http://schemas.openxmlformats.org/presentationml/2006/main">
+  <p:cSld>
+    <p:spTree>
+      <p:nvGrpSpPr>
+        <p:cNvPr id="1" name=""/>
+        <p:cNvGrpSpPr/>
+        <p:nvPr/>
+      </p:nvGrpSpPr>
+      <p:grpSpPr>
+        <a:xfrm>
+          <a:off x="0" y="0"/>
+          <a:ext cx="0" cy="0"/>
+          <a:chOff x="0" y="0"/>
+          <a:chExt cx="0" cy="0"/>
+        </a:xfrm>
+      </p:grpSpPr>
+      <p:sp>
+        <p:nvSpPr>
+          <p:cNvPr id="2" name="標題 1"/>
+          <p:cNvSpPr>
+            <a:spLocks noGrp="1"/>
+          </p:cNvSpPr>
+          <p:nvPr>
+            <p:ph type="title"/>
+          </p:nvPr>
+        </p:nvSpPr>
+        <p:spPr/>
+        <p:txBody>
+          <a:bodyPr/>
+          <a:lstStyle/>
+          <a:p>
+            <a:r>
+              <a:rPr lang="en-US" altLang="zh-TW" dirty="0" smtClean="0"/>
               <a:t>7.</a:t>
             </a:r>
             <a:r>
@@ -3693,11 +4152,7 @@
             </a:r>
             <a:r>
               <a:rPr lang="en-US" altLang="zh-TW" dirty="0" smtClean="0"/>
-              <a:t> </a:t>
-            </a:r>
-            <a:r>
-              <a:rPr lang="en-US" altLang="zh-TW" dirty="0" smtClean="0"/>
-              <a:t>[username]</a:t>
+              <a:t> [username]</a:t>
             </a:r>
             <a:endParaRPr lang="zh-TW" altLang="en-US" dirty="0"/>
           </a:p>
@@ -3755,11 +4210,15 @@
             </a:r>
             <a:r>
               <a:rPr lang="en-US" altLang="zh-TW" dirty="0" smtClean="0"/>
-              <a:t>2.6</a:t>
-            </a:r>
-            <a:r>
-              <a:rPr lang="zh-TW" altLang="en-US" dirty="0" smtClean="0"/>
-              <a:t> 使用</a:t>
+              <a:t>2.8</a:t>
+            </a:r>
+            <a:r>
+              <a:rPr lang="zh-TW" altLang="en-US" dirty="0" smtClean="0"/>
+              <a:t> </a:t>
+            </a:r>
+            <a:r>
+              <a:rPr lang="zh-TW" altLang="en-US" dirty="0" smtClean="0"/>
+              <a:t>使用</a:t>
             </a:r>
             <a:r>
               <a:rPr lang="en-US" altLang="zh-TW" dirty="0" err="1" smtClean="0"/>
@@ -4872,70 +5331,123 @@
           <a:lstStyle/>
           <a:p>
             <a:r>
-              <a:rPr lang="en-US" altLang="zh-TW" dirty="0"/>
-              <a:t>4.</a:t>
+              <a:rPr lang="zh-TW" altLang="en-US" dirty="0" smtClean="0"/>
+              <a:t>使用者</a:t>
+            </a:r>
+            <a:r>
+              <a:rPr lang="en-US" altLang="zh-TW" dirty="0" smtClean="0"/>
+              <a:t>:UID/GID</a:t>
+            </a:r>
+            <a:endParaRPr lang="zh-TW" altLang="en-US" dirty="0"/>
+          </a:p>
+        </p:txBody>
+      </p:sp>
+      <p:sp>
+        <p:nvSpPr>
+          <p:cNvPr id="3" name="內容版面配置區 2"/>
+          <p:cNvSpPr>
+            <a:spLocks noGrp="1"/>
+          </p:cNvSpPr>
+          <p:nvPr>
+            <p:ph idx="1"/>
+          </p:nvPr>
+        </p:nvSpPr>
+        <p:spPr/>
+        <p:txBody>
+          <a:bodyPr/>
+          <a:lstStyle/>
+          <a:p>
+            <a:r>
+              <a:rPr lang="en-US" altLang="zh-TW" dirty="0" smtClean="0"/>
+              <a:t>LINUX</a:t>
+            </a:r>
+            <a:r>
+              <a:rPr lang="zh-TW" altLang="en-US" dirty="0" smtClean="0"/>
+              <a:t>利用</a:t>
+            </a:r>
+            <a:r>
+              <a:rPr lang="en-US" altLang="zh-TW" dirty="0" smtClean="0"/>
+              <a:t>UID</a:t>
+            </a:r>
+            <a:r>
+              <a:rPr lang="zh-TW" altLang="en-US" dirty="0" smtClean="0"/>
+              <a:t>與</a:t>
+            </a:r>
+            <a:r>
+              <a:rPr lang="en-US" altLang="zh-TW" dirty="0" smtClean="0"/>
+              <a:t>GID</a:t>
+            </a:r>
+            <a:r>
+              <a:rPr lang="zh-TW" altLang="en-US" dirty="0" smtClean="0"/>
+              <a:t>判別使用者以及所</a:t>
             </a:r>
             <a:r>
               <a:rPr lang="zh-TW" altLang="en-US" dirty="0"/>
-              <a:t>關機</a:t>
-            </a:r>
-          </a:p>
-        </p:txBody>
-      </p:sp>
-      <p:sp>
-        <p:nvSpPr>
-          <p:cNvPr id="3" name="內容版面配置區 2"/>
-          <p:cNvSpPr>
-            <a:spLocks noGrp="1"/>
-          </p:cNvSpPr>
-          <p:nvPr>
-            <p:ph idx="1"/>
-          </p:nvPr>
-        </p:nvSpPr>
-        <p:spPr/>
-        <p:txBody>
-          <a:bodyPr/>
-          <a:lstStyle/>
-          <a:p>
-            <a:r>
-              <a:rPr lang="en-US" altLang="zh-TW" dirty="0" smtClean="0"/>
-              <a:t>halt/</a:t>
-            </a:r>
+              <a:t>屬</a:t>
+            </a:r>
+            <a:r>
+              <a:rPr lang="zh-TW" altLang="en-US" dirty="0" smtClean="0"/>
+              <a:t>群組</a:t>
+            </a:r>
+            <a:r>
+              <a:rPr lang="en-US" altLang="zh-TW" dirty="0" smtClean="0"/>
+              <a:t>(</a:t>
+            </a:r>
+            <a:r>
+              <a:rPr lang="zh-TW" altLang="en-US" dirty="0" smtClean="0"/>
+              <a:t>不使用帳號辨別</a:t>
+            </a:r>
+            <a:r>
+              <a:rPr lang="en-US" altLang="zh-TW" dirty="0" smtClean="0"/>
+              <a:t>)</a:t>
+            </a:r>
+          </a:p>
+          <a:p>
             <a:r>
               <a:rPr lang="en-US" altLang="zh-TW" dirty="0" err="1" smtClean="0"/>
-              <a:t>poweroff</a:t>
-            </a:r>
-            <a:r>
-              <a:rPr lang="en-US" altLang="zh-TW" dirty="0" smtClean="0"/>
-              <a:t>:</a:t>
-            </a:r>
-            <a:r>
-              <a:rPr lang="zh-TW" altLang="en-US" dirty="0" smtClean="0"/>
-              <a:t>關機</a:t>
+              <a:t>UID:User</a:t>
+            </a:r>
+            <a:r>
+              <a:rPr lang="en-US" altLang="zh-TW" dirty="0" smtClean="0"/>
+              <a:t> </a:t>
+            </a:r>
+            <a:r>
+              <a:rPr lang="en-US" altLang="zh-TW" dirty="0" err="1" smtClean="0"/>
+              <a:t>identify,Linux</a:t>
+            </a:r>
+            <a:r>
+              <a:rPr lang="zh-TW" altLang="en-US" dirty="0" smtClean="0"/>
+              <a:t>辨認使用者帳號所用</a:t>
             </a:r>
             <a:endParaRPr lang="en-US" altLang="zh-TW" dirty="0" smtClean="0"/>
           </a:p>
           <a:p>
             <a:r>
-              <a:rPr lang="en-US" altLang="zh-TW" dirty="0"/>
-              <a:t>r</a:t>
-            </a:r>
-            <a:r>
-              <a:rPr lang="en-US" altLang="zh-TW" dirty="0" smtClean="0"/>
-              <a:t>eboot:</a:t>
-            </a:r>
-            <a:r>
-              <a:rPr lang="zh-TW" altLang="en-US" dirty="0" smtClean="0"/>
-              <a:t>重新開機</a:t>
+              <a:rPr lang="en-US" altLang="zh-TW" dirty="0" err="1" smtClean="0"/>
+              <a:t>GID:Group</a:t>
+            </a:r>
+            <a:r>
+              <a:rPr lang="en-US" altLang="zh-TW" dirty="0" smtClean="0"/>
+              <a:t> identify,</a:t>
+            </a:r>
+            <a:r>
+              <a:rPr lang="zh-TW" altLang="en-US" dirty="0" smtClean="0"/>
+              <a:t>辨認所屬群組所用</a:t>
             </a:r>
             <a:endParaRPr lang="en-US" altLang="zh-TW" dirty="0" smtClean="0"/>
+          </a:p>
+          <a:p>
+            <a:endParaRPr lang="en-US" altLang="zh-TW" dirty="0" smtClean="0"/>
+          </a:p>
+          <a:p>
+            <a:endParaRPr lang="zh-TW" altLang="en-US" dirty="0"/>
           </a:p>
         </p:txBody>
       </p:sp>
     </p:spTree>
     <p:extLst>
       <p:ext uri="{BB962C8B-B14F-4D97-AF65-F5344CB8AC3E}">
-        <p14:creationId xmlns:p14="http://schemas.microsoft.com/office/powerpoint/2010/main" val="827710856"/>
+        <p14:creationId xmlns:p14="http://schemas.microsoft.com/office/powerpoint/2010/main" val="1949998626"/>
       </p:ext>
     </p:extLst>
   </p:cSld>
@@ -4979,15 +5491,11 @@
           <a:p>
             <a:r>
               <a:rPr lang="en-US" altLang="zh-TW" dirty="0" smtClean="0"/>
-              <a:t>5.</a:t>
-            </a:r>
-            <a:r>
-              <a:rPr lang="zh-TW" altLang="en-US" dirty="0" smtClean="0"/>
-              <a:t>查看目前登入身分</a:t>
-            </a:r>
-            <a:r>
-              <a:rPr lang="en-US" altLang="zh-TW" dirty="0" smtClean="0"/>
-              <a:t>/id</a:t>
+              <a:t>UID</a:t>
+            </a:r>
+            <a:r>
+              <a:rPr lang="zh-TW" altLang="en-US" dirty="0" smtClean="0"/>
+              <a:t>可用範圍</a:t>
             </a:r>
             <a:endParaRPr lang="zh-TW" altLang="en-US" dirty="0"/>
           </a:p>
@@ -5009,152 +5517,111 @@
           <a:lstStyle/>
           <a:p>
             <a:r>
-              <a:rPr lang="en-US" altLang="zh-TW" dirty="0" err="1"/>
-              <a:t>w</a:t>
-            </a:r>
-            <a:r>
-              <a:rPr lang="en-US" altLang="zh-TW" dirty="0" err="1" smtClean="0"/>
-              <a:t>hoami</a:t>
-            </a:r>
-            <a:r>
-              <a:rPr lang="en-US" altLang="zh-TW" dirty="0" smtClean="0"/>
-              <a:t>:</a:t>
-            </a:r>
-            <a:r>
-              <a:rPr lang="zh-TW" altLang="en-US" dirty="0" smtClean="0"/>
-              <a:t>查看目前登入身分</a:t>
+              <a:rPr lang="en-US" altLang="zh-TW" dirty="0" smtClean="0"/>
+              <a:t>0:</a:t>
+            </a:r>
+            <a:r>
+              <a:rPr lang="zh-TW" altLang="en-US" dirty="0" smtClean="0"/>
+              <a:t>系統管理員</a:t>
+            </a:r>
+            <a:r>
+              <a:rPr lang="en-US" altLang="zh-TW" dirty="0" smtClean="0"/>
+              <a:t>(root)</a:t>
+            </a:r>
+          </a:p>
+          <a:p>
+            <a:r>
+              <a:rPr lang="en-US" altLang="zh-TW" dirty="0" smtClean="0"/>
+              <a:t>1~999:</a:t>
+            </a:r>
+            <a:r>
+              <a:rPr lang="zh-TW" altLang="en-US" dirty="0" smtClean="0"/>
+              <a:t>保留系統使用</a:t>
             </a:r>
             <a:endParaRPr lang="en-US" altLang="zh-TW" dirty="0" smtClean="0"/>
           </a:p>
           <a:p>
-            <a:r>
-              <a:rPr lang="en-US" altLang="zh-TW" dirty="0"/>
-              <a:t>i</a:t>
-            </a:r>
-            <a:r>
-              <a:rPr lang="en-US" altLang="zh-TW" dirty="0" smtClean="0"/>
-              <a:t>d:</a:t>
-            </a:r>
-            <a:r>
-              <a:rPr lang="zh-TW" altLang="en-US" dirty="0" smtClean="0"/>
-              <a:t>查看使用者</a:t>
-            </a:r>
-            <a:r>
-              <a:rPr lang="en-US" altLang="zh-TW" dirty="0" smtClean="0"/>
-              <a:t>ID(e.g.</a:t>
-            </a:r>
-            <a:r>
-              <a:rPr lang="zh-TW" altLang="en-US" dirty="0" smtClean="0"/>
-              <a:t> </a:t>
-            </a:r>
-            <a:r>
-              <a:rPr lang="en-US" altLang="zh-TW" dirty="0" smtClean="0"/>
-              <a:t>UID</a:t>
-            </a:r>
-            <a:r>
-              <a:rPr lang="zh-TW" altLang="en-US" dirty="0" smtClean="0"/>
-              <a:t> </a:t>
-            </a:r>
-            <a:r>
-              <a:rPr lang="en-US" altLang="zh-TW" dirty="0" smtClean="0"/>
-              <a:t>or</a:t>
-            </a:r>
-            <a:r>
-              <a:rPr lang="zh-TW" altLang="en-US" dirty="0" smtClean="0"/>
-              <a:t> </a:t>
-            </a:r>
-            <a:r>
-              <a:rPr lang="en-US" altLang="zh-TW" dirty="0" smtClean="0"/>
-              <a:t>GID)</a:t>
-            </a:r>
-          </a:p>
-          <a:p>
-            <a:endParaRPr lang="zh-TW" altLang="en-US" dirty="0"/>
-          </a:p>
-        </p:txBody>
-      </p:sp>
-      <p:pic>
-        <p:nvPicPr>
-          <p:cNvPr id="4" name="圖片 3"/>
-          <p:cNvPicPr>
-            <a:picLocks noChangeAspect="1"/>
-          </p:cNvPicPr>
-          <p:nvPr/>
-        </p:nvPicPr>
-        <p:blipFill>
-          <a:blip r:embed="rId2"/>
-          <a:stretch>
-            <a:fillRect/>
-          </a:stretch>
-        </p:blipFill>
-        <p:spPr>
-          <a:xfrm>
-            <a:off x="457200" y="2924944"/>
-            <a:ext cx="8121049" cy="1368152"/>
-          </a:xfrm>
-          <a:prstGeom prst="rect">
-            <a:avLst/>
-          </a:prstGeom>
-        </p:spPr>
-      </p:pic>
-      <p:sp>
-        <p:nvSpPr>
-          <p:cNvPr id="5" name="文字方塊 4"/>
-          <p:cNvSpPr txBox="1"/>
-          <p:nvPr/>
-        </p:nvSpPr>
-        <p:spPr>
-          <a:xfrm>
-            <a:off x="2555776" y="4509120"/>
-            <a:ext cx="4032448" cy="369332"/>
-          </a:xfrm>
-          <a:prstGeom prst="rect">
-            <a:avLst/>
-          </a:prstGeom>
-          <a:noFill/>
-        </p:spPr>
-        <p:txBody>
-          <a:bodyPr wrap="square" rtlCol="0">
-            <a:spAutoFit/>
-          </a:bodyPr>
-          <a:lstStyle/>
-          <a:p>
-            <a:r>
-              <a:rPr lang="zh-TW" altLang="en-US" dirty="0" smtClean="0"/>
-              <a:t>圖</a:t>
-            </a:r>
-            <a:r>
-              <a:rPr lang="en-US" altLang="zh-TW" dirty="0" smtClean="0"/>
-              <a:t>2.5</a:t>
-            </a:r>
-            <a:r>
-              <a:rPr lang="zh-TW" altLang="en-US" dirty="0" smtClean="0"/>
-              <a:t> 使用</a:t>
-            </a:r>
-            <a:r>
-              <a:rPr lang="en-US" altLang="zh-TW" dirty="0" err="1" smtClean="0"/>
-              <a:t>whoami</a:t>
-            </a:r>
-            <a:r>
-              <a:rPr lang="zh-TW" altLang="en-US" dirty="0" smtClean="0"/>
-              <a:t>和</a:t>
-            </a:r>
-            <a:r>
-              <a:rPr lang="en-US" altLang="zh-TW" dirty="0" smtClean="0"/>
-              <a:t>id</a:t>
-            </a:r>
-            <a:r>
-              <a:rPr lang="zh-TW" altLang="en-US" dirty="0" smtClean="0"/>
-              <a:t>查看使用者資訊</a:t>
-            </a:r>
-            <a:endParaRPr lang="zh-TW" altLang="en-US" dirty="0"/>
+            <a:pPr marL="0" indent="0">
+              <a:buNone/>
+            </a:pPr>
+            <a:r>
+              <a:rPr lang="zh-TW" altLang="en-US" dirty="0" smtClean="0"/>
+              <a:t>                 </a:t>
+            </a:r>
+            <a:r>
+              <a:rPr lang="en-US" altLang="zh-TW" dirty="0" smtClean="0"/>
+              <a:t>1~200:</a:t>
+            </a:r>
+            <a:r>
+              <a:rPr lang="zh-TW" altLang="en-US" dirty="0" smtClean="0"/>
+              <a:t>發布版本自行建立</a:t>
+            </a:r>
+            <a:endParaRPr lang="en-US" altLang="zh-TW" dirty="0" smtClean="0"/>
+          </a:p>
+          <a:p>
+            <a:pPr marL="0" indent="0">
+              <a:buNone/>
+            </a:pPr>
+            <a:r>
+              <a:rPr lang="zh-TW" altLang="en-US" dirty="0" smtClean="0"/>
+              <a:t>                 </a:t>
+            </a:r>
+            <a:r>
+              <a:rPr lang="en-US" altLang="zh-TW" dirty="0" smtClean="0"/>
+              <a:t>200~999:</a:t>
+            </a:r>
+            <a:r>
+              <a:rPr lang="zh-TW" altLang="en-US" dirty="0" smtClean="0"/>
+              <a:t>使用者有系統帳號需求建立</a:t>
+            </a:r>
+            <a:endParaRPr lang="en-US" altLang="zh-TW" dirty="0" smtClean="0"/>
+          </a:p>
+          <a:p>
+            <a:r>
+              <a:rPr lang="en-US" altLang="zh-TW" dirty="0" smtClean="0"/>
+              <a:t>1000~:</a:t>
+            </a:r>
+            <a:r>
+              <a:rPr lang="zh-TW" altLang="en-US" dirty="0" smtClean="0"/>
+              <a:t>一般使用者使用</a:t>
+            </a:r>
+            <a:endParaRPr lang="en-US" altLang="zh-TW" dirty="0" smtClean="0"/>
+          </a:p>
+          <a:p>
+            <a:pPr marL="0" indent="0">
+              <a:buNone/>
+            </a:pPr>
+            <a:r>
+              <a:rPr lang="zh-TW" altLang="en-US" dirty="0" smtClean="0"/>
+              <a:t>                </a:t>
+            </a:r>
+            <a:r>
+              <a:rPr lang="en-US" altLang="zh-TW" dirty="0" smtClean="0"/>
+              <a:t>(</a:t>
+            </a:r>
+            <a:r>
+              <a:rPr lang="zh-TW" altLang="en-US" dirty="0" smtClean="0"/>
+              <a:t>可到多大看</a:t>
+            </a:r>
+            <a:r>
+              <a:rPr lang="en-US" altLang="zh-TW" dirty="0" smtClean="0"/>
+              <a:t>LINUX</a:t>
+            </a:r>
+            <a:r>
+              <a:rPr lang="zh-TW" altLang="en-US" dirty="0" smtClean="0"/>
+              <a:t>內核版本</a:t>
+            </a:r>
+            <a:r>
+              <a:rPr lang="en-US" altLang="zh-TW" dirty="0" smtClean="0"/>
+              <a:t>)</a:t>
+            </a:r>
           </a:p>
         </p:txBody>
       </p:sp>
     </p:spTree>
     <p:extLst>
       <p:ext uri="{BB962C8B-B14F-4D97-AF65-F5344CB8AC3E}">
-        <p14:creationId xmlns:p14="http://schemas.microsoft.com/office/powerpoint/2010/main" val="689074913"/>
+        <p14:creationId xmlns:p14="http://schemas.microsoft.com/office/powerpoint/2010/main" val="1215638466"/>
       </p:ext>
     </p:extLst>
   </p:cSld>

--- a/Linux/Linux_2.pptx
+++ b/Linux/Linux_2.pptx
@@ -7,18 +7,21 @@
   <p:sldIdLst>
     <p:sldId id="256" r:id="rId2"/>
     <p:sldId id="257" r:id="rId3"/>
-    <p:sldId id="258" r:id="rId4"/>
-    <p:sldId id="259" r:id="rId5"/>
-    <p:sldId id="260" r:id="rId6"/>
-    <p:sldId id="261" r:id="rId7"/>
-    <p:sldId id="262" r:id="rId8"/>
-    <p:sldId id="268" r:id="rId9"/>
-    <p:sldId id="270" r:id="rId10"/>
-    <p:sldId id="269" r:id="rId11"/>
-    <p:sldId id="264" r:id="rId12"/>
-    <p:sldId id="265" r:id="rId13"/>
-    <p:sldId id="266" r:id="rId14"/>
-    <p:sldId id="267" r:id="rId15"/>
+    <p:sldId id="271" r:id="rId4"/>
+    <p:sldId id="258" r:id="rId5"/>
+    <p:sldId id="259" r:id="rId6"/>
+    <p:sldId id="260" r:id="rId7"/>
+    <p:sldId id="261" r:id="rId8"/>
+    <p:sldId id="273" r:id="rId9"/>
+    <p:sldId id="262" r:id="rId10"/>
+    <p:sldId id="268" r:id="rId11"/>
+    <p:sldId id="270" r:id="rId12"/>
+    <p:sldId id="269" r:id="rId13"/>
+    <p:sldId id="264" r:id="rId14"/>
+    <p:sldId id="265" r:id="rId15"/>
+    <p:sldId id="266" r:id="rId16"/>
+    <p:sldId id="267" r:id="rId17"/>
+    <p:sldId id="272" r:id="rId18"/>
   </p:sldIdLst>
   <p:sldSz cx="9144000" cy="6858000" type="screen4x3"/>
   <p:notesSz cx="6858000" cy="9144000"/>
@@ -317,7 +320,7 @@
           <a:p>
             <a:fld id="{0C5695C2-1E2C-4DEF-BE03-41FD8AF1649F}" type="datetimeFigureOut">
               <a:rPr lang="zh-TW" altLang="en-US" smtClean="0"/>
-              <a:t>2019/5/10</a:t>
+              <a:t>2019/5/13</a:t>
             </a:fld>
             <a:endParaRPr lang="zh-TW" altLang="en-US"/>
           </a:p>
@@ -487,7 +490,7 @@
           <a:p>
             <a:fld id="{0C5695C2-1E2C-4DEF-BE03-41FD8AF1649F}" type="datetimeFigureOut">
               <a:rPr lang="zh-TW" altLang="en-US" smtClean="0"/>
-              <a:t>2019/5/10</a:t>
+              <a:t>2019/5/13</a:t>
             </a:fld>
             <a:endParaRPr lang="zh-TW" altLang="en-US"/>
           </a:p>
@@ -667,7 +670,7 @@
           <a:p>
             <a:fld id="{0C5695C2-1E2C-4DEF-BE03-41FD8AF1649F}" type="datetimeFigureOut">
               <a:rPr lang="zh-TW" altLang="en-US" smtClean="0"/>
-              <a:t>2019/5/10</a:t>
+              <a:t>2019/5/13</a:t>
             </a:fld>
             <a:endParaRPr lang="zh-TW" altLang="en-US"/>
           </a:p>
@@ -837,7 +840,7 @@
           <a:p>
             <a:fld id="{0C5695C2-1E2C-4DEF-BE03-41FD8AF1649F}" type="datetimeFigureOut">
               <a:rPr lang="zh-TW" altLang="en-US" smtClean="0"/>
-              <a:t>2019/5/10</a:t>
+              <a:t>2019/5/13</a:t>
             </a:fld>
             <a:endParaRPr lang="zh-TW" altLang="en-US"/>
           </a:p>
@@ -1083,7 +1086,7 @@
           <a:p>
             <a:fld id="{0C5695C2-1E2C-4DEF-BE03-41FD8AF1649F}" type="datetimeFigureOut">
               <a:rPr lang="zh-TW" altLang="en-US" smtClean="0"/>
-              <a:t>2019/5/10</a:t>
+              <a:t>2019/5/13</a:t>
             </a:fld>
             <a:endParaRPr lang="zh-TW" altLang="en-US"/>
           </a:p>
@@ -1371,7 +1374,7 @@
           <a:p>
             <a:fld id="{0C5695C2-1E2C-4DEF-BE03-41FD8AF1649F}" type="datetimeFigureOut">
               <a:rPr lang="zh-TW" altLang="en-US" smtClean="0"/>
-              <a:t>2019/5/10</a:t>
+              <a:t>2019/5/13</a:t>
             </a:fld>
             <a:endParaRPr lang="zh-TW" altLang="en-US"/>
           </a:p>
@@ -1793,7 +1796,7 @@
           <a:p>
             <a:fld id="{0C5695C2-1E2C-4DEF-BE03-41FD8AF1649F}" type="datetimeFigureOut">
               <a:rPr lang="zh-TW" altLang="en-US" smtClean="0"/>
-              <a:t>2019/5/10</a:t>
+              <a:t>2019/5/13</a:t>
             </a:fld>
             <a:endParaRPr lang="zh-TW" altLang="en-US"/>
           </a:p>
@@ -1911,7 +1914,7 @@
           <a:p>
             <a:fld id="{0C5695C2-1E2C-4DEF-BE03-41FD8AF1649F}" type="datetimeFigureOut">
               <a:rPr lang="zh-TW" altLang="en-US" smtClean="0"/>
-              <a:t>2019/5/10</a:t>
+              <a:t>2019/5/13</a:t>
             </a:fld>
             <a:endParaRPr lang="zh-TW" altLang="en-US"/>
           </a:p>
@@ -2006,7 +2009,7 @@
           <a:p>
             <a:fld id="{0C5695C2-1E2C-4DEF-BE03-41FD8AF1649F}" type="datetimeFigureOut">
               <a:rPr lang="zh-TW" altLang="en-US" smtClean="0"/>
-              <a:t>2019/5/10</a:t>
+              <a:t>2019/5/13</a:t>
             </a:fld>
             <a:endParaRPr lang="zh-TW" altLang="en-US"/>
           </a:p>
@@ -2283,7 +2286,7 @@
           <a:p>
             <a:fld id="{0C5695C2-1E2C-4DEF-BE03-41FD8AF1649F}" type="datetimeFigureOut">
               <a:rPr lang="zh-TW" altLang="en-US" smtClean="0"/>
-              <a:t>2019/5/10</a:t>
+              <a:t>2019/5/13</a:t>
             </a:fld>
             <a:endParaRPr lang="zh-TW" altLang="en-US"/>
           </a:p>
@@ -2536,7 +2539,7 @@
           <a:p>
             <a:fld id="{0C5695C2-1E2C-4DEF-BE03-41FD8AF1649F}" type="datetimeFigureOut">
               <a:rPr lang="zh-TW" altLang="en-US" smtClean="0"/>
-              <a:t>2019/5/10</a:t>
+              <a:t>2019/5/13</a:t>
             </a:fld>
             <a:endParaRPr lang="zh-TW" altLang="en-US"/>
           </a:p>
@@ -2749,7 +2752,7 @@
           <a:p>
             <a:fld id="{0C5695C2-1E2C-4DEF-BE03-41FD8AF1649F}" type="datetimeFigureOut">
               <a:rPr lang="zh-TW" altLang="en-US" smtClean="0"/>
-              <a:t>2019/5/10</a:t>
+              <a:t>2019/5/13</a:t>
             </a:fld>
             <a:endParaRPr lang="zh-TW" altLang="en-US"/>
           </a:p>
@@ -3232,186 +3235,115 @@
           <a:lstStyle/>
           <a:p>
             <a:r>
-              <a:rPr lang="en-US" altLang="zh-TW" dirty="0" smtClean="0"/>
-              <a:t>/</a:t>
-            </a:r>
+              <a:rPr lang="zh-TW" altLang="en-US" dirty="0" smtClean="0"/>
+              <a:t>使用者</a:t>
+            </a:r>
+            <a:r>
+              <a:rPr lang="en-US" altLang="zh-TW" dirty="0" smtClean="0"/>
+              <a:t>:UID/GID</a:t>
+            </a:r>
+            <a:endParaRPr lang="zh-TW" altLang="en-US" dirty="0"/>
+          </a:p>
+        </p:txBody>
+      </p:sp>
+      <p:sp>
+        <p:nvSpPr>
+          <p:cNvPr id="3" name="內容版面配置區 2"/>
+          <p:cNvSpPr>
+            <a:spLocks noGrp="1"/>
+          </p:cNvSpPr>
+          <p:nvPr>
+            <p:ph idx="1"/>
+          </p:nvPr>
+        </p:nvSpPr>
+        <p:spPr/>
+        <p:txBody>
+          <a:bodyPr/>
+          <a:lstStyle/>
+          <a:p>
+            <a:r>
+              <a:rPr lang="en-US" altLang="zh-TW" dirty="0" smtClean="0"/>
+              <a:t>LINUX</a:t>
+            </a:r>
+            <a:r>
+              <a:rPr lang="zh-TW" altLang="en-US" dirty="0" smtClean="0"/>
+              <a:t>利用</a:t>
+            </a:r>
+            <a:r>
+              <a:rPr lang="en-US" altLang="zh-TW" dirty="0" smtClean="0"/>
+              <a:t>UID</a:t>
+            </a:r>
+            <a:r>
+              <a:rPr lang="zh-TW" altLang="en-US" dirty="0" smtClean="0"/>
+              <a:t>與</a:t>
+            </a:r>
+            <a:r>
+              <a:rPr lang="en-US" altLang="zh-TW" dirty="0" smtClean="0"/>
+              <a:t>GID</a:t>
+            </a:r>
+            <a:r>
+              <a:rPr lang="zh-TW" altLang="en-US" dirty="0" smtClean="0"/>
+              <a:t>判別使用者以及所</a:t>
+            </a:r>
+            <a:r>
+              <a:rPr lang="zh-TW" altLang="en-US" dirty="0"/>
+              <a:t>屬</a:t>
+            </a:r>
+            <a:r>
+              <a:rPr lang="zh-TW" altLang="en-US" dirty="0" smtClean="0"/>
+              <a:t>群組</a:t>
+            </a:r>
+            <a:r>
+              <a:rPr lang="en-US" altLang="zh-TW" dirty="0" smtClean="0"/>
+              <a:t>(</a:t>
+            </a:r>
+            <a:r>
+              <a:rPr lang="zh-TW" altLang="en-US" dirty="0" smtClean="0"/>
+              <a:t>不使用帳號辨別</a:t>
+            </a:r>
+            <a:r>
+              <a:rPr lang="en-US" altLang="zh-TW" dirty="0" smtClean="0"/>
+              <a:t>)</a:t>
+            </a:r>
+          </a:p>
+          <a:p>
             <a:r>
               <a:rPr lang="en-US" altLang="zh-TW" dirty="0" err="1" smtClean="0"/>
-              <a:t>etc</a:t>
-            </a:r>
-            <a:r>
-              <a:rPr lang="en-US" altLang="zh-TW" dirty="0" smtClean="0"/>
-              <a:t>/</a:t>
+              <a:t>UID:User</a:t>
+            </a:r>
+            <a:r>
+              <a:rPr lang="en-US" altLang="zh-TW" dirty="0" smtClean="0"/>
+              <a:t> </a:t>
             </a:r>
             <a:r>
               <a:rPr lang="en-US" altLang="zh-TW" dirty="0" err="1" smtClean="0"/>
-              <a:t>passwd</a:t>
-            </a:r>
-            <a:endParaRPr lang="zh-TW" altLang="en-US" dirty="0"/>
-          </a:p>
-        </p:txBody>
-      </p:sp>
-      <p:sp>
-        <p:nvSpPr>
-          <p:cNvPr id="3" name="內容版面配置區 2"/>
-          <p:cNvSpPr>
-            <a:spLocks noGrp="1"/>
-          </p:cNvSpPr>
-          <p:nvPr>
-            <p:ph idx="1"/>
-          </p:nvPr>
-        </p:nvSpPr>
-        <p:spPr/>
-        <p:txBody>
-          <a:bodyPr/>
-          <a:lstStyle/>
-          <a:p>
-            <a:r>
-              <a:rPr lang="zh-TW" altLang="en-US" dirty="0" smtClean="0"/>
-              <a:t>每行代表一個帳號</a:t>
+              <a:t>identify,Linux</a:t>
+            </a:r>
+            <a:r>
+              <a:rPr lang="zh-TW" altLang="en-US" dirty="0" smtClean="0"/>
+              <a:t>辨認使用者帳號所用</a:t>
             </a:r>
             <a:endParaRPr lang="en-US" altLang="zh-TW" dirty="0" smtClean="0"/>
           </a:p>
           <a:p>
             <a:r>
-              <a:rPr lang="zh-TW" altLang="en-US" dirty="0" smtClean="0"/>
-              <a:t>格</a:t>
-            </a:r>
-            <a:r>
-              <a:rPr lang="zh-TW" altLang="en-US" dirty="0"/>
-              <a:t>式</a:t>
-            </a:r>
-            <a:r>
-              <a:rPr lang="en-US" altLang="zh-TW" dirty="0" smtClean="0"/>
-              <a:t>:</a:t>
-            </a:r>
-            <a:r>
-              <a:rPr lang="zh-TW" altLang="en-US" dirty="0" smtClean="0"/>
-              <a:t>帳號</a:t>
-            </a:r>
-            <a:r>
-              <a:rPr lang="en-US" altLang="zh-TW" dirty="0" smtClean="0"/>
-              <a:t>/</a:t>
-            </a:r>
-            <a:r>
-              <a:rPr lang="zh-TW" altLang="en-US" dirty="0" smtClean="0"/>
-              <a:t>密碼</a:t>
-            </a:r>
-            <a:r>
-              <a:rPr lang="en-US" altLang="zh-TW" dirty="0" smtClean="0"/>
-              <a:t>/UID/GID/</a:t>
-            </a:r>
-            <a:r>
-              <a:rPr lang="zh-TW" altLang="en-US" dirty="0" smtClean="0"/>
-              <a:t>使用者資訊</a:t>
-            </a:r>
-            <a:r>
-              <a:rPr lang="en-US" altLang="zh-TW" dirty="0" smtClean="0"/>
-              <a:t>/</a:t>
-            </a:r>
-            <a:r>
-              <a:rPr lang="zh-TW" altLang="en-US" dirty="0" smtClean="0"/>
-              <a:t>家目錄</a:t>
-            </a:r>
-            <a:r>
-              <a:rPr lang="en-US" altLang="zh-TW" dirty="0" smtClean="0"/>
-              <a:t>/Shell</a:t>
-            </a:r>
-          </a:p>
-          <a:p>
-            <a:r>
-              <a:rPr lang="zh-TW" altLang="en-US" dirty="0" smtClean="0"/>
-              <a:t>不可隨意更動</a:t>
-            </a:r>
-            <a:endParaRPr lang="zh-TW" altLang="en-US" dirty="0"/>
-          </a:p>
-        </p:txBody>
-      </p:sp>
-      <p:pic>
-        <p:nvPicPr>
-          <p:cNvPr id="5" name="圖片 4"/>
-          <p:cNvPicPr>
-            <a:picLocks noChangeAspect="1"/>
-          </p:cNvPicPr>
-          <p:nvPr/>
-        </p:nvPicPr>
-        <p:blipFill rotWithShape="1">
-          <a:blip r:embed="rId2"/>
-          <a:srcRect l="1408" b="65264"/>
-          <a:stretch/>
-        </p:blipFill>
-        <p:spPr>
-          <a:xfrm>
-            <a:off x="1115616" y="3789040"/>
-            <a:ext cx="6480720" cy="1979814"/>
-          </a:xfrm>
-          <a:prstGeom prst="rect">
-            <a:avLst/>
-          </a:prstGeom>
-        </p:spPr>
-      </p:pic>
-      <p:sp>
-        <p:nvSpPr>
-          <p:cNvPr id="6" name="文字方塊 5"/>
-          <p:cNvSpPr txBox="1"/>
-          <p:nvPr/>
-        </p:nvSpPr>
-        <p:spPr>
-          <a:xfrm>
-            <a:off x="2339752" y="5767216"/>
-            <a:ext cx="3096344" cy="369332"/>
-          </a:xfrm>
-          <a:prstGeom prst="rect">
-            <a:avLst/>
-          </a:prstGeom>
-          <a:noFill/>
-        </p:spPr>
-        <p:txBody>
-          <a:bodyPr wrap="square" rtlCol="0">
-            <a:spAutoFit/>
-          </a:bodyPr>
-          <a:lstStyle/>
-          <a:p>
-            <a:r>
-              <a:rPr lang="zh-TW" altLang="en-US" dirty="0" smtClean="0"/>
-              <a:t>圖</a:t>
-            </a:r>
-            <a:r>
-              <a:rPr lang="en-US" altLang="zh-TW" dirty="0" smtClean="0"/>
-              <a:t>2.5</a:t>
-            </a:r>
-            <a:r>
-              <a:rPr lang="zh-TW" altLang="en-US" dirty="0" smtClean="0"/>
-              <a:t> </a:t>
-            </a:r>
-            <a:r>
-              <a:rPr lang="en-US" altLang="zh-TW" dirty="0" smtClean="0"/>
-              <a:t>vi</a:t>
-            </a:r>
-            <a:r>
-              <a:rPr lang="zh-TW" altLang="en-US" dirty="0" smtClean="0"/>
-              <a:t> </a:t>
-            </a:r>
-            <a:r>
-              <a:rPr lang="en-US" altLang="zh-TW" dirty="0" smtClean="0"/>
-              <a:t>/</a:t>
-            </a:r>
-            <a:r>
               <a:rPr lang="en-US" altLang="zh-TW" dirty="0" err="1" smtClean="0"/>
-              <a:t>etc</a:t>
-            </a:r>
-            <a:r>
-              <a:rPr lang="en-US" altLang="zh-TW" dirty="0" smtClean="0"/>
-              <a:t>/</a:t>
-            </a:r>
-            <a:r>
-              <a:rPr lang="en-US" altLang="zh-TW" dirty="0" err="1" smtClean="0"/>
-              <a:t>passwd</a:t>
-            </a:r>
-            <a:r>
-              <a:rPr lang="zh-TW" altLang="en-US" dirty="0" smtClean="0"/>
-              <a:t> 檔案內容</a:t>
-            </a:r>
+              <a:t>GID:Group</a:t>
+            </a:r>
+            <a:r>
+              <a:rPr lang="en-US" altLang="zh-TW" dirty="0" smtClean="0"/>
+              <a:t> identify,</a:t>
+            </a:r>
+            <a:r>
+              <a:rPr lang="zh-TW" altLang="en-US" dirty="0" smtClean="0"/>
+              <a:t>辨認所屬群組所用</a:t>
+            </a:r>
+            <a:endParaRPr lang="en-US" altLang="zh-TW" dirty="0" smtClean="0"/>
+          </a:p>
+          <a:p>
+            <a:endParaRPr lang="en-US" altLang="zh-TW" dirty="0" smtClean="0"/>
+          </a:p>
+          <a:p>
             <a:endParaRPr lang="zh-TW" altLang="en-US" dirty="0"/>
           </a:p>
         </p:txBody>
@@ -3419,7 +3351,7 @@
     </p:spTree>
     <p:extLst>
       <p:ext uri="{BB962C8B-B14F-4D97-AF65-F5344CB8AC3E}">
-        <p14:creationId xmlns:p14="http://schemas.microsoft.com/office/powerpoint/2010/main" val="2552594429"/>
+        <p14:creationId xmlns:p14="http://schemas.microsoft.com/office/powerpoint/2010/main" val="1949998626"/>
       </p:ext>
     </p:extLst>
   </p:cSld>
@@ -3463,15 +3395,11 @@
           <a:p>
             <a:r>
               <a:rPr lang="en-US" altLang="zh-TW" dirty="0" smtClean="0"/>
-              <a:t>5.</a:t>
-            </a:r>
-            <a:r>
-              <a:rPr lang="zh-TW" altLang="en-US" dirty="0" smtClean="0"/>
-              <a:t>查看目前登入身分</a:t>
-            </a:r>
-            <a:r>
-              <a:rPr lang="en-US" altLang="zh-TW" dirty="0" smtClean="0"/>
-              <a:t>/id</a:t>
+              <a:t>UID</a:t>
+            </a:r>
+            <a:r>
+              <a:rPr lang="zh-TW" altLang="en-US" dirty="0" smtClean="0"/>
+              <a:t>可用範圍</a:t>
             </a:r>
             <a:endParaRPr lang="zh-TW" altLang="en-US" dirty="0"/>
           </a:p>
@@ -3493,156 +3421,111 @@
           <a:lstStyle/>
           <a:p>
             <a:r>
-              <a:rPr lang="en-US" altLang="zh-TW" dirty="0" err="1"/>
-              <a:t>w</a:t>
-            </a:r>
-            <a:r>
-              <a:rPr lang="en-US" altLang="zh-TW" dirty="0" err="1" smtClean="0"/>
-              <a:t>hoami</a:t>
-            </a:r>
-            <a:r>
-              <a:rPr lang="en-US" altLang="zh-TW" dirty="0" smtClean="0"/>
-              <a:t>:</a:t>
-            </a:r>
-            <a:r>
-              <a:rPr lang="zh-TW" altLang="en-US" dirty="0" smtClean="0"/>
-              <a:t>查看目前登入身分</a:t>
+              <a:rPr lang="en-US" altLang="zh-TW" dirty="0" smtClean="0"/>
+              <a:t>0:</a:t>
+            </a:r>
+            <a:r>
+              <a:rPr lang="zh-TW" altLang="en-US" dirty="0" smtClean="0"/>
+              <a:t>系統管理員</a:t>
+            </a:r>
+            <a:r>
+              <a:rPr lang="en-US" altLang="zh-TW" dirty="0" smtClean="0"/>
+              <a:t>(root)</a:t>
+            </a:r>
+          </a:p>
+          <a:p>
+            <a:r>
+              <a:rPr lang="en-US" altLang="zh-TW" dirty="0" smtClean="0"/>
+              <a:t>1~999:</a:t>
+            </a:r>
+            <a:r>
+              <a:rPr lang="zh-TW" altLang="en-US" dirty="0" smtClean="0"/>
+              <a:t>保留系統使用</a:t>
             </a:r>
             <a:endParaRPr lang="en-US" altLang="zh-TW" dirty="0" smtClean="0"/>
           </a:p>
           <a:p>
-            <a:r>
-              <a:rPr lang="en-US" altLang="zh-TW" dirty="0"/>
-              <a:t>i</a:t>
-            </a:r>
-            <a:r>
-              <a:rPr lang="en-US" altLang="zh-TW" dirty="0" smtClean="0"/>
-              <a:t>d:</a:t>
-            </a:r>
-            <a:r>
-              <a:rPr lang="zh-TW" altLang="en-US" dirty="0" smtClean="0"/>
-              <a:t>查看使用者</a:t>
-            </a:r>
-            <a:r>
-              <a:rPr lang="en-US" altLang="zh-TW" dirty="0" smtClean="0"/>
-              <a:t>ID(e.g.</a:t>
-            </a:r>
-            <a:r>
-              <a:rPr lang="zh-TW" altLang="en-US" dirty="0" smtClean="0"/>
-              <a:t> </a:t>
-            </a:r>
-            <a:r>
-              <a:rPr lang="en-US" altLang="zh-TW" dirty="0" smtClean="0"/>
-              <a:t>UID</a:t>
-            </a:r>
-            <a:r>
-              <a:rPr lang="zh-TW" altLang="en-US" dirty="0" smtClean="0"/>
-              <a:t> </a:t>
-            </a:r>
-            <a:r>
-              <a:rPr lang="en-US" altLang="zh-TW" dirty="0" smtClean="0"/>
-              <a:t>or</a:t>
-            </a:r>
-            <a:r>
-              <a:rPr lang="zh-TW" altLang="en-US" dirty="0" smtClean="0"/>
-              <a:t> </a:t>
-            </a:r>
-            <a:r>
-              <a:rPr lang="en-US" altLang="zh-TW" dirty="0" smtClean="0"/>
-              <a:t>GID)</a:t>
-            </a:r>
-          </a:p>
-          <a:p>
-            <a:endParaRPr lang="zh-TW" altLang="en-US" dirty="0"/>
-          </a:p>
-        </p:txBody>
-      </p:sp>
-      <p:pic>
-        <p:nvPicPr>
-          <p:cNvPr id="4" name="圖片 3"/>
-          <p:cNvPicPr>
-            <a:picLocks noChangeAspect="1"/>
-          </p:cNvPicPr>
-          <p:nvPr/>
-        </p:nvPicPr>
-        <p:blipFill>
-          <a:blip r:embed="rId2"/>
-          <a:stretch>
-            <a:fillRect/>
-          </a:stretch>
-        </p:blipFill>
-        <p:spPr>
-          <a:xfrm>
-            <a:off x="457200" y="2924944"/>
-            <a:ext cx="8121049" cy="1368152"/>
-          </a:xfrm>
-          <a:prstGeom prst="rect">
-            <a:avLst/>
-          </a:prstGeom>
-        </p:spPr>
-      </p:pic>
-      <p:sp>
-        <p:nvSpPr>
-          <p:cNvPr id="5" name="文字方塊 4"/>
-          <p:cNvSpPr txBox="1"/>
-          <p:nvPr/>
-        </p:nvSpPr>
-        <p:spPr>
-          <a:xfrm>
-            <a:off x="2555776" y="4509120"/>
-            <a:ext cx="4032448" cy="369332"/>
-          </a:xfrm>
-          <a:prstGeom prst="rect">
-            <a:avLst/>
-          </a:prstGeom>
-          <a:noFill/>
-        </p:spPr>
-        <p:txBody>
-          <a:bodyPr wrap="square" rtlCol="0">
-            <a:spAutoFit/>
-          </a:bodyPr>
-          <a:lstStyle/>
-          <a:p>
-            <a:r>
-              <a:rPr lang="zh-TW" altLang="en-US" dirty="0" smtClean="0"/>
-              <a:t>圖</a:t>
-            </a:r>
-            <a:r>
-              <a:rPr lang="en-US" altLang="zh-TW" dirty="0" smtClean="0"/>
-              <a:t>2.6</a:t>
-            </a:r>
-            <a:r>
-              <a:rPr lang="zh-TW" altLang="en-US" dirty="0" smtClean="0"/>
-              <a:t> </a:t>
-            </a:r>
-            <a:r>
-              <a:rPr lang="zh-TW" altLang="en-US" dirty="0" smtClean="0"/>
-              <a:t>使用</a:t>
-            </a:r>
-            <a:r>
-              <a:rPr lang="en-US" altLang="zh-TW" dirty="0" err="1" smtClean="0"/>
-              <a:t>whoami</a:t>
-            </a:r>
-            <a:r>
-              <a:rPr lang="zh-TW" altLang="en-US" dirty="0" smtClean="0"/>
-              <a:t>和</a:t>
-            </a:r>
-            <a:r>
-              <a:rPr lang="en-US" altLang="zh-TW" dirty="0" smtClean="0"/>
-              <a:t>id</a:t>
-            </a:r>
-            <a:r>
-              <a:rPr lang="zh-TW" altLang="en-US" dirty="0" smtClean="0"/>
-              <a:t>查看使用者資訊</a:t>
-            </a:r>
-            <a:endParaRPr lang="zh-TW" altLang="en-US" dirty="0"/>
+            <a:pPr marL="0" indent="0">
+              <a:buNone/>
+            </a:pPr>
+            <a:r>
+              <a:rPr lang="zh-TW" altLang="en-US" dirty="0" smtClean="0"/>
+              <a:t>                 </a:t>
+            </a:r>
+            <a:r>
+              <a:rPr lang="en-US" altLang="zh-TW" dirty="0" smtClean="0"/>
+              <a:t>1~200:</a:t>
+            </a:r>
+            <a:r>
+              <a:rPr lang="zh-TW" altLang="en-US" dirty="0" smtClean="0"/>
+              <a:t>發布版本自行建立</a:t>
+            </a:r>
+            <a:endParaRPr lang="en-US" altLang="zh-TW" dirty="0" smtClean="0"/>
+          </a:p>
+          <a:p>
+            <a:pPr marL="0" indent="0">
+              <a:buNone/>
+            </a:pPr>
+            <a:r>
+              <a:rPr lang="zh-TW" altLang="en-US" dirty="0" smtClean="0"/>
+              <a:t>                 </a:t>
+            </a:r>
+            <a:r>
+              <a:rPr lang="en-US" altLang="zh-TW" dirty="0" smtClean="0"/>
+              <a:t>200~999:</a:t>
+            </a:r>
+            <a:r>
+              <a:rPr lang="zh-TW" altLang="en-US" dirty="0" smtClean="0"/>
+              <a:t>使用者有系統帳號需求建立</a:t>
+            </a:r>
+            <a:endParaRPr lang="en-US" altLang="zh-TW" dirty="0" smtClean="0"/>
+          </a:p>
+          <a:p>
+            <a:r>
+              <a:rPr lang="en-US" altLang="zh-TW" dirty="0" smtClean="0"/>
+              <a:t>1000~:</a:t>
+            </a:r>
+            <a:r>
+              <a:rPr lang="zh-TW" altLang="en-US" dirty="0" smtClean="0"/>
+              <a:t>一般使用者使用</a:t>
+            </a:r>
+            <a:endParaRPr lang="en-US" altLang="zh-TW" dirty="0" smtClean="0"/>
+          </a:p>
+          <a:p>
+            <a:pPr marL="0" indent="0">
+              <a:buNone/>
+            </a:pPr>
+            <a:r>
+              <a:rPr lang="zh-TW" altLang="en-US" dirty="0" smtClean="0"/>
+              <a:t>                </a:t>
+            </a:r>
+            <a:r>
+              <a:rPr lang="en-US" altLang="zh-TW" dirty="0" smtClean="0"/>
+              <a:t>(</a:t>
+            </a:r>
+            <a:r>
+              <a:rPr lang="zh-TW" altLang="en-US" dirty="0" smtClean="0"/>
+              <a:t>可到多大看</a:t>
+            </a:r>
+            <a:r>
+              <a:rPr lang="en-US" altLang="zh-TW" dirty="0" smtClean="0"/>
+              <a:t>LINUX</a:t>
+            </a:r>
+            <a:r>
+              <a:rPr lang="zh-TW" altLang="en-US" dirty="0" smtClean="0"/>
+              <a:t>內核版本</a:t>
+            </a:r>
+            <a:r>
+              <a:rPr lang="en-US" altLang="zh-TW" dirty="0" smtClean="0"/>
+              <a:t>)</a:t>
+            </a:r>
           </a:p>
         </p:txBody>
       </p:sp>
     </p:spTree>
     <p:extLst>
       <p:ext uri="{BB962C8B-B14F-4D97-AF65-F5344CB8AC3E}">
-        <p14:creationId xmlns:p14="http://schemas.microsoft.com/office/powerpoint/2010/main" val="689074913"/>
+        <p14:creationId xmlns:p14="http://schemas.microsoft.com/office/powerpoint/2010/main" val="1215638466"/>
       </p:ext>
     </p:extLst>
   </p:cSld>
@@ -3686,198 +3569,184 @@
           <a:p>
             <a:r>
               <a:rPr lang="en-US" altLang="zh-TW" dirty="0" smtClean="0"/>
-              <a:t>6.</a:t>
-            </a:r>
-            <a:r>
-              <a:rPr lang="zh-TW" altLang="en-US" dirty="0" smtClean="0"/>
-              <a:t>使用者</a:t>
-            </a:r>
-            <a:r>
-              <a:rPr lang="en-US" altLang="zh-TW" dirty="0"/>
               <a:t>/</a:t>
             </a:r>
             <a:r>
+              <a:rPr lang="en-US" altLang="zh-TW" dirty="0" err="1" smtClean="0"/>
+              <a:t>etc</a:t>
+            </a:r>
+            <a:r>
+              <a:rPr lang="en-US" altLang="zh-TW" dirty="0" smtClean="0"/>
+              <a:t>/</a:t>
+            </a:r>
+            <a:r>
+              <a:rPr lang="en-US" altLang="zh-TW" dirty="0" err="1" smtClean="0"/>
+              <a:t>passwd</a:t>
+            </a:r>
+            <a:endParaRPr lang="zh-TW" altLang="en-US" dirty="0"/>
+          </a:p>
+        </p:txBody>
+      </p:sp>
+      <p:sp>
+        <p:nvSpPr>
+          <p:cNvPr id="3" name="內容版面配置區 2"/>
+          <p:cNvSpPr>
+            <a:spLocks noGrp="1"/>
+          </p:cNvSpPr>
+          <p:nvPr>
+            <p:ph idx="1"/>
+          </p:nvPr>
+        </p:nvSpPr>
+        <p:spPr/>
+        <p:txBody>
+          <a:bodyPr/>
+          <a:lstStyle/>
+          <a:p>
+            <a:r>
+              <a:rPr lang="zh-TW" altLang="en-US" dirty="0" smtClean="0"/>
+              <a:t>每行代表一個帳號</a:t>
+            </a:r>
+            <a:endParaRPr lang="en-US" altLang="zh-TW" dirty="0" smtClean="0"/>
+          </a:p>
+          <a:p>
+            <a:r>
+              <a:rPr lang="zh-TW" altLang="en-US" dirty="0" smtClean="0"/>
+              <a:t>格</a:t>
+            </a:r>
+            <a:r>
               <a:rPr lang="zh-TW" altLang="en-US" dirty="0"/>
-              <a:t>群組</a:t>
-            </a:r>
-            <a:r>
-              <a:rPr lang="zh-TW" altLang="en-US" dirty="0" smtClean="0"/>
-              <a:t>增刪改</a:t>
+              <a:t>式</a:t>
+            </a:r>
+            <a:r>
+              <a:rPr lang="en-US" altLang="zh-TW" dirty="0" smtClean="0"/>
+              <a:t>:</a:t>
+            </a:r>
+            <a:r>
+              <a:rPr lang="zh-TW" altLang="en-US" dirty="0" smtClean="0"/>
+              <a:t>帳號</a:t>
+            </a:r>
+            <a:r>
+              <a:rPr lang="en-US" altLang="zh-TW" dirty="0" smtClean="0"/>
+              <a:t>/</a:t>
+            </a:r>
+            <a:r>
+              <a:rPr lang="zh-TW" altLang="en-US" dirty="0" smtClean="0"/>
+              <a:t>密碼</a:t>
+            </a:r>
+            <a:r>
+              <a:rPr lang="en-US" altLang="zh-TW" dirty="0" smtClean="0"/>
+              <a:t>/UID/GID/</a:t>
+            </a:r>
+            <a:r>
+              <a:rPr lang="zh-TW" altLang="en-US" dirty="0" smtClean="0"/>
+              <a:t>使用者資訊</a:t>
+            </a:r>
+            <a:r>
+              <a:rPr lang="en-US" altLang="zh-TW" dirty="0" smtClean="0"/>
+              <a:t>/</a:t>
+            </a:r>
+            <a:r>
+              <a:rPr lang="zh-TW" altLang="en-US" dirty="0" smtClean="0"/>
+              <a:t>家目錄</a:t>
+            </a:r>
+            <a:r>
+              <a:rPr lang="en-US" altLang="zh-TW" dirty="0" smtClean="0"/>
+              <a:t>/Shell</a:t>
+            </a:r>
+          </a:p>
+          <a:p>
+            <a:r>
+              <a:rPr lang="zh-TW" altLang="en-US" dirty="0" smtClean="0"/>
+              <a:t>不可隨意更動</a:t>
             </a:r>
             <a:endParaRPr lang="zh-TW" altLang="en-US" dirty="0"/>
           </a:p>
         </p:txBody>
       </p:sp>
-      <p:sp>
-        <p:nvSpPr>
-          <p:cNvPr id="3" name="內容版面配置區 2"/>
-          <p:cNvSpPr>
-            <a:spLocks noGrp="1"/>
-          </p:cNvSpPr>
-          <p:nvPr>
-            <p:ph idx="1"/>
-          </p:nvPr>
-        </p:nvSpPr>
-        <p:spPr/>
-        <p:txBody>
-          <a:bodyPr/>
-          <a:lstStyle/>
-          <a:p>
+      <p:pic>
+        <p:nvPicPr>
+          <p:cNvPr id="5" name="圖片 4"/>
+          <p:cNvPicPr>
+            <a:picLocks noChangeAspect="1"/>
+          </p:cNvPicPr>
+          <p:nvPr/>
+        </p:nvPicPr>
+        <p:blipFill rotWithShape="1">
+          <a:blip r:embed="rId2"/>
+          <a:srcRect l="1408" b="65264"/>
+          <a:stretch/>
+        </p:blipFill>
+        <p:spPr>
+          <a:xfrm>
+            <a:off x="1115616" y="3789040"/>
+            <a:ext cx="6480720" cy="1979814"/>
+          </a:xfrm>
+          <a:prstGeom prst="rect">
+            <a:avLst/>
+          </a:prstGeom>
+        </p:spPr>
+      </p:pic>
+      <p:sp>
+        <p:nvSpPr>
+          <p:cNvPr id="6" name="文字方塊 5"/>
+          <p:cNvSpPr txBox="1"/>
+          <p:nvPr/>
+        </p:nvSpPr>
+        <p:spPr>
+          <a:xfrm>
+            <a:off x="2339752" y="5767216"/>
+            <a:ext cx="3096344" cy="369332"/>
+          </a:xfrm>
+          <a:prstGeom prst="rect">
+            <a:avLst/>
+          </a:prstGeom>
+          <a:noFill/>
+        </p:spPr>
+        <p:txBody>
+          <a:bodyPr wrap="square" rtlCol="0">
+            <a:spAutoFit/>
+          </a:bodyPr>
+          <a:lstStyle/>
+          <a:p>
+            <a:r>
+              <a:rPr lang="zh-TW" altLang="en-US" dirty="0" smtClean="0"/>
+              <a:t>圖</a:t>
+            </a:r>
+            <a:r>
+              <a:rPr lang="en-US" altLang="zh-TW" dirty="0" smtClean="0"/>
+              <a:t>2.7</a:t>
+            </a:r>
+            <a:r>
+              <a:rPr lang="zh-TW" altLang="en-US" dirty="0" smtClean="0"/>
+              <a:t> </a:t>
+            </a:r>
+            <a:r>
+              <a:rPr lang="en-US" altLang="zh-TW" dirty="0" smtClean="0"/>
+              <a:t>vi</a:t>
+            </a:r>
+            <a:r>
+              <a:rPr lang="zh-TW" altLang="en-US" dirty="0" smtClean="0"/>
+              <a:t> </a:t>
+            </a:r>
+            <a:r>
+              <a:rPr lang="en-US" altLang="zh-TW" dirty="0" smtClean="0"/>
+              <a:t>/</a:t>
+            </a:r>
             <a:r>
               <a:rPr lang="en-US" altLang="zh-TW" dirty="0" err="1" smtClean="0"/>
-              <a:t>adduser</a:t>
-            </a:r>
-            <a:r>
-              <a:rPr lang="en-US" altLang="zh-TW" dirty="0" smtClean="0"/>
-              <a:t> [username]:</a:t>
-            </a:r>
-            <a:r>
-              <a:rPr lang="zh-TW" altLang="en-US" dirty="0" smtClean="0"/>
-              <a:t>新增使用者</a:t>
-            </a:r>
-            <a:endParaRPr lang="en-US" altLang="zh-TW" dirty="0" smtClean="0"/>
-          </a:p>
-          <a:p>
-            <a:r>
-              <a:rPr lang="en-US" altLang="zh-TW" dirty="0" err="1"/>
-              <a:t>a</a:t>
+              <a:t>etc</a:t>
+            </a:r>
+            <a:r>
+              <a:rPr lang="en-US" altLang="zh-TW" dirty="0" smtClean="0"/>
+              <a:t>/</a:t>
             </a:r>
             <a:r>
               <a:rPr lang="en-US" altLang="zh-TW" dirty="0" err="1" smtClean="0"/>
-              <a:t>dduser</a:t>
-            </a:r>
-            <a:r>
-              <a:rPr lang="zh-TW" altLang="en-US" dirty="0" smtClean="0"/>
-              <a:t>參數</a:t>
-            </a:r>
-            <a:r>
-              <a:rPr lang="en-US" altLang="zh-TW" dirty="0" smtClean="0"/>
-              <a:t>:-G</a:t>
-            </a:r>
-            <a:r>
-              <a:rPr lang="zh-TW" altLang="en-US" dirty="0" smtClean="0"/>
-              <a:t> </a:t>
-            </a:r>
-            <a:r>
-              <a:rPr lang="en-US" altLang="zh-TW" dirty="0" smtClean="0"/>
-              <a:t>[group]</a:t>
-            </a:r>
-            <a:r>
-              <a:rPr lang="zh-TW" altLang="en-US" dirty="0" smtClean="0"/>
-              <a:t> 新增使用者至群組</a:t>
-            </a:r>
-            <a:endParaRPr lang="en-US" altLang="zh-TW" dirty="0" smtClean="0"/>
-          </a:p>
-          <a:p>
-            <a:r>
-              <a:rPr lang="en-US" altLang="zh-TW" dirty="0" err="1"/>
-              <a:t>adduser</a:t>
-            </a:r>
-            <a:r>
-              <a:rPr lang="zh-TW" altLang="en-US" dirty="0"/>
-              <a:t>參數</a:t>
-            </a:r>
-            <a:r>
-              <a:rPr lang="en-US" altLang="zh-TW" dirty="0" smtClean="0"/>
-              <a:t>:-u [UID] </a:t>
-            </a:r>
-            <a:r>
-              <a:rPr lang="zh-TW" altLang="en-US" dirty="0" smtClean="0"/>
-              <a:t>新增指定</a:t>
-            </a:r>
-            <a:r>
-              <a:rPr lang="en-US" altLang="zh-TW" dirty="0" smtClean="0"/>
-              <a:t>UID</a:t>
-            </a:r>
-            <a:r>
-              <a:rPr lang="zh-TW" altLang="en-US" dirty="0" smtClean="0"/>
-              <a:t>使用者</a:t>
-            </a:r>
-            <a:endParaRPr lang="en-US" altLang="zh-TW" dirty="0" smtClean="0"/>
-          </a:p>
-          <a:p>
-            <a:r>
-              <a:rPr lang="en-US" altLang="zh-TW" dirty="0" err="1" smtClean="0"/>
-              <a:t>deluser</a:t>
-            </a:r>
-            <a:r>
-              <a:rPr lang="en-US" altLang="zh-TW" dirty="0" smtClean="0"/>
-              <a:t> [username]:</a:t>
-            </a:r>
-            <a:r>
-              <a:rPr lang="zh-TW" altLang="en-US" dirty="0" smtClean="0"/>
-              <a:t>刪除使用者</a:t>
-            </a:r>
-            <a:r>
-              <a:rPr lang="en-US" altLang="zh-TW" dirty="0" smtClean="0"/>
-              <a:t> </a:t>
-            </a:r>
-          </a:p>
-          <a:p>
-            <a:r>
-              <a:rPr lang="en-US" altLang="zh-TW" dirty="0" err="1" smtClean="0"/>
-              <a:t>addgroup</a:t>
-            </a:r>
-            <a:r>
-              <a:rPr lang="en-US" altLang="zh-TW" dirty="0" smtClean="0"/>
-              <a:t> [</a:t>
-            </a:r>
-            <a:r>
-              <a:rPr lang="en-US" altLang="zh-TW" dirty="0" err="1" smtClean="0"/>
-              <a:t>groupname</a:t>
-            </a:r>
-            <a:r>
-              <a:rPr lang="en-US" altLang="zh-TW" dirty="0" smtClean="0"/>
-              <a:t>]:</a:t>
-            </a:r>
-            <a:r>
-              <a:rPr lang="zh-TW" altLang="en-US" dirty="0" smtClean="0"/>
-              <a:t>新增群組</a:t>
-            </a:r>
-            <a:endParaRPr lang="en-US" altLang="zh-TW" dirty="0" smtClean="0"/>
-          </a:p>
-          <a:p>
-            <a:r>
-              <a:rPr lang="en-US" altLang="zh-TW" dirty="0" err="1"/>
-              <a:t>a</a:t>
-            </a:r>
-            <a:r>
-              <a:rPr lang="en-US" altLang="zh-TW" dirty="0" err="1" smtClean="0"/>
-              <a:t>ddgroup</a:t>
-            </a:r>
-            <a:r>
-              <a:rPr lang="zh-TW" altLang="en-US" dirty="0" smtClean="0"/>
-              <a:t>參數</a:t>
-            </a:r>
-            <a:r>
-              <a:rPr lang="en-US" altLang="zh-TW" dirty="0" smtClean="0"/>
-              <a:t>:-g [GID] </a:t>
-            </a:r>
-            <a:r>
-              <a:rPr lang="zh-TW" altLang="en-US" dirty="0" smtClean="0"/>
-              <a:t>指定</a:t>
-            </a:r>
-            <a:r>
-              <a:rPr lang="en-US" altLang="zh-TW" dirty="0" smtClean="0"/>
-              <a:t>GID</a:t>
-            </a:r>
-          </a:p>
-          <a:p>
-            <a:r>
-              <a:rPr lang="en-US" altLang="zh-TW" dirty="0" err="1"/>
-              <a:t>d</a:t>
-            </a:r>
-            <a:r>
-              <a:rPr lang="en-US" altLang="zh-TW" dirty="0" err="1" smtClean="0"/>
-              <a:t>elgroup</a:t>
-            </a:r>
-            <a:r>
-              <a:rPr lang="en-US" altLang="zh-TW" dirty="0" smtClean="0"/>
-              <a:t>:</a:t>
-            </a:r>
-            <a:r>
-              <a:rPr lang="zh-TW" altLang="en-US" dirty="0" smtClean="0"/>
-              <a:t>刪除群組</a:t>
+              <a:t>passwd</a:t>
+            </a:r>
+            <a:r>
+              <a:rPr lang="zh-TW" altLang="en-US" dirty="0" smtClean="0"/>
+              <a:t> 檔案內容</a:t>
             </a:r>
             <a:endParaRPr lang="zh-TW" altLang="en-US" dirty="0"/>
           </a:p>
@@ -3886,7 +3755,7 @@
     </p:spTree>
     <p:extLst>
       <p:ext uri="{BB962C8B-B14F-4D97-AF65-F5344CB8AC3E}">
-        <p14:creationId xmlns:p14="http://schemas.microsoft.com/office/powerpoint/2010/main" val="953329058"/>
+        <p14:creationId xmlns:p14="http://schemas.microsoft.com/office/powerpoint/2010/main" val="2552594429"/>
       </p:ext>
     </p:extLst>
   </p:cSld>
@@ -3929,21 +3798,98 @@
           <a:lstStyle/>
           <a:p>
             <a:r>
+              <a:rPr lang="en-US" altLang="zh-TW" dirty="0" smtClean="0"/>
+              <a:t>5.</a:t>
+            </a:r>
+            <a:r>
+              <a:rPr lang="zh-TW" altLang="en-US" dirty="0" smtClean="0"/>
+              <a:t>查看目前登入身分</a:t>
+            </a:r>
+            <a:r>
+              <a:rPr lang="en-US" altLang="zh-TW" dirty="0" smtClean="0"/>
+              <a:t>/id</a:t>
+            </a:r>
+            <a:endParaRPr lang="zh-TW" altLang="en-US" dirty="0"/>
+          </a:p>
+        </p:txBody>
+      </p:sp>
+      <p:sp>
+        <p:nvSpPr>
+          <p:cNvPr id="3" name="內容版面配置區 2"/>
+          <p:cNvSpPr>
+            <a:spLocks noGrp="1"/>
+          </p:cNvSpPr>
+          <p:nvPr>
+            <p:ph idx="1"/>
+          </p:nvPr>
+        </p:nvSpPr>
+        <p:spPr/>
+        <p:txBody>
+          <a:bodyPr/>
+          <a:lstStyle/>
+          <a:p>
+            <a:r>
+              <a:rPr lang="en-US" altLang="zh-TW" dirty="0" err="1"/>
+              <a:t>w</a:t>
+            </a:r>
+            <a:r>
+              <a:rPr lang="en-US" altLang="zh-TW" dirty="0" err="1" smtClean="0"/>
+              <a:t>hoami</a:t>
+            </a:r>
+            <a:r>
+              <a:rPr lang="en-US" altLang="zh-TW" dirty="0" smtClean="0"/>
+              <a:t>:</a:t>
+            </a:r>
+            <a:r>
+              <a:rPr lang="zh-TW" altLang="en-US" dirty="0" smtClean="0"/>
+              <a:t>查看目前登入身分</a:t>
+            </a:r>
+            <a:endParaRPr lang="en-US" altLang="zh-TW" dirty="0" smtClean="0"/>
+          </a:p>
+          <a:p>
+            <a:r>
               <a:rPr lang="en-US" altLang="zh-TW" dirty="0"/>
-              <a:t>6.</a:t>
-            </a:r>
-            <a:r>
-              <a:rPr lang="zh-TW" altLang="en-US" dirty="0"/>
-              <a:t>使用者</a:t>
-            </a:r>
-            <a:r>
-              <a:rPr lang="en-US" altLang="zh-TW" dirty="0"/>
-              <a:t>/</a:t>
-            </a:r>
-            <a:r>
-              <a:rPr lang="zh-TW" altLang="en-US" dirty="0"/>
-              <a:t>群組增刪改</a:t>
-            </a:r>
+              <a:t>i</a:t>
+            </a:r>
+            <a:r>
+              <a:rPr lang="en-US" altLang="zh-TW" dirty="0" smtClean="0"/>
+              <a:t>d:</a:t>
+            </a:r>
+            <a:r>
+              <a:rPr lang="zh-TW" altLang="en-US" dirty="0" smtClean="0"/>
+              <a:t>查看使用者</a:t>
+            </a:r>
+            <a:r>
+              <a:rPr lang="en-US" altLang="zh-TW" dirty="0" smtClean="0"/>
+              <a:t>ID(e.g.</a:t>
+            </a:r>
+            <a:r>
+              <a:rPr lang="zh-TW" altLang="en-US" dirty="0" smtClean="0"/>
+              <a:t> </a:t>
+            </a:r>
+            <a:r>
+              <a:rPr lang="en-US" altLang="zh-TW" dirty="0" smtClean="0"/>
+              <a:t>UID</a:t>
+            </a:r>
+            <a:r>
+              <a:rPr lang="zh-TW" altLang="en-US" dirty="0" smtClean="0"/>
+              <a:t> </a:t>
+            </a:r>
+            <a:r>
+              <a:rPr lang="en-US" altLang="zh-TW" dirty="0" smtClean="0"/>
+              <a:t>or</a:t>
+            </a:r>
+            <a:r>
+              <a:rPr lang="zh-TW" altLang="en-US" dirty="0" smtClean="0"/>
+              <a:t> </a:t>
+            </a:r>
+            <a:r>
+              <a:rPr lang="en-US" altLang="zh-TW" dirty="0" smtClean="0"/>
+              <a:t>GID)</a:t>
+            </a:r>
+          </a:p>
+          <a:p>
+            <a:endParaRPr lang="zh-TW" altLang="en-US" dirty="0"/>
           </a:p>
         </p:txBody>
       </p:sp>
@@ -3963,8 +3909,8 @@
         </p:blipFill>
         <p:spPr>
           <a:xfrm>
-            <a:off x="329663" y="1417638"/>
-            <a:ext cx="8484673" cy="3098409"/>
+            <a:off x="457200" y="2924944"/>
+            <a:ext cx="8121049" cy="1368152"/>
           </a:xfrm>
           <a:prstGeom prst="rect">
             <a:avLst/>
@@ -3979,8 +3925,8 @@
         </p:nvSpPr>
         <p:spPr>
           <a:xfrm>
-            <a:off x="1835696" y="4653136"/>
-            <a:ext cx="5184576" cy="646331"/>
+            <a:off x="2555776" y="4509120"/>
+            <a:ext cx="4032448" cy="369332"/>
           </a:xfrm>
           <a:prstGeom prst="rect">
             <a:avLst/>
@@ -3999,7 +3945,7 @@
             </a:r>
             <a:r>
               <a:rPr lang="en-US" altLang="zh-TW" dirty="0" smtClean="0"/>
-              <a:t>2.7</a:t>
+              <a:t>2.8</a:t>
             </a:r>
             <a:r>
               <a:rPr lang="zh-TW" altLang="en-US" dirty="0" smtClean="0"/>
@@ -4011,29 +3957,11 @@
             </a:r>
             <a:r>
               <a:rPr lang="en-US" altLang="zh-TW" dirty="0" err="1" smtClean="0"/>
-              <a:t>addgroup</a:t>
-            </a:r>
-            <a:r>
-              <a:rPr lang="en-US" altLang="zh-TW" dirty="0" smtClean="0"/>
-              <a:t>/</a:t>
-            </a:r>
-            <a:r>
-              <a:rPr lang="en-US" altLang="zh-TW" dirty="0" err="1" smtClean="0"/>
-              <a:t>adduser</a:t>
-            </a:r>
-            <a:r>
-              <a:rPr lang="zh-TW" altLang="en-US" dirty="0" smtClean="0"/>
-              <a:t>新增群組及使用者</a:t>
-            </a:r>
-            <a:r>
-              <a:rPr lang="en-US" altLang="zh-TW" dirty="0" smtClean="0"/>
-              <a:t>,</a:t>
-            </a:r>
-          </a:p>
-          <a:p>
-            <a:r>
-              <a:rPr lang="zh-TW" altLang="en-US" dirty="0" smtClean="0"/>
-              <a:t>透過</a:t>
+              <a:t>whoami</a:t>
+            </a:r>
+            <a:r>
+              <a:rPr lang="zh-TW" altLang="en-US" dirty="0" smtClean="0"/>
+              <a:t>和</a:t>
             </a:r>
             <a:r>
               <a:rPr lang="en-US" altLang="zh-TW" dirty="0" smtClean="0"/>
@@ -4043,37 +3971,14 @@
               <a:rPr lang="zh-TW" altLang="en-US" dirty="0" smtClean="0"/>
               <a:t>查看使用者資訊</a:t>
             </a:r>
-            <a:r>
-              <a:rPr lang="en-US" altLang="zh-TW" dirty="0" smtClean="0"/>
-              <a:t>,</a:t>
-            </a:r>
-            <a:r>
-              <a:rPr lang="en-US" altLang="zh-TW" dirty="0" err="1" smtClean="0"/>
-              <a:t>usertest</a:t>
-            </a:r>
-            <a:r>
-              <a:rPr lang="zh-TW" altLang="en-US" dirty="0" smtClean="0"/>
-              <a:t>屬於</a:t>
-            </a:r>
-            <a:r>
-              <a:rPr lang="en-US" altLang="zh-TW" dirty="0" smtClean="0"/>
-              <a:t>student</a:t>
-            </a:r>
-            <a:r>
-              <a:rPr lang="zh-TW" altLang="en-US" dirty="0" smtClean="0"/>
-              <a:t>群</a:t>
-            </a:r>
-            <a:r>
-              <a:rPr lang="zh-TW" altLang="en-US" dirty="0"/>
-              <a:t>組</a:t>
-            </a:r>
+            <a:endParaRPr lang="zh-TW" altLang="en-US" dirty="0"/>
           </a:p>
         </p:txBody>
       </p:sp>
     </p:spTree>
     <p:extLst>
       <p:ext uri="{BB962C8B-B14F-4D97-AF65-F5344CB8AC3E}">
-        <p14:creationId xmlns:p14="http://schemas.microsoft.com/office/powerpoint/2010/main" val="2341302915"/>
+        <p14:creationId xmlns:p14="http://schemas.microsoft.com/office/powerpoint/2010/main" val="689074913"/>
       </p:ext>
     </p:extLst>
   </p:cSld>
@@ -4117,6 +4022,437 @@
           <a:p>
             <a:r>
               <a:rPr lang="en-US" altLang="zh-TW" dirty="0" smtClean="0"/>
+              <a:t>6.</a:t>
+            </a:r>
+            <a:r>
+              <a:rPr lang="zh-TW" altLang="en-US" dirty="0" smtClean="0"/>
+              <a:t>使用者</a:t>
+            </a:r>
+            <a:r>
+              <a:rPr lang="en-US" altLang="zh-TW" dirty="0"/>
+              <a:t>/</a:t>
+            </a:r>
+            <a:r>
+              <a:rPr lang="zh-TW" altLang="en-US" dirty="0"/>
+              <a:t>群組</a:t>
+            </a:r>
+            <a:r>
+              <a:rPr lang="zh-TW" altLang="en-US" dirty="0" smtClean="0"/>
+              <a:t>增刪改</a:t>
+            </a:r>
+            <a:endParaRPr lang="zh-TW" altLang="en-US" dirty="0"/>
+          </a:p>
+        </p:txBody>
+      </p:sp>
+      <p:sp>
+        <p:nvSpPr>
+          <p:cNvPr id="3" name="內容版面配置區 2"/>
+          <p:cNvSpPr>
+            <a:spLocks noGrp="1"/>
+          </p:cNvSpPr>
+          <p:nvPr>
+            <p:ph idx="1"/>
+          </p:nvPr>
+        </p:nvSpPr>
+        <p:spPr/>
+        <p:txBody>
+          <a:bodyPr/>
+          <a:lstStyle/>
+          <a:p>
+            <a:r>
+              <a:rPr lang="en-US" altLang="zh-TW" dirty="0" err="1" smtClean="0"/>
+              <a:t>adduser</a:t>
+            </a:r>
+            <a:r>
+              <a:rPr lang="en-US" altLang="zh-TW" dirty="0" smtClean="0"/>
+              <a:t> [username]:</a:t>
+            </a:r>
+            <a:r>
+              <a:rPr lang="zh-TW" altLang="en-US" dirty="0" smtClean="0"/>
+              <a:t>新增使用者</a:t>
+            </a:r>
+            <a:endParaRPr lang="en-US" altLang="zh-TW" dirty="0" smtClean="0"/>
+          </a:p>
+          <a:p>
+            <a:r>
+              <a:rPr lang="en-US" altLang="zh-TW" dirty="0" err="1"/>
+              <a:t>a</a:t>
+            </a:r>
+            <a:r>
+              <a:rPr lang="en-US" altLang="zh-TW" dirty="0" err="1" smtClean="0"/>
+              <a:t>dduser</a:t>
+            </a:r>
+            <a:r>
+              <a:rPr lang="zh-TW" altLang="en-US" dirty="0" smtClean="0"/>
+              <a:t>參數</a:t>
+            </a:r>
+            <a:r>
+              <a:rPr lang="en-US" altLang="zh-TW" dirty="0" smtClean="0"/>
+              <a:t>:-G</a:t>
+            </a:r>
+            <a:r>
+              <a:rPr lang="zh-TW" altLang="en-US" dirty="0" smtClean="0"/>
+              <a:t> </a:t>
+            </a:r>
+            <a:r>
+              <a:rPr lang="en-US" altLang="zh-TW" dirty="0" smtClean="0"/>
+              <a:t>[group]</a:t>
+            </a:r>
+            <a:r>
+              <a:rPr lang="zh-TW" altLang="en-US" dirty="0" smtClean="0"/>
+              <a:t> 新增使用者至群組</a:t>
+            </a:r>
+            <a:endParaRPr lang="en-US" altLang="zh-TW" dirty="0" smtClean="0"/>
+          </a:p>
+          <a:p>
+            <a:r>
+              <a:rPr lang="en-US" altLang="zh-TW" dirty="0" err="1"/>
+              <a:t>adduser</a:t>
+            </a:r>
+            <a:r>
+              <a:rPr lang="zh-TW" altLang="en-US" dirty="0"/>
+              <a:t>參數</a:t>
+            </a:r>
+            <a:r>
+              <a:rPr lang="en-US" altLang="zh-TW" dirty="0" smtClean="0"/>
+              <a:t>:-u [UID] </a:t>
+            </a:r>
+            <a:r>
+              <a:rPr lang="zh-TW" altLang="en-US" dirty="0" smtClean="0"/>
+              <a:t>新增指定</a:t>
+            </a:r>
+            <a:r>
+              <a:rPr lang="en-US" altLang="zh-TW" dirty="0" smtClean="0"/>
+              <a:t>UID</a:t>
+            </a:r>
+            <a:r>
+              <a:rPr lang="zh-TW" altLang="en-US" dirty="0" smtClean="0"/>
+              <a:t>使用者</a:t>
+            </a:r>
+            <a:endParaRPr lang="en-US" altLang="zh-TW" dirty="0" smtClean="0"/>
+          </a:p>
+          <a:p>
+            <a:r>
+              <a:rPr lang="en-US" altLang="zh-TW" dirty="0" err="1" smtClean="0"/>
+              <a:t>deluser</a:t>
+            </a:r>
+            <a:r>
+              <a:rPr lang="en-US" altLang="zh-TW" dirty="0" smtClean="0"/>
+              <a:t> [username]:</a:t>
+            </a:r>
+            <a:r>
+              <a:rPr lang="zh-TW" altLang="en-US" dirty="0" smtClean="0"/>
+              <a:t>刪除使用者</a:t>
+            </a:r>
+            <a:r>
+              <a:rPr lang="en-US" altLang="zh-TW" dirty="0" smtClean="0"/>
+              <a:t> </a:t>
+            </a:r>
+          </a:p>
+          <a:p>
+            <a:r>
+              <a:rPr lang="en-US" altLang="zh-TW" dirty="0" err="1" smtClean="0"/>
+              <a:t>addgroup</a:t>
+            </a:r>
+            <a:r>
+              <a:rPr lang="en-US" altLang="zh-TW" dirty="0" smtClean="0"/>
+              <a:t> [</a:t>
+            </a:r>
+            <a:r>
+              <a:rPr lang="en-US" altLang="zh-TW" dirty="0" err="1" smtClean="0"/>
+              <a:t>groupname</a:t>
+            </a:r>
+            <a:r>
+              <a:rPr lang="en-US" altLang="zh-TW" dirty="0" smtClean="0"/>
+              <a:t>]:</a:t>
+            </a:r>
+            <a:r>
+              <a:rPr lang="zh-TW" altLang="en-US" dirty="0" smtClean="0"/>
+              <a:t>新增群組</a:t>
+            </a:r>
+            <a:endParaRPr lang="en-US" altLang="zh-TW" dirty="0" smtClean="0"/>
+          </a:p>
+          <a:p>
+            <a:r>
+              <a:rPr lang="en-US" altLang="zh-TW" dirty="0" err="1"/>
+              <a:t>a</a:t>
+            </a:r>
+            <a:r>
+              <a:rPr lang="en-US" altLang="zh-TW" dirty="0" err="1" smtClean="0"/>
+              <a:t>ddgroup</a:t>
+            </a:r>
+            <a:r>
+              <a:rPr lang="zh-TW" altLang="en-US" dirty="0" smtClean="0"/>
+              <a:t>參數</a:t>
+            </a:r>
+            <a:r>
+              <a:rPr lang="en-US" altLang="zh-TW" dirty="0" smtClean="0"/>
+              <a:t>:-g [GID] </a:t>
+            </a:r>
+            <a:r>
+              <a:rPr lang="zh-TW" altLang="en-US" dirty="0" smtClean="0"/>
+              <a:t>指定</a:t>
+            </a:r>
+            <a:r>
+              <a:rPr lang="en-US" altLang="zh-TW" dirty="0" smtClean="0"/>
+              <a:t>GID</a:t>
+            </a:r>
+          </a:p>
+          <a:p>
+            <a:r>
+              <a:rPr lang="en-US" altLang="zh-TW" dirty="0" err="1"/>
+              <a:t>d</a:t>
+            </a:r>
+            <a:r>
+              <a:rPr lang="en-US" altLang="zh-TW" dirty="0" err="1" smtClean="0"/>
+              <a:t>elgroup</a:t>
+            </a:r>
+            <a:r>
+              <a:rPr lang="en-US" altLang="zh-TW" dirty="0" smtClean="0"/>
+              <a:t>:</a:t>
+            </a:r>
+            <a:r>
+              <a:rPr lang="zh-TW" altLang="en-US" dirty="0" smtClean="0"/>
+              <a:t>刪除群組</a:t>
+            </a:r>
+            <a:endParaRPr lang="zh-TW" altLang="en-US" dirty="0"/>
+          </a:p>
+        </p:txBody>
+      </p:sp>
+    </p:spTree>
+    <p:extLst>
+      <p:ext uri="{BB962C8B-B14F-4D97-AF65-F5344CB8AC3E}">
+        <p14:creationId xmlns:p14="http://schemas.microsoft.com/office/powerpoint/2010/main" val="953329058"/>
+      </p:ext>
+    </p:extLst>
+  </p:cSld>
+  <p:clrMapOvr>
+    <a:masterClrMapping/>
+  </p:clrMapOvr>
+</p:sld>
+</file>
+
+<file path=ppt/slides/slide15.xml><?xml version="1.0" encoding="utf-8"?>
+<p:sld xmlns:a="http://schemas.openxmlformats.org/drawingml/2006/main" xmlns:r="http://schemas.openxmlformats.org/officeDocument/2006/relationships" xmlns:p="http://schemas.openxmlformats.org/presentationml/2006/main">
+  <p:cSld>
+    <p:spTree>
+      <p:nvGrpSpPr>
+        <p:cNvPr id="1" name=""/>
+        <p:cNvGrpSpPr/>
+        <p:nvPr/>
+      </p:nvGrpSpPr>
+      <p:grpSpPr>
+        <a:xfrm>
+          <a:off x="0" y="0"/>
+          <a:ext cx="0" cy="0"/>
+          <a:chOff x="0" y="0"/>
+          <a:chExt cx="0" cy="0"/>
+        </a:xfrm>
+      </p:grpSpPr>
+      <p:sp>
+        <p:nvSpPr>
+          <p:cNvPr id="2" name="標題 1"/>
+          <p:cNvSpPr>
+            <a:spLocks noGrp="1"/>
+          </p:cNvSpPr>
+          <p:nvPr>
+            <p:ph type="title"/>
+          </p:nvPr>
+        </p:nvSpPr>
+        <p:spPr/>
+        <p:txBody>
+          <a:bodyPr/>
+          <a:lstStyle/>
+          <a:p>
+            <a:r>
+              <a:rPr lang="en-US" altLang="zh-TW" dirty="0"/>
+              <a:t>6.</a:t>
+            </a:r>
+            <a:r>
+              <a:rPr lang="zh-TW" altLang="en-US" dirty="0"/>
+              <a:t>使用者</a:t>
+            </a:r>
+            <a:r>
+              <a:rPr lang="en-US" altLang="zh-TW" dirty="0"/>
+              <a:t>/</a:t>
+            </a:r>
+            <a:r>
+              <a:rPr lang="zh-TW" altLang="en-US" dirty="0"/>
+              <a:t>群組增刪改</a:t>
+            </a:r>
+          </a:p>
+        </p:txBody>
+      </p:sp>
+      <p:pic>
+        <p:nvPicPr>
+          <p:cNvPr id="4" name="圖片 3"/>
+          <p:cNvPicPr>
+            <a:picLocks noChangeAspect="1"/>
+          </p:cNvPicPr>
+          <p:nvPr/>
+        </p:nvPicPr>
+        <p:blipFill>
+          <a:blip r:embed="rId2"/>
+          <a:stretch>
+            <a:fillRect/>
+          </a:stretch>
+        </p:blipFill>
+        <p:spPr>
+          <a:xfrm>
+            <a:off x="329663" y="1417638"/>
+            <a:ext cx="8484673" cy="3098409"/>
+          </a:xfrm>
+          <a:prstGeom prst="rect">
+            <a:avLst/>
+          </a:prstGeom>
+        </p:spPr>
+      </p:pic>
+      <p:sp>
+        <p:nvSpPr>
+          <p:cNvPr id="5" name="文字方塊 4"/>
+          <p:cNvSpPr txBox="1"/>
+          <p:nvPr/>
+        </p:nvSpPr>
+        <p:spPr>
+          <a:xfrm>
+            <a:off x="1835696" y="4653136"/>
+            <a:ext cx="5184576" cy="646331"/>
+          </a:xfrm>
+          <a:prstGeom prst="rect">
+            <a:avLst/>
+          </a:prstGeom>
+          <a:noFill/>
+        </p:spPr>
+        <p:txBody>
+          <a:bodyPr wrap="square" rtlCol="0">
+            <a:spAutoFit/>
+          </a:bodyPr>
+          <a:lstStyle/>
+          <a:p>
+            <a:r>
+              <a:rPr lang="zh-TW" altLang="en-US" dirty="0" smtClean="0"/>
+              <a:t>圖</a:t>
+            </a:r>
+            <a:r>
+              <a:rPr lang="en-US" altLang="zh-TW" dirty="0" smtClean="0"/>
+              <a:t>2.9</a:t>
+            </a:r>
+            <a:r>
+              <a:rPr lang="zh-TW" altLang="en-US" dirty="0" smtClean="0"/>
+              <a:t> </a:t>
+            </a:r>
+            <a:r>
+              <a:rPr lang="zh-TW" altLang="en-US" dirty="0" smtClean="0"/>
+              <a:t>使用</a:t>
+            </a:r>
+            <a:r>
+              <a:rPr lang="en-US" altLang="zh-TW" dirty="0" err="1" smtClean="0"/>
+              <a:t>addgroup</a:t>
+            </a:r>
+            <a:r>
+              <a:rPr lang="en-US" altLang="zh-TW" dirty="0" smtClean="0"/>
+              <a:t>/</a:t>
+            </a:r>
+            <a:r>
+              <a:rPr lang="en-US" altLang="zh-TW" dirty="0" err="1" smtClean="0"/>
+              <a:t>adduser</a:t>
+            </a:r>
+            <a:r>
+              <a:rPr lang="zh-TW" altLang="en-US" dirty="0" smtClean="0"/>
+              <a:t>新增群組及使用者</a:t>
+            </a:r>
+            <a:r>
+              <a:rPr lang="en-US" altLang="zh-TW" dirty="0" smtClean="0"/>
+              <a:t>,</a:t>
+            </a:r>
+          </a:p>
+          <a:p>
+            <a:r>
+              <a:rPr lang="zh-TW" altLang="en-US" dirty="0" smtClean="0"/>
+              <a:t>透過</a:t>
+            </a:r>
+            <a:r>
+              <a:rPr lang="en-US" altLang="zh-TW" dirty="0" smtClean="0"/>
+              <a:t>id</a:t>
+            </a:r>
+            <a:r>
+              <a:rPr lang="zh-TW" altLang="en-US" dirty="0" smtClean="0"/>
+              <a:t>查看使用者資訊</a:t>
+            </a:r>
+            <a:r>
+              <a:rPr lang="en-US" altLang="zh-TW" dirty="0" smtClean="0"/>
+              <a:t>,</a:t>
+            </a:r>
+            <a:r>
+              <a:rPr lang="en-US" altLang="zh-TW" dirty="0" err="1" smtClean="0"/>
+              <a:t>usertest</a:t>
+            </a:r>
+            <a:r>
+              <a:rPr lang="zh-TW" altLang="en-US" dirty="0" smtClean="0"/>
+              <a:t>屬於</a:t>
+            </a:r>
+            <a:r>
+              <a:rPr lang="en-US" altLang="zh-TW" dirty="0" smtClean="0"/>
+              <a:t>student</a:t>
+            </a:r>
+            <a:r>
+              <a:rPr lang="zh-TW" altLang="en-US" dirty="0" smtClean="0"/>
+              <a:t>群</a:t>
+            </a:r>
+            <a:r>
+              <a:rPr lang="zh-TW" altLang="en-US" dirty="0"/>
+              <a:t>組</a:t>
+            </a:r>
+          </a:p>
+        </p:txBody>
+      </p:sp>
+    </p:spTree>
+    <p:extLst>
+      <p:ext uri="{BB962C8B-B14F-4D97-AF65-F5344CB8AC3E}">
+        <p14:creationId xmlns:p14="http://schemas.microsoft.com/office/powerpoint/2010/main" val="2341302915"/>
+      </p:ext>
+    </p:extLst>
+  </p:cSld>
+  <p:clrMapOvr>
+    <a:masterClrMapping/>
+  </p:clrMapOvr>
+</p:sld>
+</file>
+
+<file path=ppt/slides/slide16.xml><?xml version="1.0" encoding="utf-8"?>
+<p:sld xmlns:a="http://schemas.openxmlformats.org/drawingml/2006/main" xmlns:r="http://schemas.openxmlformats.org/officeDocument/2006/relationships" xmlns:p="http://schemas.openxmlformats.org/presentationml/2006/main">
+  <p:cSld>
+    <p:spTree>
+      <p:nvGrpSpPr>
+        <p:cNvPr id="1" name=""/>
+        <p:cNvGrpSpPr/>
+        <p:nvPr/>
+      </p:nvGrpSpPr>
+      <p:grpSpPr>
+        <a:xfrm>
+          <a:off x="0" y="0"/>
+          <a:ext cx="0" cy="0"/>
+          <a:chOff x="0" y="0"/>
+          <a:chExt cx="0" cy="0"/>
+        </a:xfrm>
+      </p:grpSpPr>
+      <p:sp>
+        <p:nvSpPr>
+          <p:cNvPr id="2" name="標題 1"/>
+          <p:cNvSpPr>
+            <a:spLocks noGrp="1"/>
+          </p:cNvSpPr>
+          <p:nvPr>
+            <p:ph type="title"/>
+          </p:nvPr>
+        </p:nvSpPr>
+        <p:spPr/>
+        <p:txBody>
+          <a:bodyPr/>
+          <a:lstStyle/>
+          <a:p>
+            <a:r>
+              <a:rPr lang="en-US" altLang="zh-TW" dirty="0" smtClean="0"/>
               <a:t>7.</a:t>
             </a:r>
             <a:r>
@@ -4210,7 +4546,7 @@
             </a:r>
             <a:r>
               <a:rPr lang="en-US" altLang="zh-TW" dirty="0" smtClean="0"/>
-              <a:t>2.8</a:t>
+              <a:t>2.10</a:t>
             </a:r>
             <a:r>
               <a:rPr lang="zh-TW" altLang="en-US" dirty="0" smtClean="0"/>
@@ -4248,6 +4584,177 @@
     <p:extLst>
       <p:ext uri="{BB962C8B-B14F-4D97-AF65-F5344CB8AC3E}">
         <p14:creationId xmlns:p14="http://schemas.microsoft.com/office/powerpoint/2010/main" val="3265251786"/>
+      </p:ext>
+    </p:extLst>
+  </p:cSld>
+  <p:clrMapOvr>
+    <a:masterClrMapping/>
+  </p:clrMapOvr>
+</p:sld>
+</file>
+
+<file path=ppt/slides/slide17.xml><?xml version="1.0" encoding="utf-8"?>
+<p:sld xmlns:a="http://schemas.openxmlformats.org/drawingml/2006/main" xmlns:r="http://schemas.openxmlformats.org/officeDocument/2006/relationships" xmlns:p="http://schemas.openxmlformats.org/presentationml/2006/main">
+  <p:cSld>
+    <p:spTree>
+      <p:nvGrpSpPr>
+        <p:cNvPr id="1" name=""/>
+        <p:cNvGrpSpPr/>
+        <p:nvPr/>
+      </p:nvGrpSpPr>
+      <p:grpSpPr>
+        <a:xfrm>
+          <a:off x="0" y="0"/>
+          <a:ext cx="0" cy="0"/>
+          <a:chOff x="0" y="0"/>
+          <a:chExt cx="0" cy="0"/>
+        </a:xfrm>
+      </p:grpSpPr>
+      <p:sp>
+        <p:nvSpPr>
+          <p:cNvPr id="2" name="標題 1"/>
+          <p:cNvSpPr>
+            <a:spLocks noGrp="1"/>
+          </p:cNvSpPr>
+          <p:nvPr>
+            <p:ph type="title"/>
+          </p:nvPr>
+        </p:nvSpPr>
+        <p:spPr/>
+        <p:txBody>
+          <a:bodyPr/>
+          <a:lstStyle/>
+          <a:p>
+            <a:r>
+              <a:rPr lang="zh-TW" altLang="en-US" dirty="0" smtClean="0"/>
+              <a:t>切換帳號</a:t>
+            </a:r>
+            <a:endParaRPr lang="zh-TW" altLang="en-US" dirty="0"/>
+          </a:p>
+        </p:txBody>
+      </p:sp>
+      <p:sp>
+        <p:nvSpPr>
+          <p:cNvPr id="3" name="內容版面配置區 2"/>
+          <p:cNvSpPr>
+            <a:spLocks noGrp="1"/>
+          </p:cNvSpPr>
+          <p:nvPr>
+            <p:ph idx="1"/>
+          </p:nvPr>
+        </p:nvSpPr>
+        <p:spPr/>
+        <p:txBody>
+          <a:bodyPr/>
+          <a:lstStyle/>
+          <a:p>
+            <a:r>
+              <a:rPr lang="en-US" altLang="zh-TW" dirty="0" err="1"/>
+              <a:t>s</a:t>
+            </a:r>
+            <a:r>
+              <a:rPr lang="en-US" altLang="zh-TW" dirty="0" err="1" smtClean="0"/>
+              <a:t>u</a:t>
+            </a:r>
+            <a:r>
+              <a:rPr lang="en-US" altLang="zh-TW" dirty="0" smtClean="0"/>
+              <a:t> -:</a:t>
+            </a:r>
+            <a:r>
+              <a:rPr lang="zh-TW" altLang="en-US" dirty="0" smtClean="0"/>
+              <a:t>切換到超級使用者帳號</a:t>
+            </a:r>
+            <a:endParaRPr lang="zh-TW" altLang="en-US" dirty="0"/>
+          </a:p>
+        </p:txBody>
+      </p:sp>
+      <p:pic>
+        <p:nvPicPr>
+          <p:cNvPr id="4" name="圖片 3"/>
+          <p:cNvPicPr>
+            <a:picLocks noChangeAspect="1"/>
+          </p:cNvPicPr>
+          <p:nvPr/>
+        </p:nvPicPr>
+        <p:blipFill rotWithShape="1">
+          <a:blip r:embed="rId2">
+            <a:extLst>
+              <a:ext uri="{28A0092B-C50C-407E-A947-70E740481C1C}">
+                <a14:useLocalDpi xmlns:a14="http://schemas.microsoft.com/office/drawing/2010/main" val="0"/>
+              </a:ext>
+            </a:extLst>
+          </a:blip>
+          <a:srcRect l="13841" t="13053" r="14184" b="22969"/>
+          <a:stretch/>
+        </p:blipFill>
+        <p:spPr>
+          <a:xfrm>
+            <a:off x="1403648" y="2132856"/>
+            <a:ext cx="6058064" cy="4038709"/>
+          </a:xfrm>
+          <a:prstGeom prst="rect">
+            <a:avLst/>
+          </a:prstGeom>
+        </p:spPr>
+      </p:pic>
+      <p:sp>
+        <p:nvSpPr>
+          <p:cNvPr id="5" name="文字方塊 4"/>
+          <p:cNvSpPr txBox="1"/>
+          <p:nvPr/>
+        </p:nvSpPr>
+        <p:spPr>
+          <a:xfrm>
+            <a:off x="2380452" y="6243132"/>
+            <a:ext cx="4104456" cy="369332"/>
+          </a:xfrm>
+          <a:prstGeom prst="rect">
+            <a:avLst/>
+          </a:prstGeom>
+          <a:noFill/>
+        </p:spPr>
+        <p:txBody>
+          <a:bodyPr wrap="square" rtlCol="0">
+            <a:spAutoFit/>
+          </a:bodyPr>
+          <a:lstStyle/>
+          <a:p>
+            <a:r>
+              <a:rPr lang="zh-TW" altLang="en-US" dirty="0" smtClean="0"/>
+              <a:t>圖</a:t>
+            </a:r>
+            <a:r>
+              <a:rPr lang="en-US" altLang="zh-TW" dirty="0" smtClean="0"/>
+              <a:t>2.11</a:t>
+            </a:r>
+            <a:r>
+              <a:rPr lang="zh-TW" altLang="en-US" dirty="0" smtClean="0"/>
+              <a:t> 使用</a:t>
+            </a:r>
+            <a:r>
+              <a:rPr lang="en-US" altLang="zh-TW" dirty="0" err="1" smtClean="0"/>
+              <a:t>su</a:t>
+            </a:r>
+            <a:r>
+              <a:rPr lang="zh-TW" altLang="en-US" dirty="0" smtClean="0"/>
+              <a:t> </a:t>
+            </a:r>
+            <a:r>
+              <a:rPr lang="en-US" altLang="zh-TW" dirty="0" smtClean="0"/>
+              <a:t>–</a:t>
+            </a:r>
+            <a:r>
+              <a:rPr lang="zh-TW" altLang="en-US" dirty="0" smtClean="0"/>
+              <a:t>切換到超級使用者帳號</a:t>
+            </a:r>
+            <a:endParaRPr lang="zh-TW" altLang="en-US" dirty="0"/>
+          </a:p>
+        </p:txBody>
+      </p:sp>
+    </p:spTree>
+    <p:extLst>
+      <p:ext uri="{BB962C8B-B14F-4D97-AF65-F5344CB8AC3E}">
+        <p14:creationId xmlns:p14="http://schemas.microsoft.com/office/powerpoint/2010/main" val="3935127911"/>
       </p:ext>
     </p:extLst>
   </p:cSld>
@@ -4395,92 +4902,38 @@
           <a:lstStyle/>
           <a:p>
             <a:r>
-              <a:rPr lang="en-US" altLang="zh-TW" dirty="0" smtClean="0"/>
-              <a:t>1.</a:t>
-            </a:r>
-            <a:r>
-              <a:rPr lang="zh-TW" altLang="en-US" dirty="0" smtClean="0"/>
-              <a:t>顯示系統資訊</a:t>
+              <a:rPr lang="zh-TW" altLang="en-US" dirty="0"/>
+              <a:t>使用系統</a:t>
+            </a:r>
+          </a:p>
+        </p:txBody>
+      </p:sp>
+      <p:sp>
+        <p:nvSpPr>
+          <p:cNvPr id="3" name="內容版面配置區 2"/>
+          <p:cNvSpPr>
+            <a:spLocks noGrp="1"/>
+          </p:cNvSpPr>
+          <p:nvPr>
+            <p:ph idx="1"/>
+          </p:nvPr>
+        </p:nvSpPr>
+        <p:spPr/>
+        <p:txBody>
+          <a:bodyPr/>
+          <a:lstStyle/>
+          <a:p>
+            <a:r>
+              <a:rPr lang="en-US" altLang="zh-TW" dirty="0" smtClean="0"/>
+              <a:t>CentOS7+VirtualBox</a:t>
             </a:r>
             <a:endParaRPr lang="zh-TW" altLang="en-US" dirty="0"/>
-          </a:p>
-        </p:txBody>
-      </p:sp>
-      <p:sp>
-        <p:nvSpPr>
-          <p:cNvPr id="3" name="內容版面配置區 2"/>
-          <p:cNvSpPr>
-            <a:spLocks noGrp="1"/>
-          </p:cNvSpPr>
-          <p:nvPr>
-            <p:ph idx="1"/>
-          </p:nvPr>
-        </p:nvSpPr>
-        <p:spPr/>
-        <p:txBody>
-          <a:bodyPr/>
-          <a:lstStyle/>
-          <a:p>
-            <a:r>
-              <a:rPr lang="en-US" altLang="zh-TW" dirty="0" err="1" smtClean="0"/>
-              <a:t>uname</a:t>
-            </a:r>
-            <a:endParaRPr lang="en-US" altLang="zh-TW" dirty="0" smtClean="0"/>
-          </a:p>
-          <a:p>
-            <a:r>
-              <a:rPr lang="en-US" altLang="zh-TW" dirty="0" err="1" smtClean="0"/>
-              <a:t>uname</a:t>
-            </a:r>
-            <a:r>
-              <a:rPr lang="zh-TW" altLang="en-US" dirty="0" smtClean="0"/>
-              <a:t>參數</a:t>
-            </a:r>
-            <a:r>
-              <a:rPr lang="en-US" altLang="zh-TW" dirty="0" smtClean="0"/>
-              <a:t>:-r </a:t>
-            </a:r>
-            <a:r>
-              <a:rPr lang="zh-TW" altLang="en-US" dirty="0" smtClean="0"/>
-              <a:t>顯示系統</a:t>
-            </a:r>
-            <a:r>
-              <a:rPr lang="en-US" altLang="zh-TW" dirty="0" smtClean="0"/>
-              <a:t>kernel</a:t>
-            </a:r>
-            <a:r>
-              <a:rPr lang="zh-TW" altLang="en-US" dirty="0" smtClean="0"/>
-              <a:t>資訊</a:t>
-            </a:r>
-            <a:endParaRPr lang="en-US" altLang="zh-TW" dirty="0" smtClean="0"/>
-          </a:p>
-          <a:p>
-            <a:r>
-              <a:rPr lang="en-US" altLang="zh-TW" dirty="0" err="1"/>
-              <a:t>uname</a:t>
-            </a:r>
-            <a:r>
-              <a:rPr lang="zh-TW" altLang="en-US" dirty="0"/>
-              <a:t>參數</a:t>
-            </a:r>
-            <a:r>
-              <a:rPr lang="en-US" altLang="zh-TW" dirty="0" smtClean="0"/>
-              <a:t>:-a </a:t>
-            </a:r>
-            <a:r>
-              <a:rPr lang="zh-TW" altLang="en-US" dirty="0" smtClean="0"/>
-              <a:t>列出所有資訊</a:t>
-            </a:r>
-            <a:endParaRPr lang="en-US" altLang="zh-TW" dirty="0" smtClean="0"/>
-          </a:p>
-          <a:p>
-            <a:endParaRPr lang="en-US" altLang="zh-TW" dirty="0"/>
           </a:p>
         </p:txBody>
       </p:sp>
       <p:pic>
         <p:nvPicPr>
-          <p:cNvPr id="6" name="圖片 5"/>
+          <p:cNvPr id="4" name="圖片 3"/>
           <p:cNvPicPr>
             <a:picLocks noChangeAspect="1"/>
           </p:cNvPicPr>
@@ -4494,64 +4947,18 @@
         </p:blipFill>
         <p:spPr>
           <a:xfrm>
-            <a:off x="899592" y="3573016"/>
-            <a:ext cx="7552423" cy="1728192"/>
+            <a:off x="1979712" y="2273106"/>
+            <a:ext cx="5043352" cy="4252238"/>
           </a:xfrm>
           <a:prstGeom prst="rect">
             <a:avLst/>
           </a:prstGeom>
         </p:spPr>
       </p:pic>
-      <p:sp>
-        <p:nvSpPr>
-          <p:cNvPr id="7" name="文字方塊 6"/>
-          <p:cNvSpPr txBox="1"/>
-          <p:nvPr/>
-        </p:nvSpPr>
-        <p:spPr>
-          <a:xfrm>
-            <a:off x="2879812" y="5344353"/>
-            <a:ext cx="3384376" cy="369332"/>
-          </a:xfrm>
-          <a:prstGeom prst="rect">
-            <a:avLst/>
-          </a:prstGeom>
-          <a:noFill/>
-        </p:spPr>
-        <p:txBody>
-          <a:bodyPr wrap="square" rtlCol="0">
-            <a:spAutoFit/>
-          </a:bodyPr>
-          <a:lstStyle/>
-          <a:p>
-            <a:r>
-              <a:rPr lang="zh-TW" altLang="en-US" dirty="0" smtClean="0"/>
-              <a:t>圖</a:t>
-            </a:r>
-            <a:r>
-              <a:rPr lang="en-US" altLang="zh-TW" dirty="0" smtClean="0"/>
-              <a:t>2.1</a:t>
-            </a:r>
-            <a:r>
-              <a:rPr lang="zh-TW" altLang="en-US" dirty="0" smtClean="0"/>
-              <a:t> 使用</a:t>
-            </a:r>
-            <a:r>
-              <a:rPr lang="en-US" altLang="zh-TW" dirty="0" err="1" smtClean="0"/>
-              <a:t>uname</a:t>
-            </a:r>
-            <a:r>
-              <a:rPr lang="zh-TW" altLang="en-US" dirty="0" smtClean="0"/>
-              <a:t>顯示系統資訊</a:t>
-            </a:r>
-            <a:endParaRPr lang="zh-TW" altLang="en-US" dirty="0"/>
-          </a:p>
-        </p:txBody>
-      </p:sp>
     </p:spTree>
     <p:extLst>
       <p:ext uri="{BB962C8B-B14F-4D97-AF65-F5344CB8AC3E}">
-        <p14:creationId xmlns:p14="http://schemas.microsoft.com/office/powerpoint/2010/main" val="3009193852"/>
+        <p14:creationId xmlns:p14="http://schemas.microsoft.com/office/powerpoint/2010/main" val="2619425207"/>
       </p:ext>
     </p:extLst>
   </p:cSld>
@@ -4595,11 +5002,11 @@
           <a:p>
             <a:r>
               <a:rPr lang="en-US" altLang="zh-TW" dirty="0" smtClean="0"/>
-              <a:t>2.</a:t>
-            </a:r>
-            <a:r>
-              <a:rPr lang="zh-TW" altLang="en-US" dirty="0" smtClean="0"/>
-              <a:t>主機名稱顯示</a:t>
+              <a:t>1.</a:t>
+            </a:r>
+            <a:r>
+              <a:rPr lang="zh-TW" altLang="en-US" dirty="0" smtClean="0"/>
+              <a:t>顯示系統資訊</a:t>
             </a:r>
             <a:endParaRPr lang="zh-TW" altLang="en-US" dirty="0"/>
           </a:p>
@@ -4621,23 +5028,15 @@
           <a:lstStyle/>
           <a:p>
             <a:r>
-              <a:rPr lang="en-US" altLang="zh-TW" dirty="0"/>
-              <a:t>h</a:t>
-            </a:r>
-            <a:r>
-              <a:rPr lang="en-US" altLang="zh-TW" dirty="0" smtClean="0"/>
-              <a:t>ostname:</a:t>
-            </a:r>
-            <a:r>
-              <a:rPr lang="zh-TW" altLang="en-US" dirty="0" smtClean="0"/>
-              <a:t>顯示主機名稱</a:t>
+              <a:rPr lang="en-US" altLang="zh-TW" dirty="0" err="1" smtClean="0"/>
+              <a:t>uname</a:t>
             </a:r>
             <a:endParaRPr lang="en-US" altLang="zh-TW" dirty="0" smtClean="0"/>
           </a:p>
           <a:p>
             <a:r>
-              <a:rPr lang="en-US" altLang="zh-TW" dirty="0" smtClean="0"/>
-              <a:t>hostname</a:t>
+              <a:rPr lang="en-US" altLang="zh-TW" dirty="0" err="1" smtClean="0"/>
+              <a:t>uname</a:t>
             </a:r>
             <a:r>
               <a:rPr lang="zh-TW" altLang="en-US" dirty="0" smtClean="0"/>
@@ -4645,38 +5044,49 @@
             </a:r>
             <a:r>
               <a:rPr lang="en-US" altLang="zh-TW" dirty="0" smtClean="0"/>
-              <a:t>:-</a:t>
-            </a:r>
-            <a:r>
-              <a:rPr lang="en-US" altLang="zh-TW" dirty="0" err="1" smtClean="0"/>
-              <a:t>i</a:t>
-            </a:r>
-            <a:r>
-              <a:rPr lang="en-US" altLang="zh-TW" dirty="0" smtClean="0"/>
-              <a:t> </a:t>
-            </a:r>
-            <a:r>
-              <a:rPr lang="zh-TW" altLang="en-US" dirty="0" smtClean="0"/>
-              <a:t>顯示</a:t>
-            </a:r>
-            <a:r>
-              <a:rPr lang="en-US" altLang="zh-TW" dirty="0" err="1" smtClean="0"/>
-              <a:t>ip</a:t>
-            </a:r>
-            <a:r>
-              <a:rPr lang="zh-TW" altLang="en-US" dirty="0" smtClean="0"/>
-              <a:t>位址</a:t>
+              <a:t>:-r </a:t>
+            </a:r>
+            <a:r>
+              <a:rPr lang="zh-TW" altLang="en-US" dirty="0" smtClean="0"/>
+              <a:t>顯示系統</a:t>
+            </a:r>
+            <a:r>
+              <a:rPr lang="en-US" altLang="zh-TW" dirty="0" smtClean="0"/>
+              <a:t>kernel</a:t>
+            </a:r>
+            <a:r>
+              <a:rPr lang="zh-TW" altLang="en-US" dirty="0" smtClean="0"/>
+              <a:t>資訊</a:t>
             </a:r>
             <a:endParaRPr lang="en-US" altLang="zh-TW" dirty="0" smtClean="0"/>
           </a:p>
           <a:p>
-            <a:endParaRPr lang="zh-TW" altLang="en-US" dirty="0"/>
+            <a:r>
+              <a:rPr lang="en-US" altLang="zh-TW" dirty="0" err="1"/>
+              <a:t>uname</a:t>
+            </a:r>
+            <a:r>
+              <a:rPr lang="zh-TW" altLang="en-US" dirty="0"/>
+              <a:t>參數</a:t>
+            </a:r>
+            <a:r>
+              <a:rPr lang="en-US" altLang="zh-TW" dirty="0" smtClean="0"/>
+              <a:t>:-a </a:t>
+            </a:r>
+            <a:r>
+              <a:rPr lang="zh-TW" altLang="en-US" dirty="0" smtClean="0"/>
+              <a:t>列出所有資訊</a:t>
+            </a:r>
+            <a:endParaRPr lang="en-US" altLang="zh-TW" dirty="0" smtClean="0"/>
+          </a:p>
+          <a:p>
+            <a:endParaRPr lang="en-US" altLang="zh-TW" dirty="0"/>
           </a:p>
         </p:txBody>
       </p:sp>
       <p:pic>
         <p:nvPicPr>
-          <p:cNvPr id="4" name="圖片 3"/>
+          <p:cNvPr id="6" name="圖片 5"/>
           <p:cNvPicPr>
             <a:picLocks noChangeAspect="1"/>
           </p:cNvPicPr>
@@ -4690,8 +5100,8 @@
         </p:blipFill>
         <p:spPr>
           <a:xfrm>
-            <a:off x="467175" y="2996952"/>
-            <a:ext cx="8219625" cy="1493317"/>
+            <a:off x="899592" y="3573016"/>
+            <a:ext cx="7552423" cy="1728192"/>
           </a:xfrm>
           <a:prstGeom prst="rect">
             <a:avLst/>
@@ -4700,14 +5110,14 @@
       </p:pic>
       <p:sp>
         <p:nvSpPr>
-          <p:cNvPr id="5" name="文字方塊 4"/>
+          <p:cNvPr id="7" name="文字方塊 6"/>
           <p:cNvSpPr txBox="1"/>
           <p:nvPr/>
         </p:nvSpPr>
         <p:spPr>
           <a:xfrm>
-            <a:off x="2843808" y="4653136"/>
-            <a:ext cx="3816424" cy="369332"/>
+            <a:off x="2879812" y="5344353"/>
+            <a:ext cx="3384376" cy="369332"/>
           </a:xfrm>
           <a:prstGeom prst="rect">
             <a:avLst/>
@@ -4725,24 +5135,20 @@
               <a:t>圖</a:t>
             </a:r>
             <a:r>
-              <a:rPr lang="en-US" altLang="zh-TW" dirty="0"/>
-              <a:t>2</a:t>
-            </a:r>
-            <a:r>
-              <a:rPr lang="en-US" altLang="zh-TW" dirty="0" smtClean="0"/>
-              <a:t>.2</a:t>
+              <a:rPr lang="en-US" altLang="zh-TW" dirty="0" smtClean="0"/>
+              <a:t>2.1</a:t>
             </a:r>
             <a:r>
               <a:rPr lang="zh-TW" altLang="en-US" dirty="0" smtClean="0"/>
               <a:t> 使用</a:t>
             </a:r>
             <a:r>
-              <a:rPr lang="en-US" altLang="zh-TW" dirty="0" smtClean="0"/>
-              <a:t>hostname</a:t>
-            </a:r>
-            <a:r>
-              <a:rPr lang="zh-TW" altLang="en-US" dirty="0" smtClean="0"/>
-              <a:t>顯示主機名稱</a:t>
+              <a:rPr lang="en-US" altLang="zh-TW" dirty="0" err="1" smtClean="0"/>
+              <a:t>uname</a:t>
+            </a:r>
+            <a:r>
+              <a:rPr lang="zh-TW" altLang="en-US" dirty="0" smtClean="0"/>
+              <a:t>顯示系統資訊</a:t>
             </a:r>
             <a:endParaRPr lang="zh-TW" altLang="en-US" dirty="0"/>
           </a:p>
@@ -4751,7 +5157,7 @@
     </p:spTree>
     <p:extLst>
       <p:ext uri="{BB962C8B-B14F-4D97-AF65-F5344CB8AC3E}">
-        <p14:creationId xmlns:p14="http://schemas.microsoft.com/office/powerpoint/2010/main" val="633827402"/>
+        <p14:creationId xmlns:p14="http://schemas.microsoft.com/office/powerpoint/2010/main" val="3009193852"/>
       </p:ext>
     </p:extLst>
   </p:cSld>
@@ -4795,11 +5201,11 @@
           <a:p>
             <a:r>
               <a:rPr lang="en-US" altLang="zh-TW" dirty="0" smtClean="0"/>
-              <a:t>3.</a:t>
-            </a:r>
-            <a:r>
-              <a:rPr lang="zh-TW" altLang="en-US" dirty="0" smtClean="0"/>
-              <a:t>修改主機名稱</a:t>
+              <a:t>2.</a:t>
+            </a:r>
+            <a:r>
+              <a:rPr lang="zh-TW" altLang="en-US" dirty="0" smtClean="0"/>
+              <a:t>主機名稱顯示</a:t>
             </a:r>
             <a:endParaRPr lang="zh-TW" altLang="en-US" dirty="0"/>
           </a:p>
@@ -4821,63 +5227,129 @@
           <a:lstStyle/>
           <a:p>
             <a:r>
-              <a:rPr lang="zh-TW" altLang="en-US" dirty="0" smtClean="0"/>
-              <a:t>路徑</a:t>
-            </a:r>
-            <a:r>
-              <a:rPr lang="en-US" altLang="zh-TW" dirty="0" smtClean="0"/>
-              <a:t>:</a:t>
-            </a:r>
-            <a:r>
-              <a:rPr lang="zh-TW" altLang="en-US" dirty="0" smtClean="0"/>
+              <a:rPr lang="en-US" altLang="zh-TW" dirty="0"/>
+              <a:t>h</a:t>
+            </a:r>
+            <a:r>
+              <a:rPr lang="en-US" altLang="zh-TW" dirty="0" smtClean="0"/>
+              <a:t>ostname:</a:t>
+            </a:r>
+            <a:r>
+              <a:rPr lang="zh-TW" altLang="en-US" dirty="0" smtClean="0"/>
+              <a:t>顯示主機名稱</a:t>
+            </a:r>
+            <a:endParaRPr lang="en-US" altLang="zh-TW" dirty="0" smtClean="0"/>
+          </a:p>
+          <a:p>
+            <a:r>
+              <a:rPr lang="en-US" altLang="zh-TW" dirty="0" smtClean="0"/>
+              <a:t>hostname</a:t>
+            </a:r>
+            <a:r>
+              <a:rPr lang="zh-TW" altLang="en-US" dirty="0" smtClean="0"/>
+              <a:t>參數</a:t>
+            </a:r>
+            <a:r>
+              <a:rPr lang="en-US" altLang="zh-TW" dirty="0" smtClean="0"/>
+              <a:t>:-</a:t>
+            </a:r>
+            <a:r>
+              <a:rPr lang="en-US" altLang="zh-TW" dirty="0" err="1" smtClean="0"/>
+              <a:t>i</a:t>
+            </a:r>
+            <a:r>
+              <a:rPr lang="en-US" altLang="zh-TW" dirty="0" smtClean="0"/>
               <a:t> </a:t>
             </a:r>
             <a:r>
-              <a:rPr lang="en-US" altLang="zh-TW" dirty="0" smtClean="0"/>
-              <a:t>~/</a:t>
+              <a:rPr lang="zh-TW" altLang="en-US" dirty="0" smtClean="0"/>
+              <a:t>顯示</a:t>
             </a:r>
             <a:r>
               <a:rPr lang="en-US" altLang="zh-TW" dirty="0" err="1" smtClean="0"/>
-              <a:t>etc</a:t>
-            </a:r>
-            <a:r>
-              <a:rPr lang="en-US" altLang="zh-TW" dirty="0" smtClean="0"/>
-              <a:t>/hostname</a:t>
-            </a:r>
-          </a:p>
-          <a:p>
-            <a:r>
-              <a:rPr lang="zh-TW" altLang="en-US" dirty="0" smtClean="0"/>
-              <a:t>使用</a:t>
-            </a:r>
-            <a:r>
-              <a:rPr lang="en-US" altLang="zh-TW" dirty="0" smtClean="0"/>
-              <a:t>vi</a:t>
-            </a:r>
-            <a:r>
-              <a:rPr lang="zh-TW" altLang="en-US" dirty="0" smtClean="0"/>
-              <a:t>編輯此檔</a:t>
+              <a:t>ip</a:t>
+            </a:r>
+            <a:r>
+              <a:rPr lang="zh-TW" altLang="en-US" dirty="0" smtClean="0"/>
+              <a:t>位址</a:t>
             </a:r>
             <a:endParaRPr lang="en-US" altLang="zh-TW" dirty="0" smtClean="0"/>
           </a:p>
           <a:p>
-            <a:r>
-              <a:rPr lang="zh-TW" altLang="en-US" dirty="0" smtClean="0"/>
-              <a:t>此檔包含主機名稱，預設為</a:t>
-            </a:r>
-            <a:r>
-              <a:rPr lang="en-US" altLang="zh-TW" dirty="0" smtClean="0"/>
-              <a:t>localhost</a:t>
-            </a:r>
-          </a:p>
-          <a:p>
-            <a:r>
-              <a:rPr lang="zh-TW" altLang="en-US" dirty="0" smtClean="0"/>
-              <a:t>編輯此檔後重開機生效</a:t>
-            </a:r>
-            <a:endParaRPr lang="en-US" altLang="zh-TW" dirty="0" smtClean="0"/>
-          </a:p>
-          <a:p>
+            <a:endParaRPr lang="zh-TW" altLang="en-US" dirty="0"/>
+          </a:p>
+        </p:txBody>
+      </p:sp>
+      <p:pic>
+        <p:nvPicPr>
+          <p:cNvPr id="4" name="圖片 3"/>
+          <p:cNvPicPr>
+            <a:picLocks noChangeAspect="1"/>
+          </p:cNvPicPr>
+          <p:nvPr/>
+        </p:nvPicPr>
+        <p:blipFill>
+          <a:blip r:embed="rId2"/>
+          <a:stretch>
+            <a:fillRect/>
+          </a:stretch>
+        </p:blipFill>
+        <p:spPr>
+          <a:xfrm>
+            <a:off x="467175" y="2996952"/>
+            <a:ext cx="8219625" cy="1493317"/>
+          </a:xfrm>
+          <a:prstGeom prst="rect">
+            <a:avLst/>
+          </a:prstGeom>
+        </p:spPr>
+      </p:pic>
+      <p:sp>
+        <p:nvSpPr>
+          <p:cNvPr id="5" name="文字方塊 4"/>
+          <p:cNvSpPr txBox="1"/>
+          <p:nvPr/>
+        </p:nvSpPr>
+        <p:spPr>
+          <a:xfrm>
+            <a:off x="2843808" y="4653136"/>
+            <a:ext cx="3816424" cy="369332"/>
+          </a:xfrm>
+          <a:prstGeom prst="rect">
+            <a:avLst/>
+          </a:prstGeom>
+          <a:noFill/>
+        </p:spPr>
+        <p:txBody>
+          <a:bodyPr wrap="square" rtlCol="0">
+            <a:spAutoFit/>
+          </a:bodyPr>
+          <a:lstStyle/>
+          <a:p>
+            <a:r>
+              <a:rPr lang="zh-TW" altLang="en-US" dirty="0" smtClean="0"/>
+              <a:t>圖</a:t>
+            </a:r>
+            <a:r>
+              <a:rPr lang="en-US" altLang="zh-TW" dirty="0"/>
+              <a:t>2</a:t>
+            </a:r>
+            <a:r>
+              <a:rPr lang="en-US" altLang="zh-TW" dirty="0" smtClean="0"/>
+              <a:t>.2</a:t>
+            </a:r>
+            <a:r>
+              <a:rPr lang="zh-TW" altLang="en-US" dirty="0" smtClean="0"/>
+              <a:t> 使用</a:t>
+            </a:r>
+            <a:r>
+              <a:rPr lang="en-US" altLang="zh-TW" dirty="0" smtClean="0"/>
+              <a:t>hostname</a:t>
+            </a:r>
+            <a:r>
+              <a:rPr lang="zh-TW" altLang="en-US" dirty="0" smtClean="0"/>
+              <a:t>顯示主機名稱</a:t>
+            </a:r>
             <a:endParaRPr lang="zh-TW" altLang="en-US" dirty="0"/>
           </a:p>
         </p:txBody>
@@ -4885,7 +5357,7 @@
     </p:spTree>
     <p:extLst>
       <p:ext uri="{BB962C8B-B14F-4D97-AF65-F5344CB8AC3E}">
-        <p14:creationId xmlns:p14="http://schemas.microsoft.com/office/powerpoint/2010/main" val="3312102688"/>
+        <p14:creationId xmlns:p14="http://schemas.microsoft.com/office/powerpoint/2010/main" val="633827402"/>
       </p:ext>
     </p:extLst>
   </p:cSld>
@@ -4928,168 +5400,90 @@
           <a:lstStyle/>
           <a:p>
             <a:r>
-              <a:rPr lang="en-US" altLang="zh-TW" dirty="0"/>
+              <a:rPr lang="en-US" altLang="zh-TW" dirty="0" smtClean="0"/>
               <a:t>3.</a:t>
             </a:r>
             <a:r>
-              <a:rPr lang="zh-TW" altLang="en-US" dirty="0"/>
+              <a:rPr lang="zh-TW" altLang="en-US" dirty="0" smtClean="0"/>
               <a:t>修改主機名稱</a:t>
             </a:r>
-          </a:p>
-        </p:txBody>
-      </p:sp>
-      <p:pic>
-        <p:nvPicPr>
-          <p:cNvPr id="4" name="圖片 3"/>
-          <p:cNvPicPr>
-            <a:picLocks noChangeAspect="1"/>
-          </p:cNvPicPr>
-          <p:nvPr/>
-        </p:nvPicPr>
-        <p:blipFill>
-          <a:blip r:embed="rId2"/>
-          <a:stretch>
-            <a:fillRect/>
-          </a:stretch>
-        </p:blipFill>
-        <p:spPr>
-          <a:xfrm>
-            <a:off x="848004" y="1399770"/>
-            <a:ext cx="7447992" cy="792088"/>
-          </a:xfrm>
-          <a:prstGeom prst="rect">
-            <a:avLst/>
-          </a:prstGeom>
-        </p:spPr>
-      </p:pic>
-      <p:pic>
-        <p:nvPicPr>
-          <p:cNvPr id="5" name="圖片 4"/>
-          <p:cNvPicPr>
-            <a:picLocks noChangeAspect="1"/>
-          </p:cNvPicPr>
-          <p:nvPr/>
-        </p:nvPicPr>
-        <p:blipFill>
-          <a:blip r:embed="rId3"/>
-          <a:stretch>
-            <a:fillRect/>
-          </a:stretch>
-        </p:blipFill>
-        <p:spPr>
-          <a:xfrm>
-            <a:off x="2195736" y="2542770"/>
-            <a:ext cx="4792191" cy="3942739"/>
-          </a:xfrm>
-          <a:prstGeom prst="rect">
-            <a:avLst/>
-          </a:prstGeom>
-        </p:spPr>
-      </p:pic>
-      <p:sp>
-        <p:nvSpPr>
-          <p:cNvPr id="6" name="文字方塊 5"/>
-          <p:cNvSpPr txBox="1"/>
-          <p:nvPr/>
-        </p:nvSpPr>
-        <p:spPr>
-          <a:xfrm>
-            <a:off x="2339752" y="2191858"/>
-            <a:ext cx="4392488" cy="369332"/>
-          </a:xfrm>
-          <a:prstGeom prst="rect">
-            <a:avLst/>
-          </a:prstGeom>
-          <a:noFill/>
-        </p:spPr>
-        <p:txBody>
-          <a:bodyPr wrap="square" rtlCol="0">
-            <a:spAutoFit/>
-          </a:bodyPr>
-          <a:lstStyle/>
-          <a:p>
-            <a:r>
-              <a:rPr lang="zh-TW" altLang="en-US" dirty="0" smtClean="0"/>
-              <a:t>圖</a:t>
-            </a:r>
-            <a:r>
-              <a:rPr lang="en-US" altLang="zh-TW" dirty="0" smtClean="0"/>
-              <a:t>2.3</a:t>
-            </a:r>
-            <a:r>
-              <a:rPr lang="zh-TW" altLang="en-US" dirty="0" smtClean="0"/>
-              <a:t> 進入</a:t>
-            </a:r>
-            <a:r>
-              <a:rPr lang="en-US" altLang="zh-TW" dirty="0" smtClean="0"/>
-              <a:t>/</a:t>
+            <a:endParaRPr lang="zh-TW" altLang="en-US" dirty="0"/>
+          </a:p>
+        </p:txBody>
+      </p:sp>
+      <p:sp>
+        <p:nvSpPr>
+          <p:cNvPr id="3" name="內容版面配置區 2"/>
+          <p:cNvSpPr>
+            <a:spLocks noGrp="1"/>
+          </p:cNvSpPr>
+          <p:nvPr>
+            <p:ph idx="1"/>
+          </p:nvPr>
+        </p:nvSpPr>
+        <p:spPr/>
+        <p:txBody>
+          <a:bodyPr/>
+          <a:lstStyle/>
+          <a:p>
+            <a:r>
+              <a:rPr lang="zh-TW" altLang="en-US" dirty="0" smtClean="0"/>
+              <a:t>路徑</a:t>
+            </a:r>
+            <a:r>
+              <a:rPr lang="en-US" altLang="zh-TW" dirty="0" smtClean="0"/>
+              <a:t>:</a:t>
+            </a:r>
+            <a:r>
+              <a:rPr lang="zh-TW" altLang="en-US" dirty="0" smtClean="0"/>
+              <a:t> </a:t>
+            </a:r>
+            <a:r>
+              <a:rPr lang="en-US" altLang="zh-TW" dirty="0" smtClean="0"/>
+              <a:t>~/</a:t>
             </a:r>
             <a:r>
               <a:rPr lang="en-US" altLang="zh-TW" dirty="0" err="1" smtClean="0"/>
               <a:t>etc</a:t>
             </a:r>
             <a:r>
-              <a:rPr lang="zh-TW" altLang="en-US" dirty="0" smtClean="0"/>
-              <a:t>目錄並編輯</a:t>
-            </a:r>
-            <a:r>
-              <a:rPr lang="en-US" altLang="zh-TW" dirty="0" smtClean="0"/>
-              <a:t>hostname</a:t>
-            </a:r>
-            <a:r>
-              <a:rPr lang="zh-TW" altLang="en-US" dirty="0" smtClean="0"/>
-              <a:t>設定檔</a:t>
-            </a:r>
-            <a:endParaRPr lang="zh-TW" altLang="en-US" dirty="0"/>
-          </a:p>
-        </p:txBody>
-      </p:sp>
-      <p:sp>
-        <p:nvSpPr>
-          <p:cNvPr id="7" name="文字方塊 6"/>
-          <p:cNvSpPr txBox="1"/>
-          <p:nvPr/>
-        </p:nvSpPr>
-        <p:spPr>
-          <a:xfrm>
-            <a:off x="3295687" y="6485509"/>
-            <a:ext cx="2592288" cy="369332"/>
-          </a:xfrm>
-          <a:prstGeom prst="rect">
-            <a:avLst/>
-          </a:prstGeom>
-          <a:noFill/>
-        </p:spPr>
-        <p:txBody>
-          <a:bodyPr wrap="square" rtlCol="0">
-            <a:spAutoFit/>
-          </a:bodyPr>
-          <a:lstStyle/>
-          <a:p>
-            <a:r>
-              <a:rPr lang="zh-TW" altLang="en-US" dirty="0" smtClean="0"/>
-              <a:t>圖</a:t>
-            </a:r>
-            <a:r>
-              <a:rPr lang="en-US" altLang="zh-TW" dirty="0"/>
-              <a:t>2</a:t>
-            </a:r>
-            <a:r>
-              <a:rPr lang="en-US" altLang="zh-TW" dirty="0" smtClean="0"/>
-              <a:t>.4</a:t>
-            </a:r>
-            <a:r>
-              <a:rPr lang="zh-TW" altLang="en-US" dirty="0" smtClean="0"/>
-              <a:t> </a:t>
-            </a:r>
-            <a:r>
-              <a:rPr lang="en-US" altLang="zh-TW" dirty="0" smtClean="0"/>
-              <a:t>hostname</a:t>
-            </a:r>
-            <a:r>
-              <a:rPr lang="zh-TW" altLang="en-US" dirty="0" smtClean="0"/>
-              <a:t>檔內容</a:t>
-            </a:r>
+              <a:rPr lang="en-US" altLang="zh-TW" dirty="0" smtClean="0"/>
+              <a:t>/hostname</a:t>
+            </a:r>
+          </a:p>
+          <a:p>
+            <a:r>
+              <a:rPr lang="zh-TW" altLang="en-US" dirty="0" smtClean="0"/>
+              <a:t>使用</a:t>
+            </a:r>
+            <a:r>
+              <a:rPr lang="en-US" altLang="zh-TW" dirty="0" smtClean="0"/>
+              <a:t>vi</a:t>
+            </a:r>
+            <a:r>
+              <a:rPr lang="zh-TW" altLang="en-US" dirty="0" smtClean="0"/>
+              <a:t>編輯此檔</a:t>
+            </a:r>
+            <a:endParaRPr lang="en-US" altLang="zh-TW" dirty="0" smtClean="0"/>
+          </a:p>
+          <a:p>
+            <a:r>
+              <a:rPr lang="zh-TW" altLang="en-US" dirty="0" smtClean="0"/>
+              <a:t>此檔包含主機名稱，預設為</a:t>
+            </a:r>
+            <a:r>
+              <a:rPr lang="en-US" altLang="zh-TW" dirty="0" smtClean="0"/>
+              <a:t>localhost</a:t>
+            </a:r>
+          </a:p>
+          <a:p>
+            <a:r>
+              <a:rPr lang="zh-TW" altLang="en-US" dirty="0" smtClean="0"/>
+              <a:t>編輯此檔後重開機生效</a:t>
+            </a:r>
+            <a:endParaRPr lang="en-US" altLang="zh-TW" dirty="0" smtClean="0"/>
+          </a:p>
+          <a:p>
             <a:endParaRPr lang="zh-TW" altLang="en-US" dirty="0"/>
           </a:p>
         </p:txBody>
@@ -5097,7 +5491,7 @@
     </p:spTree>
     <p:extLst>
       <p:ext uri="{BB962C8B-B14F-4D97-AF65-F5344CB8AC3E}">
-        <p14:creationId xmlns:p14="http://schemas.microsoft.com/office/powerpoint/2010/main" val="2087182240"/>
+        <p14:creationId xmlns:p14="http://schemas.microsoft.com/office/powerpoint/2010/main" val="3312102688"/>
       </p:ext>
     </p:extLst>
   </p:cSld>
@@ -5140,12 +5534,69 @@
           <a:lstStyle/>
           <a:p>
             <a:r>
-              <a:rPr lang="en-US" altLang="zh-TW" dirty="0" smtClean="0"/>
-              <a:t>4.</a:t>
-            </a:r>
-            <a:r>
-              <a:rPr lang="zh-TW" altLang="en-US" dirty="0" smtClean="0"/>
-              <a:t>關機</a:t>
+              <a:rPr lang="en-US" altLang="zh-TW" dirty="0"/>
+              <a:t>3.</a:t>
+            </a:r>
+            <a:r>
+              <a:rPr lang="zh-TW" altLang="en-US" dirty="0"/>
+              <a:t>修改主機名稱</a:t>
+            </a:r>
+          </a:p>
+        </p:txBody>
+      </p:sp>
+      <p:sp>
+        <p:nvSpPr>
+          <p:cNvPr id="6" name="文字方塊 5"/>
+          <p:cNvSpPr txBox="1"/>
+          <p:nvPr/>
+        </p:nvSpPr>
+        <p:spPr>
+          <a:xfrm>
+            <a:off x="2339752" y="2191858"/>
+            <a:ext cx="4392488" cy="369332"/>
+          </a:xfrm>
+          <a:prstGeom prst="rect">
+            <a:avLst/>
+          </a:prstGeom>
+          <a:noFill/>
+        </p:spPr>
+        <p:txBody>
+          <a:bodyPr wrap="square" rtlCol="0">
+            <a:spAutoFit/>
+          </a:bodyPr>
+          <a:lstStyle/>
+          <a:p>
+            <a:r>
+              <a:rPr lang="zh-TW" altLang="en-US" dirty="0" smtClean="0"/>
+              <a:t>圖</a:t>
+            </a:r>
+            <a:r>
+              <a:rPr lang="en-US" altLang="zh-TW" dirty="0" smtClean="0"/>
+              <a:t>2.3</a:t>
+            </a:r>
+            <a:r>
+              <a:rPr lang="zh-TW" altLang="en-US" dirty="0" smtClean="0"/>
+              <a:t> 進入</a:t>
+            </a:r>
+            <a:r>
+              <a:rPr lang="en-US" altLang="zh-TW" dirty="0" smtClean="0"/>
+              <a:t>/</a:t>
+            </a:r>
+            <a:r>
+              <a:rPr lang="en-US" altLang="zh-TW" dirty="0" err="1" smtClean="0"/>
+              <a:t>etc</a:t>
+            </a:r>
+            <a:r>
+              <a:rPr lang="zh-TW" altLang="en-US" dirty="0" smtClean="0"/>
+              <a:t>目錄並編輯</a:t>
+            </a:r>
+            <a:r>
+              <a:rPr lang="en-US" altLang="zh-TW" dirty="0" smtClean="0"/>
+              <a:t>hostname</a:t>
+            </a:r>
+            <a:r>
+              <a:rPr lang="zh-TW" altLang="en-US" dirty="0" smtClean="0"/>
+              <a:t>設定檔</a:t>
             </a:r>
             <a:endParaRPr lang="zh-TW" altLang="en-US" dirty="0"/>
           </a:p>
@@ -5153,22 +5604,37 @@
       </p:sp>
       <p:sp>
         <p:nvSpPr>
-          <p:cNvPr id="3" name="內容版面配置區 2"/>
-          <p:cNvSpPr>
-            <a:spLocks noGrp="1"/>
-          </p:cNvSpPr>
-          <p:nvPr>
-            <p:ph idx="1"/>
-          </p:nvPr>
-        </p:nvSpPr>
-        <p:spPr/>
-        <p:txBody>
-          <a:bodyPr/>
-          <a:lstStyle/>
-          <a:p>
-            <a:r>
-              <a:rPr lang="en-US" altLang="zh-TW" dirty="0" smtClean="0"/>
-              <a:t>shutdown</a:t>
+          <p:cNvPr id="7" name="文字方塊 6"/>
+          <p:cNvSpPr txBox="1"/>
+          <p:nvPr/>
+        </p:nvSpPr>
+        <p:spPr>
+          <a:xfrm>
+            <a:off x="3295687" y="6485509"/>
+            <a:ext cx="2592288" cy="369332"/>
+          </a:xfrm>
+          <a:prstGeom prst="rect">
+            <a:avLst/>
+          </a:prstGeom>
+          <a:noFill/>
+        </p:spPr>
+        <p:txBody>
+          <a:bodyPr wrap="square" rtlCol="0">
+            <a:spAutoFit/>
+          </a:bodyPr>
+          <a:lstStyle/>
+          <a:p>
+            <a:r>
+              <a:rPr lang="zh-TW" altLang="en-US" dirty="0" smtClean="0"/>
+              <a:t>圖</a:t>
+            </a:r>
+            <a:r>
+              <a:rPr lang="en-US" altLang="zh-TW" dirty="0"/>
+              <a:t>2</a:t>
+            </a:r>
+            <a:r>
+              <a:rPr lang="en-US" altLang="zh-TW" dirty="0" smtClean="0"/>
+              <a:t>.4</a:t>
             </a:r>
             <a:r>
               <a:rPr lang="zh-TW" altLang="en-US" dirty="0" smtClean="0"/>
@@ -5176,119 +5642,88 @@
             </a:r>
             <a:r>
               <a:rPr lang="en-US" altLang="zh-TW" dirty="0" smtClean="0"/>
-              <a:t>[-r</a:t>
-            </a:r>
-            <a:r>
-              <a:rPr lang="zh-TW" altLang="en-US" dirty="0" smtClean="0"/>
-              <a:t> </a:t>
-            </a:r>
-            <a:r>
-              <a:rPr lang="en-US" altLang="zh-TW" dirty="0" smtClean="0"/>
-              <a:t>-h] [-t sec] time</a:t>
-            </a:r>
-          </a:p>
-          <a:p>
-            <a:r>
-              <a:rPr lang="en-US" altLang="zh-TW" dirty="0" smtClean="0"/>
-              <a:t>shutdown</a:t>
-            </a:r>
-            <a:r>
-              <a:rPr lang="zh-TW" altLang="en-US" dirty="0" smtClean="0"/>
-              <a:t>參數</a:t>
-            </a:r>
-            <a:r>
-              <a:rPr lang="en-US" altLang="zh-TW" dirty="0" smtClean="0"/>
-              <a:t>:-r </a:t>
-            </a:r>
-            <a:r>
-              <a:rPr lang="zh-TW" altLang="en-US" dirty="0" smtClean="0"/>
-              <a:t>重新開機</a:t>
-            </a:r>
-            <a:endParaRPr lang="en-US" altLang="zh-TW" dirty="0" smtClean="0"/>
-          </a:p>
-          <a:p>
-            <a:r>
-              <a:rPr lang="en-US" altLang="zh-TW" dirty="0"/>
-              <a:t>shutdown</a:t>
-            </a:r>
-            <a:r>
-              <a:rPr lang="zh-TW" altLang="en-US" dirty="0"/>
-              <a:t>參數</a:t>
-            </a:r>
-            <a:r>
-              <a:rPr lang="en-US" altLang="zh-TW" dirty="0" smtClean="0"/>
-              <a:t>:-h </a:t>
-            </a:r>
-            <a:r>
-              <a:rPr lang="zh-TW" altLang="en-US" dirty="0" smtClean="0"/>
-              <a:t>在關機後停止運作</a:t>
-            </a:r>
-            <a:endParaRPr lang="en-US" altLang="zh-TW" dirty="0" smtClean="0"/>
-          </a:p>
-          <a:p>
-            <a:r>
-              <a:rPr lang="en-US" altLang="zh-TW" dirty="0"/>
-              <a:t>s</a:t>
-            </a:r>
-            <a:r>
-              <a:rPr lang="en-US" altLang="zh-TW" dirty="0" smtClean="0"/>
-              <a:t>hutdown time</a:t>
-            </a:r>
-            <a:r>
-              <a:rPr lang="zh-TW" altLang="en-US" dirty="0" smtClean="0"/>
-              <a:t>參數</a:t>
-            </a:r>
-            <a:r>
-              <a:rPr lang="en-US" altLang="zh-TW" dirty="0" smtClean="0"/>
-              <a:t>:</a:t>
-            </a:r>
-          </a:p>
-          <a:p>
-            <a:r>
-              <a:rPr lang="en-US" altLang="zh-TW" dirty="0" smtClean="0"/>
-              <a:t>-t </a:t>
-            </a:r>
-            <a:r>
-              <a:rPr lang="zh-TW" altLang="en-US" dirty="0" smtClean="0"/>
-              <a:t>後接秒數</a:t>
-            </a:r>
-            <a:endParaRPr lang="en-US" altLang="zh-TW" dirty="0" smtClean="0"/>
-          </a:p>
-          <a:p>
-            <a:r>
-              <a:rPr lang="en-US" altLang="zh-TW" dirty="0"/>
-              <a:t>n</a:t>
-            </a:r>
-            <a:r>
-              <a:rPr lang="en-US" altLang="zh-TW" dirty="0" smtClean="0"/>
-              <a:t>ow:</a:t>
-            </a:r>
-            <a:r>
-              <a:rPr lang="zh-TW" altLang="en-US" dirty="0" smtClean="0"/>
-              <a:t>立即關機</a:t>
-            </a:r>
-            <a:endParaRPr lang="en-US" altLang="zh-TW" dirty="0" smtClean="0"/>
-          </a:p>
-          <a:p>
-            <a:r>
-              <a:rPr lang="en-US" altLang="zh-TW" dirty="0" smtClean="0"/>
-              <a:t>e.g. shutdown -r now </a:t>
-            </a:r>
-            <a:r>
-              <a:rPr lang="zh-TW" altLang="en-US" dirty="0" smtClean="0"/>
-              <a:t>表立即重新啟動</a:t>
-            </a:r>
-            <a:endParaRPr lang="en-US" altLang="zh-TW" dirty="0" smtClean="0"/>
-          </a:p>
-          <a:p>
+              <a:t>hostname</a:t>
+            </a:r>
+            <a:r>
+              <a:rPr lang="zh-TW" altLang="en-US" dirty="0" smtClean="0"/>
+              <a:t>檔內容</a:t>
+            </a:r>
             <a:endParaRPr lang="zh-TW" altLang="en-US" dirty="0"/>
           </a:p>
         </p:txBody>
       </p:sp>
+      <p:pic>
+        <p:nvPicPr>
+          <p:cNvPr id="3" name="圖片 2"/>
+          <p:cNvPicPr>
+            <a:picLocks noChangeAspect="1"/>
+          </p:cNvPicPr>
+          <p:nvPr/>
+        </p:nvPicPr>
+        <p:blipFill rotWithShape="1">
+          <a:blip r:embed="rId2">
+            <a:extLst>
+              <a:ext uri="{28A0092B-C50C-407E-A947-70E740481C1C}">
+                <a14:useLocalDpi xmlns:a14="http://schemas.microsoft.com/office/drawing/2010/main" val="0"/>
+              </a:ext>
+            </a:extLst>
+          </a:blip>
+          <a:srcRect l="14378" t="13090" r="14495" b="74372"/>
+          <a:stretch/>
+        </p:blipFill>
+        <p:spPr>
+          <a:xfrm>
+            <a:off x="1816627" y="1417638"/>
+            <a:ext cx="5550408" cy="733776"/>
+          </a:xfrm>
+          <a:prstGeom prst="rect">
+            <a:avLst/>
+          </a:prstGeom>
+          <a:ln>
+            <a:solidFill>
+              <a:schemeClr val="tx1"/>
+            </a:solidFill>
+          </a:ln>
+        </p:spPr>
+      </p:pic>
+      <p:pic>
+        <p:nvPicPr>
+          <p:cNvPr id="8" name="圖片 7"/>
+          <p:cNvPicPr>
+            <a:picLocks noChangeAspect="1"/>
+          </p:cNvPicPr>
+          <p:nvPr/>
+        </p:nvPicPr>
+        <p:blipFill rotWithShape="1">
+          <a:blip r:embed="rId3">
+            <a:extLst>
+              <a:ext uri="{28A0092B-C50C-407E-A947-70E740481C1C}">
+                <a14:useLocalDpi xmlns:a14="http://schemas.microsoft.com/office/drawing/2010/main" val="0"/>
+              </a:ext>
+            </a:extLst>
+          </a:blip>
+          <a:srcRect l="14691" t="12347" r="14182" b="22346"/>
+          <a:stretch/>
+        </p:blipFill>
+        <p:spPr>
+          <a:xfrm>
+            <a:off x="1816627" y="2608813"/>
+            <a:ext cx="5550408" cy="3822192"/>
+          </a:xfrm>
+          <a:prstGeom prst="rect">
+            <a:avLst/>
+          </a:prstGeom>
+          <a:ln>
+            <a:solidFill>
+              <a:schemeClr val="tx1"/>
+            </a:solidFill>
+          </a:ln>
+        </p:spPr>
+      </p:pic>
     </p:spTree>
     <p:extLst>
       <p:ext uri="{BB962C8B-B14F-4D97-AF65-F5344CB8AC3E}">
-        <p14:creationId xmlns:p14="http://schemas.microsoft.com/office/powerpoint/2010/main" val="904115084"/>
+        <p14:creationId xmlns:p14="http://schemas.microsoft.com/office/powerpoint/2010/main" val="2087182240"/>
       </p:ext>
     </p:extLst>
   </p:cSld>
@@ -5331,115 +5766,172 @@
           <a:lstStyle/>
           <a:p>
             <a:r>
-              <a:rPr lang="zh-TW" altLang="en-US" dirty="0" smtClean="0"/>
-              <a:t>使用者</a:t>
-            </a:r>
-            <a:r>
-              <a:rPr lang="en-US" altLang="zh-TW" dirty="0" smtClean="0"/>
-              <a:t>:UID/GID</a:t>
-            </a:r>
-            <a:endParaRPr lang="zh-TW" altLang="en-US" dirty="0"/>
-          </a:p>
-        </p:txBody>
-      </p:sp>
-      <p:sp>
-        <p:nvSpPr>
-          <p:cNvPr id="3" name="內容版面配置區 2"/>
-          <p:cNvSpPr>
-            <a:spLocks noGrp="1"/>
-          </p:cNvSpPr>
-          <p:nvPr>
-            <p:ph idx="1"/>
-          </p:nvPr>
-        </p:nvSpPr>
-        <p:spPr/>
-        <p:txBody>
-          <a:bodyPr/>
-          <a:lstStyle/>
-          <a:p>
-            <a:r>
-              <a:rPr lang="en-US" altLang="zh-TW" dirty="0" smtClean="0"/>
-              <a:t>LINUX</a:t>
-            </a:r>
-            <a:r>
-              <a:rPr lang="zh-TW" altLang="en-US" dirty="0" smtClean="0"/>
-              <a:t>利用</a:t>
-            </a:r>
-            <a:r>
-              <a:rPr lang="en-US" altLang="zh-TW" dirty="0" smtClean="0"/>
-              <a:t>UID</a:t>
-            </a:r>
-            <a:r>
-              <a:rPr lang="zh-TW" altLang="en-US" dirty="0" smtClean="0"/>
-              <a:t>與</a:t>
-            </a:r>
-            <a:r>
-              <a:rPr lang="en-US" altLang="zh-TW" dirty="0" smtClean="0"/>
-              <a:t>GID</a:t>
-            </a:r>
-            <a:r>
-              <a:rPr lang="zh-TW" altLang="en-US" dirty="0" smtClean="0"/>
-              <a:t>判別使用者以及所</a:t>
+              <a:rPr lang="en-US" altLang="zh-TW" dirty="0"/>
+              <a:t>3.</a:t>
             </a:r>
             <a:r>
               <a:rPr lang="zh-TW" altLang="en-US" dirty="0"/>
-              <a:t>屬</a:t>
-            </a:r>
-            <a:r>
-              <a:rPr lang="zh-TW" altLang="en-US" dirty="0" smtClean="0"/>
-              <a:t>群組</a:t>
-            </a:r>
-            <a:r>
-              <a:rPr lang="en-US" altLang="zh-TW" dirty="0" smtClean="0"/>
-              <a:t>(</a:t>
-            </a:r>
-            <a:r>
-              <a:rPr lang="zh-TW" altLang="en-US" dirty="0" smtClean="0"/>
-              <a:t>不使用帳號辨別</a:t>
-            </a:r>
-            <a:r>
-              <a:rPr lang="en-US" altLang="zh-TW" dirty="0" smtClean="0"/>
-              <a:t>)</a:t>
-            </a:r>
-          </a:p>
-          <a:p>
+              <a:t>修改主機名稱</a:t>
+            </a:r>
+          </a:p>
+        </p:txBody>
+      </p:sp>
+      <p:pic>
+        <p:nvPicPr>
+          <p:cNvPr id="4" name="圖片 3"/>
+          <p:cNvPicPr>
+            <a:picLocks noChangeAspect="1"/>
+          </p:cNvPicPr>
+          <p:nvPr/>
+        </p:nvPicPr>
+        <p:blipFill rotWithShape="1">
+          <a:blip r:embed="rId2">
+            <a:extLst>
+              <a:ext uri="{28A0092B-C50C-407E-A947-70E740481C1C}">
+                <a14:useLocalDpi xmlns:a14="http://schemas.microsoft.com/office/drawing/2010/main" val="0"/>
+              </a:ext>
+            </a:extLst>
+          </a:blip>
+          <a:srcRect l="14013" t="12503" r="14026" b="73376"/>
+          <a:stretch/>
+        </p:blipFill>
+        <p:spPr>
+          <a:xfrm>
+            <a:off x="1764240" y="1556792"/>
+            <a:ext cx="5615520" cy="826408"/>
+          </a:xfrm>
+          <a:prstGeom prst="rect">
+            <a:avLst/>
+          </a:prstGeom>
+          <a:ln>
+            <a:solidFill>
+              <a:schemeClr val="tx1"/>
+            </a:solidFill>
+          </a:ln>
+        </p:spPr>
+      </p:pic>
+      <p:pic>
+        <p:nvPicPr>
+          <p:cNvPr id="5" name="圖片 4"/>
+          <p:cNvPicPr>
+            <a:picLocks noChangeAspect="1"/>
+          </p:cNvPicPr>
+          <p:nvPr/>
+        </p:nvPicPr>
+        <p:blipFill rotWithShape="1">
+          <a:blip r:embed="rId3">
+            <a:extLst>
+              <a:ext uri="{28A0092B-C50C-407E-A947-70E740481C1C}">
+                <a14:useLocalDpi xmlns:a14="http://schemas.microsoft.com/office/drawing/2010/main" val="0"/>
+              </a:ext>
+            </a:extLst>
+          </a:blip>
+          <a:srcRect l="14020" t="13129" r="14020" b="63435"/>
+          <a:stretch/>
+        </p:blipFill>
+        <p:spPr>
+          <a:xfrm>
+            <a:off x="1764240" y="3501008"/>
+            <a:ext cx="5615520" cy="1371600"/>
+          </a:xfrm>
+          <a:prstGeom prst="rect">
+            <a:avLst/>
+          </a:prstGeom>
+          <a:ln>
+            <a:solidFill>
+              <a:schemeClr val="tx1"/>
+            </a:solidFill>
+          </a:ln>
+        </p:spPr>
+      </p:pic>
+      <p:sp>
+        <p:nvSpPr>
+          <p:cNvPr id="6" name="文字方塊 5"/>
+          <p:cNvSpPr txBox="1"/>
+          <p:nvPr/>
+        </p:nvSpPr>
+        <p:spPr>
+          <a:xfrm>
+            <a:off x="2915816" y="2451760"/>
+            <a:ext cx="3096344" cy="369332"/>
+          </a:xfrm>
+          <a:prstGeom prst="rect">
+            <a:avLst/>
+          </a:prstGeom>
+          <a:noFill/>
+        </p:spPr>
+        <p:txBody>
+          <a:bodyPr wrap="square" rtlCol="0">
+            <a:spAutoFit/>
+          </a:bodyPr>
+          <a:lstStyle/>
+          <a:p>
+            <a:r>
+              <a:rPr lang="zh-TW" altLang="en-US" dirty="0" smtClean="0"/>
+              <a:t>圖</a:t>
+            </a:r>
+            <a:r>
+              <a:rPr lang="en-US" altLang="zh-TW" dirty="0" smtClean="0"/>
+              <a:t>2.5</a:t>
+            </a:r>
+            <a:r>
+              <a:rPr lang="zh-TW" altLang="en-US" dirty="0" smtClean="0"/>
+              <a:t> 修改後</a:t>
+            </a:r>
+            <a:r>
+              <a:rPr lang="en-US" altLang="zh-TW" dirty="0" smtClean="0"/>
+              <a:t>/</a:t>
+            </a:r>
             <a:r>
               <a:rPr lang="en-US" altLang="zh-TW" dirty="0" err="1" smtClean="0"/>
-              <a:t>UID:User</a:t>
-            </a:r>
-            <a:r>
-              <a:rPr lang="en-US" altLang="zh-TW" dirty="0" smtClean="0"/>
-              <a:t> </a:t>
-            </a:r>
-            <a:r>
-              <a:rPr lang="en-US" altLang="zh-TW" dirty="0" err="1" smtClean="0"/>
-              <a:t>identify,Linux</a:t>
-            </a:r>
-            <a:r>
-              <a:rPr lang="zh-TW" altLang="en-US" dirty="0" smtClean="0"/>
-              <a:t>辨認使用者帳號所用</a:t>
+              <a:t>etc</a:t>
+            </a:r>
+            <a:r>
+              <a:rPr lang="en-US" altLang="zh-TW" dirty="0" smtClean="0"/>
+              <a:t>/hostname</a:t>
+            </a:r>
+            <a:r>
+              <a:rPr lang="zh-TW" altLang="en-US" dirty="0" smtClean="0"/>
+              <a:t>檔</a:t>
             </a:r>
             <a:endParaRPr lang="en-US" altLang="zh-TW" dirty="0" smtClean="0"/>
           </a:p>
-          <a:p>
-            <a:r>
-              <a:rPr lang="en-US" altLang="zh-TW" dirty="0" err="1" smtClean="0"/>
-              <a:t>GID:Group</a:t>
-            </a:r>
-            <a:r>
-              <a:rPr lang="en-US" altLang="zh-TW" dirty="0" smtClean="0"/>
-              <a:t> identify,</a:t>
-            </a:r>
-            <a:r>
-              <a:rPr lang="zh-TW" altLang="en-US" dirty="0" smtClean="0"/>
-              <a:t>辨認所屬群組所用</a:t>
-            </a:r>
-            <a:endParaRPr lang="en-US" altLang="zh-TW" dirty="0" smtClean="0"/>
-          </a:p>
-          <a:p>
-            <a:endParaRPr lang="en-US" altLang="zh-TW" dirty="0" smtClean="0"/>
-          </a:p>
-          <a:p>
+        </p:txBody>
+      </p:sp>
+      <p:sp>
+        <p:nvSpPr>
+          <p:cNvPr id="7" name="文字方塊 6"/>
+          <p:cNvSpPr txBox="1"/>
+          <p:nvPr/>
+        </p:nvSpPr>
+        <p:spPr>
+          <a:xfrm>
+            <a:off x="3023828" y="4941168"/>
+            <a:ext cx="2880320" cy="369332"/>
+          </a:xfrm>
+          <a:prstGeom prst="rect">
+            <a:avLst/>
+          </a:prstGeom>
+          <a:noFill/>
+        </p:spPr>
+        <p:txBody>
+          <a:bodyPr wrap="square" rtlCol="0">
+            <a:spAutoFit/>
+          </a:bodyPr>
+          <a:lstStyle/>
+          <a:p>
+            <a:r>
+              <a:rPr lang="zh-TW" altLang="en-US" dirty="0" smtClean="0"/>
+              <a:t>圖</a:t>
+            </a:r>
+            <a:r>
+              <a:rPr lang="en-US" altLang="zh-TW" dirty="0" smtClean="0"/>
+              <a:t>2.6</a:t>
+            </a:r>
+            <a:r>
+              <a:rPr lang="zh-TW" altLang="en-US" dirty="0" smtClean="0"/>
+              <a:t> 重開機後主機名生效</a:t>
+            </a:r>
             <a:endParaRPr lang="zh-TW" altLang="en-US" dirty="0"/>
           </a:p>
         </p:txBody>
@@ -5447,7 +5939,7 @@
     </p:spTree>
     <p:extLst>
       <p:ext uri="{BB962C8B-B14F-4D97-AF65-F5344CB8AC3E}">
-        <p14:creationId xmlns:p14="http://schemas.microsoft.com/office/powerpoint/2010/main" val="1949998626"/>
+        <p14:creationId xmlns:p14="http://schemas.microsoft.com/office/powerpoint/2010/main" val="2618987700"/>
       </p:ext>
     </p:extLst>
   </p:cSld>
@@ -5491,11 +5983,11 @@
           <a:p>
             <a:r>
               <a:rPr lang="en-US" altLang="zh-TW" dirty="0" smtClean="0"/>
-              <a:t>UID</a:t>
-            </a:r>
-            <a:r>
-              <a:rPr lang="zh-TW" altLang="en-US" dirty="0" smtClean="0"/>
-              <a:t>可用範圍</a:t>
+              <a:t>4.</a:t>
+            </a:r>
+            <a:r>
+              <a:rPr lang="zh-TW" altLang="en-US" dirty="0" smtClean="0"/>
+              <a:t>關機</a:t>
             </a:r>
             <a:endParaRPr lang="zh-TW" altLang="en-US" dirty="0"/>
           </a:p>
@@ -5518,110 +6010,127 @@
           <a:p>
             <a:r>
               <a:rPr lang="en-US" altLang="zh-TW" dirty="0" smtClean="0"/>
-              <a:t>0:</a:t>
-            </a:r>
-            <a:r>
-              <a:rPr lang="zh-TW" altLang="en-US" dirty="0" smtClean="0"/>
-              <a:t>系統管理員</a:t>
-            </a:r>
-            <a:r>
-              <a:rPr lang="en-US" altLang="zh-TW" dirty="0" smtClean="0"/>
-              <a:t>(root)</a:t>
-            </a:r>
-          </a:p>
-          <a:p>
-            <a:r>
-              <a:rPr lang="en-US" altLang="zh-TW" dirty="0" smtClean="0"/>
-              <a:t>1~999:</a:t>
-            </a:r>
-            <a:r>
-              <a:rPr lang="zh-TW" altLang="en-US" dirty="0" smtClean="0"/>
-              <a:t>保留系統使用</a:t>
+              <a:t>shutdown</a:t>
+            </a:r>
+            <a:r>
+              <a:rPr lang="zh-TW" altLang="en-US" dirty="0" smtClean="0"/>
+              <a:t> </a:t>
+            </a:r>
+            <a:r>
+              <a:rPr lang="en-US" altLang="zh-TW" dirty="0" smtClean="0"/>
+              <a:t>[-r</a:t>
+            </a:r>
+            <a:r>
+              <a:rPr lang="zh-TW" altLang="en-US" dirty="0" smtClean="0"/>
+              <a:t> </a:t>
+            </a:r>
+            <a:r>
+              <a:rPr lang="en-US" altLang="zh-TW" dirty="0" smtClean="0"/>
+              <a:t>-h] [-t sec] time</a:t>
+            </a:r>
+          </a:p>
+          <a:p>
+            <a:r>
+              <a:rPr lang="en-US" altLang="zh-TW" dirty="0" smtClean="0"/>
+              <a:t>shutdown</a:t>
+            </a:r>
+            <a:r>
+              <a:rPr lang="zh-TW" altLang="en-US" dirty="0" smtClean="0"/>
+              <a:t>參數</a:t>
+            </a:r>
+            <a:r>
+              <a:rPr lang="en-US" altLang="zh-TW" dirty="0" smtClean="0"/>
+              <a:t>:-r </a:t>
+            </a:r>
+            <a:r>
+              <a:rPr lang="zh-TW" altLang="en-US" dirty="0" smtClean="0"/>
+              <a:t>重新開機</a:t>
             </a:r>
             <a:endParaRPr lang="en-US" altLang="zh-TW" dirty="0" smtClean="0"/>
           </a:p>
           <a:p>
-            <a:pPr marL="0" indent="0">
-              <a:buNone/>
-            </a:pPr>
-            <a:r>
-              <a:rPr lang="zh-TW" altLang="en-US" dirty="0" smtClean="0"/>
-              <a:t>                 </a:t>
-            </a:r>
-            <a:r>
-              <a:rPr lang="en-US" altLang="zh-TW" dirty="0" smtClean="0"/>
-              <a:t>1~200:</a:t>
-            </a:r>
-            <a:r>
-              <a:rPr lang="zh-TW" altLang="en-US" dirty="0" smtClean="0"/>
-              <a:t>發布版本自行建立</a:t>
+            <a:r>
+              <a:rPr lang="en-US" altLang="zh-TW" dirty="0"/>
+              <a:t>shutdown</a:t>
+            </a:r>
+            <a:r>
+              <a:rPr lang="zh-TW" altLang="en-US" dirty="0"/>
+              <a:t>參數</a:t>
+            </a:r>
+            <a:r>
+              <a:rPr lang="en-US" altLang="zh-TW" dirty="0" smtClean="0"/>
+              <a:t>:-h </a:t>
+            </a:r>
+            <a:r>
+              <a:rPr lang="zh-TW" altLang="en-US" dirty="0" smtClean="0"/>
+              <a:t>在關機後停止運作</a:t>
             </a:r>
             <a:endParaRPr lang="en-US" altLang="zh-TW" dirty="0" smtClean="0"/>
           </a:p>
           <a:p>
-            <a:pPr marL="0" indent="0">
-              <a:buNone/>
-            </a:pPr>
-            <a:r>
-              <a:rPr lang="zh-TW" altLang="en-US" dirty="0" smtClean="0"/>
-              <a:t>                 </a:t>
-            </a:r>
-            <a:r>
-              <a:rPr lang="en-US" altLang="zh-TW" dirty="0" smtClean="0"/>
-              <a:t>200~999:</a:t>
-            </a:r>
-            <a:r>
-              <a:rPr lang="zh-TW" altLang="en-US" dirty="0" smtClean="0"/>
-              <a:t>使用者有系統帳號需求建立</a:t>
+            <a:r>
+              <a:rPr lang="en-US" altLang="zh-TW" dirty="0"/>
+              <a:t>s</a:t>
+            </a:r>
+            <a:r>
+              <a:rPr lang="en-US" altLang="zh-TW" dirty="0" smtClean="0"/>
+              <a:t>hutdown time</a:t>
+            </a:r>
+            <a:r>
+              <a:rPr lang="zh-TW" altLang="en-US" dirty="0" smtClean="0"/>
+              <a:t>參數</a:t>
+            </a:r>
+            <a:r>
+              <a:rPr lang="en-US" altLang="zh-TW" dirty="0" smtClean="0"/>
+              <a:t>:</a:t>
+            </a:r>
+          </a:p>
+          <a:p>
+            <a:r>
+              <a:rPr lang="en-US" altLang="zh-TW" dirty="0" smtClean="0"/>
+              <a:t>-t </a:t>
+            </a:r>
+            <a:r>
+              <a:rPr lang="zh-TW" altLang="en-US" dirty="0" smtClean="0"/>
+              <a:t>後接秒數</a:t>
             </a:r>
             <a:endParaRPr lang="en-US" altLang="zh-TW" dirty="0" smtClean="0"/>
           </a:p>
           <a:p>
             <a:r>
-              <a:rPr lang="en-US" altLang="zh-TW" dirty="0" smtClean="0"/>
-              <a:t>1000~:</a:t>
-            </a:r>
-            <a:r>
-              <a:rPr lang="zh-TW" altLang="en-US" dirty="0" smtClean="0"/>
-              <a:t>一般使用者使用</a:t>
+              <a:rPr lang="en-US" altLang="zh-TW" dirty="0"/>
+              <a:t>n</a:t>
+            </a:r>
+            <a:r>
+              <a:rPr lang="en-US" altLang="zh-TW" dirty="0" smtClean="0"/>
+              <a:t>ow:</a:t>
+            </a:r>
+            <a:r>
+              <a:rPr lang="zh-TW" altLang="en-US" dirty="0" smtClean="0"/>
+              <a:t>立即關機</a:t>
             </a:r>
             <a:endParaRPr lang="en-US" altLang="zh-TW" dirty="0" smtClean="0"/>
           </a:p>
           <a:p>
-            <a:pPr marL="0" indent="0">
-              <a:buNone/>
-            </a:pPr>
-            <a:r>
-              <a:rPr lang="zh-TW" altLang="en-US" dirty="0" smtClean="0"/>
-              <a:t>                </a:t>
-            </a:r>
-            <a:r>
-              <a:rPr lang="en-US" altLang="zh-TW" dirty="0" smtClean="0"/>
-              <a:t>(</a:t>
-            </a:r>
-            <a:r>
-              <a:rPr lang="zh-TW" altLang="en-US" dirty="0" smtClean="0"/>
-              <a:t>可到多大看</a:t>
-            </a:r>
-            <a:r>
-              <a:rPr lang="en-US" altLang="zh-TW" dirty="0" smtClean="0"/>
-              <a:t>LINUX</a:t>
-            </a:r>
-            <a:r>
-              <a:rPr lang="zh-TW" altLang="en-US" dirty="0" smtClean="0"/>
-              <a:t>內核版本</a:t>
-            </a:r>
-            <a:r>
-              <a:rPr lang="en-US" altLang="zh-TW" dirty="0" smtClean="0"/>
-              <a:t>)</a:t>
-            </a:r>
+            <a:r>
+              <a:rPr lang="en-US" altLang="zh-TW" dirty="0" smtClean="0"/>
+              <a:t>e.g. shutdown -r now </a:t>
+            </a:r>
+            <a:r>
+              <a:rPr lang="zh-TW" altLang="en-US" dirty="0" smtClean="0"/>
+              <a:t>表立即重新啟動</a:t>
+            </a:r>
+            <a:endParaRPr lang="en-US" altLang="zh-TW" dirty="0" smtClean="0"/>
+          </a:p>
+          <a:p>
+            <a:endParaRPr lang="zh-TW" altLang="en-US" dirty="0"/>
           </a:p>
         </p:txBody>
       </p:sp>
     </p:spTree>
     <p:extLst>
       <p:ext uri="{BB962C8B-B14F-4D97-AF65-F5344CB8AC3E}">
-        <p14:creationId xmlns:p14="http://schemas.microsoft.com/office/powerpoint/2010/main" val="1215638466"/>
+        <p14:creationId xmlns:p14="http://schemas.microsoft.com/office/powerpoint/2010/main" val="904115084"/>
       </p:ext>
     </p:extLst>
   </p:cSld>
